--- a/presentation.pptx
+++ b/presentation.pptx
@@ -13976,7 +13976,6 @@
           </a:bodyPr>
           <a:lstStyle/>
           <a:p>
-            <a:pPr/>
             <a:endParaRPr lang="en-US" dirty="0"/>
           </a:p>
         </p:txBody>
@@ -17511,7 +17510,6 @@
           </a:bodyPr>
           <a:lstStyle/>
           <a:p>
-            <a:pPr/>
             <a:endParaRPr lang="en-US" dirty="0"/>
           </a:p>
         </p:txBody>
@@ -18629,8 +18627,8 @@
           </a:p>
         </p:txBody>
       </p:sp>
-      <mc:AlternateContent xmlns:mc="http://schemas.openxmlformats.org/markup-compatibility/2006">
-        <mc:Choice xmlns:a14="http://schemas.microsoft.com/office/drawing/2010/main" Requires="a14">
+      <mc:AlternateContent xmlns:mc="http://schemas.openxmlformats.org/markup-compatibility/2006" xmlns:a14="http://schemas.microsoft.com/office/drawing/2010/main">
+        <mc:Choice Requires="a14">
           <p:sp>
             <p:nvSpPr>
               <p:cNvPr id="16" name="TextBox 15">
@@ -18803,7 +18801,7 @@
             </p:txBody>
           </p:sp>
         </mc:Choice>
-        <mc:Fallback>
+        <mc:Fallback xmlns="">
           <p:sp>
             <p:nvSpPr>
               <p:cNvPr id="16" name="TextBox 15">
@@ -18848,8 +18846,8 @@
           </p:sp>
         </mc:Fallback>
       </mc:AlternateContent>
-      <mc:AlternateContent xmlns:mc="http://schemas.openxmlformats.org/markup-compatibility/2006">
-        <mc:Choice xmlns:a14="http://schemas.microsoft.com/office/drawing/2010/main" Requires="a14">
+      <mc:AlternateContent xmlns:mc="http://schemas.openxmlformats.org/markup-compatibility/2006" xmlns:a14="http://schemas.microsoft.com/office/drawing/2010/main">
+        <mc:Choice Requires="a14">
           <p:sp>
             <p:nvSpPr>
               <p:cNvPr id="18" name="TextBox 17">
@@ -19018,7 +19016,7 @@
             </p:txBody>
           </p:sp>
         </mc:Choice>
-        <mc:Fallback>
+        <mc:Fallback xmlns="">
           <p:sp>
             <p:nvSpPr>
               <p:cNvPr id="18" name="TextBox 17">
@@ -19115,8 +19113,8 @@
           </a:p>
         </p:txBody>
       </p:sp>
-      <mc:AlternateContent xmlns:mc="http://schemas.openxmlformats.org/markup-compatibility/2006">
-        <mc:Choice xmlns:a14="http://schemas.microsoft.com/office/drawing/2010/main" Requires="a14">
+      <mc:AlternateContent xmlns:mc="http://schemas.openxmlformats.org/markup-compatibility/2006" xmlns:a14="http://schemas.microsoft.com/office/drawing/2010/main">
+        <mc:Choice Requires="a14">
           <p:sp>
             <p:nvSpPr>
               <p:cNvPr id="13" name="TextBox 12">
@@ -19173,13 +19171,7 @@
                             <a:rPr lang="en-US" b="0" i="1" smtClean="0">
                               <a:latin typeface="Cambria Math" panose="02040503050406030204" pitchFamily="18" charset="0"/>
                             </a:rPr>
-                            <m:t>𝑛</m:t>
-                          </m:r>
-                          <m:r>
-                            <a:rPr lang="en-US" b="0" i="1" smtClean="0">
-                              <a:latin typeface="Cambria Math" panose="02040503050406030204" pitchFamily="18" charset="0"/>
-                            </a:rPr>
-                            <m:t>𝑘</m:t>
+                            <m:t>𝑛𝑘</m:t>
                           </m:r>
                         </m:sub>
                       </m:sSub>
@@ -19247,7 +19239,7 @@
             </p:txBody>
           </p:sp>
         </mc:Choice>
-        <mc:Fallback>
+        <mc:Fallback xmlns="">
           <p:sp>
             <p:nvSpPr>
               <p:cNvPr id="13" name="TextBox 12">
@@ -19292,8 +19284,8 @@
           </p:sp>
         </mc:Fallback>
       </mc:AlternateContent>
-      <mc:AlternateContent xmlns:mc="http://schemas.openxmlformats.org/markup-compatibility/2006">
-        <mc:Choice xmlns:a14="http://schemas.microsoft.com/office/drawing/2010/main" Requires="a14">
+      <mc:AlternateContent xmlns:mc="http://schemas.openxmlformats.org/markup-compatibility/2006" xmlns:a14="http://schemas.microsoft.com/office/drawing/2010/main">
+        <mc:Choice Requires="a14">
           <p:sp>
             <p:nvSpPr>
               <p:cNvPr id="19" name="TextBox 18">
@@ -19418,7 +19410,7 @@
             </p:txBody>
           </p:sp>
         </mc:Choice>
-        <mc:Fallback>
+        <mc:Fallback xmlns="">
           <p:sp>
             <p:nvSpPr>
               <p:cNvPr id="19" name="TextBox 18">
@@ -19463,8 +19455,8 @@
           </p:sp>
         </mc:Fallback>
       </mc:AlternateContent>
-      <mc:AlternateContent xmlns:mc="http://schemas.openxmlformats.org/markup-compatibility/2006">
-        <mc:Choice xmlns:a14="http://schemas.microsoft.com/office/drawing/2010/main" Requires="a14">
+      <mc:AlternateContent xmlns:mc="http://schemas.openxmlformats.org/markup-compatibility/2006" xmlns:a14="http://schemas.microsoft.com/office/drawing/2010/main">
+        <mc:Choice Requires="a14">
           <p:sp>
             <p:nvSpPr>
               <p:cNvPr id="12" name="TextBox 11">
@@ -19637,7 +19629,7 @@
             </p:txBody>
           </p:sp>
         </mc:Choice>
-        <mc:Fallback>
+        <mc:Fallback xmlns="">
           <p:sp>
             <p:nvSpPr>
               <p:cNvPr id="12" name="TextBox 11">
@@ -22848,14 +22840,13 @@
         </p:nvPicPr>
         <p:blipFill>
           <a:blip r:embed="rId2"/>
-          <a:stretch>
-            <a:fillRect/>
-          </a:stretch>
+          <a:srcRect/>
+          <a:stretch/>
         </p:blipFill>
         <p:spPr>
           <a:xfrm>
             <a:off x="1901113" y="2839800"/>
-            <a:ext cx="1958564" cy="2371643"/>
+            <a:ext cx="1958564" cy="2371642"/>
           </a:xfrm>
           <a:prstGeom prst="rect">
             <a:avLst/>
@@ -23770,7 +23761,7 @@
         </p:blipFill>
         <p:spPr>
           <a:xfrm>
-            <a:off x="4611898" y="4891001"/>
+            <a:off x="4806458" y="4891001"/>
             <a:ext cx="2922484" cy="1465349"/>
           </a:xfrm>
           <a:prstGeom prst="rect">
@@ -23799,7 +23790,7 @@
         </p:blipFill>
         <p:spPr>
           <a:xfrm>
-            <a:off x="4627138" y="3290844"/>
+            <a:off x="4821698" y="3290844"/>
             <a:ext cx="2922484" cy="1465349"/>
           </a:xfrm>
           <a:prstGeom prst="rect">
@@ -23828,7 +23819,7 @@
         </p:blipFill>
         <p:spPr>
           <a:xfrm>
-            <a:off x="4611898" y="1687340"/>
+            <a:off x="4806458" y="1687340"/>
             <a:ext cx="2922484" cy="1465348"/>
           </a:xfrm>
           <a:prstGeom prst="rect">
@@ -23836,6 +23827,184 @@
           </a:prstGeom>
         </p:spPr>
       </p:pic>
+      <p:pic>
+        <p:nvPicPr>
+          <p:cNvPr id="5" name="Picture 4">
+            <a:extLst>
+              <a:ext uri="{FF2B5EF4-FFF2-40B4-BE49-F238E27FC236}">
+                <a16:creationId xmlns:a16="http://schemas.microsoft.com/office/drawing/2014/main" id="{C524A39F-BBB7-11DC-868F-68562DDD2699}"/>
+              </a:ext>
+            </a:extLst>
+          </p:cNvPr>
+          <p:cNvPicPr>
+            <a:picLocks noChangeAspect="1"/>
+          </p:cNvPicPr>
+          <p:nvPr/>
+        </p:nvPicPr>
+        <p:blipFill>
+          <a:blip r:embed="rId3"/>
+          <a:stretch>
+            <a:fillRect/>
+          </a:stretch>
+        </p:blipFill>
+        <p:spPr>
+          <a:xfrm>
+            <a:off x="1992644" y="2076857"/>
+            <a:ext cx="1179704" cy="1075831"/>
+          </a:xfrm>
+          <a:prstGeom prst="rect">
+            <a:avLst/>
+          </a:prstGeom>
+        </p:spPr>
+      </p:pic>
+      <p:sp>
+        <p:nvSpPr>
+          <p:cNvPr id="9" name="TextBox 8">
+            <a:extLst>
+              <a:ext uri="{FF2B5EF4-FFF2-40B4-BE49-F238E27FC236}">
+                <a16:creationId xmlns:a16="http://schemas.microsoft.com/office/drawing/2014/main" id="{37A5F833-DFAC-F772-7DBA-76D124DE9765}"/>
+              </a:ext>
+            </a:extLst>
+          </p:cNvPr>
+          <p:cNvSpPr txBox="1"/>
+          <p:nvPr/>
+        </p:nvSpPr>
+        <p:spPr>
+          <a:xfrm>
+            <a:off x="1049797" y="3815856"/>
+            <a:ext cx="3706496" cy="923330"/>
+          </a:xfrm>
+          <a:prstGeom prst="rect">
+            <a:avLst/>
+          </a:prstGeom>
+          <a:noFill/>
+        </p:spPr>
+        <p:txBody>
+          <a:bodyPr wrap="square" rtlCol="0">
+            <a:spAutoFit/>
+          </a:bodyPr>
+          <a:lstStyle/>
+          <a:p>
+            <a:r>
+              <a:rPr lang="en-US" dirty="0"/>
+              <a:t>Prior distributions encode </a:t>
+            </a:r>
+            <a:r>
+              <a:rPr lang="en-US" b="1" dirty="0"/>
+              <a:t>a-priori assumptions about the variables </a:t>
+            </a:r>
+            <a:r>
+              <a:rPr lang="en-US" dirty="0"/>
+              <a:t>before seeing any data</a:t>
+            </a:r>
+          </a:p>
+        </p:txBody>
+      </p:sp>
+      <p:sp>
+        <p:nvSpPr>
+          <p:cNvPr id="10" name="TextBox 9">
+            <a:extLst>
+              <a:ext uri="{FF2B5EF4-FFF2-40B4-BE49-F238E27FC236}">
+                <a16:creationId xmlns:a16="http://schemas.microsoft.com/office/drawing/2014/main" id="{F3545A86-21DB-9042-C5A4-1076B0035008}"/>
+              </a:ext>
+            </a:extLst>
+          </p:cNvPr>
+          <p:cNvSpPr txBox="1"/>
+          <p:nvPr/>
+        </p:nvSpPr>
+        <p:spPr>
+          <a:xfrm>
+            <a:off x="7890755" y="2235348"/>
+            <a:ext cx="3706496" cy="369332"/>
+          </a:xfrm>
+          <a:prstGeom prst="rect">
+            <a:avLst/>
+          </a:prstGeom>
+          <a:noFill/>
+        </p:spPr>
+        <p:txBody>
+          <a:bodyPr wrap="square" rtlCol="0">
+            <a:spAutoFit/>
+          </a:bodyPr>
+          <a:lstStyle/>
+          <a:p>
+            <a:r>
+              <a:rPr lang="en-US" dirty="0"/>
+              <a:t>”Values should be close to 0”</a:t>
+            </a:r>
+          </a:p>
+        </p:txBody>
+      </p:sp>
+      <p:sp>
+        <p:nvSpPr>
+          <p:cNvPr id="11" name="TextBox 10">
+            <a:extLst>
+              <a:ext uri="{FF2B5EF4-FFF2-40B4-BE49-F238E27FC236}">
+                <a16:creationId xmlns:a16="http://schemas.microsoft.com/office/drawing/2014/main" id="{B284058F-5E1E-0039-DFB2-F14BFF988287}"/>
+              </a:ext>
+            </a:extLst>
+          </p:cNvPr>
+          <p:cNvSpPr txBox="1"/>
+          <p:nvPr/>
+        </p:nvSpPr>
+        <p:spPr>
+          <a:xfrm>
+            <a:off x="7890755" y="3815856"/>
+            <a:ext cx="3393332" cy="369332"/>
+          </a:xfrm>
+          <a:prstGeom prst="rect">
+            <a:avLst/>
+          </a:prstGeom>
+          <a:noFill/>
+        </p:spPr>
+        <p:txBody>
+          <a:bodyPr wrap="square" rtlCol="0">
+            <a:spAutoFit/>
+          </a:bodyPr>
+          <a:lstStyle/>
+          <a:p>
+            <a:r>
+              <a:rPr lang="en-US" dirty="0"/>
+              <a:t>”Values could also be quite large”</a:t>
+            </a:r>
+          </a:p>
+        </p:txBody>
+      </p:sp>
+      <p:sp>
+        <p:nvSpPr>
+          <p:cNvPr id="12" name="TextBox 11">
+            <a:extLst>
+              <a:ext uri="{FF2B5EF4-FFF2-40B4-BE49-F238E27FC236}">
+                <a16:creationId xmlns:a16="http://schemas.microsoft.com/office/drawing/2014/main" id="{3D941C19-2E58-A4A4-75EE-F34B5F511A44}"/>
+              </a:ext>
+            </a:extLst>
+          </p:cNvPr>
+          <p:cNvSpPr txBox="1"/>
+          <p:nvPr/>
+        </p:nvSpPr>
+        <p:spPr>
+          <a:xfrm>
+            <a:off x="7890755" y="5439009"/>
+            <a:ext cx="2922484" cy="646331"/>
+          </a:xfrm>
+          <a:prstGeom prst="rect">
+            <a:avLst/>
+          </a:prstGeom>
+          <a:noFill/>
+        </p:spPr>
+        <p:txBody>
+          <a:bodyPr wrap="square" rtlCol="0">
+            <a:spAutoFit/>
+          </a:bodyPr>
+          <a:lstStyle/>
+          <a:p>
+            <a:r>
+              <a:rPr lang="en-US" dirty="0"/>
+              <a:t>”Values should (for whatever reason) be close to 2”</a:t>
+            </a:r>
+          </a:p>
+        </p:txBody>
+      </p:sp>
     </p:spTree>
     <p:extLst>
       <p:ext uri="{BB962C8B-B14F-4D97-AF65-F5344CB8AC3E}">
@@ -23902,31 +24071,6 @@
       </p:sp>
       <p:sp>
         <p:nvSpPr>
-          <p:cNvPr id="5" name="Content Placeholder 4">
-            <a:extLst>
-              <a:ext uri="{FF2B5EF4-FFF2-40B4-BE49-F238E27FC236}">
-                <a16:creationId xmlns:a16="http://schemas.microsoft.com/office/drawing/2014/main" id="{091E666A-4952-2376-ABF1-CD8EFE53F634}"/>
-              </a:ext>
-            </a:extLst>
-          </p:cNvPr>
-          <p:cNvSpPr>
-            <a:spLocks noGrp="1"/>
-          </p:cNvSpPr>
-          <p:nvPr>
-            <p:ph idx="1"/>
-          </p:nvPr>
-        </p:nvSpPr>
-        <p:spPr/>
-        <p:txBody>
-          <a:bodyPr/>
-          <a:lstStyle/>
-          <a:p>
-            <a:endParaRPr lang="en-GB" noProof="1"/>
-          </a:p>
-        </p:txBody>
-      </p:sp>
-      <p:sp>
-        <p:nvSpPr>
           <p:cNvPr id="2" name="Date Placeholder 1">
             <a:extLst>
               <a:ext uri="{FF2B5EF4-FFF2-40B4-BE49-F238E27FC236}">
@@ -23980,6 +24124,308 @@
               <a:t>27</a:t>
             </a:fld>
             <a:endParaRPr lang="en-GB" noProof="1"/>
+          </a:p>
+        </p:txBody>
+      </p:sp>
+      <p:pic>
+        <p:nvPicPr>
+          <p:cNvPr id="1026" name="Picture 2" descr="undefined">
+            <a:extLst>
+              <a:ext uri="{FF2B5EF4-FFF2-40B4-BE49-F238E27FC236}">
+                <a16:creationId xmlns:a16="http://schemas.microsoft.com/office/drawing/2014/main" id="{F02B3A55-B191-5455-BBB8-3168503207DE}"/>
+              </a:ext>
+            </a:extLst>
+          </p:cNvPr>
+          <p:cNvPicPr>
+            <a:picLocks noChangeAspect="1" noChangeArrowheads="1"/>
+          </p:cNvPicPr>
+          <p:nvPr/>
+        </p:nvPicPr>
+        <p:blipFill>
+          <a:blip r:embed="rId2">
+            <a:extLst>
+              <a:ext uri="{28A0092B-C50C-407E-A947-70E740481C1C}">
+                <a14:useLocalDpi xmlns:a14="http://schemas.microsoft.com/office/drawing/2010/main" val="0"/>
+              </a:ext>
+            </a:extLst>
+          </a:blip>
+          <a:srcRect/>
+          <a:stretch>
+            <a:fillRect/>
+          </a:stretch>
+        </p:blipFill>
+        <p:spPr bwMode="auto">
+          <a:xfrm>
+            <a:off x="2330855" y="2329672"/>
+            <a:ext cx="1703421" cy="1826695"/>
+          </a:xfrm>
+          <a:prstGeom prst="rect">
+            <a:avLst/>
+          </a:prstGeom>
+          <a:solidFill>
+            <a:srgbClr val="FFFFFF">
+              <a:shade val="85000"/>
+            </a:srgbClr>
+          </a:solidFill>
+          <a:ln w="190500" cap="sq">
+            <a:solidFill>
+              <a:srgbClr val="FFFFFF"/>
+            </a:solidFill>
+            <a:miter lim="800000"/>
+          </a:ln>
+          <a:effectLst>
+            <a:outerShdw blurRad="65000" dist="50800" dir="12900000" kx="195000" ky="145000" algn="tl" rotWithShape="0">
+              <a:srgbClr val="000000">
+                <a:alpha val="30000"/>
+              </a:srgbClr>
+            </a:outerShdw>
+          </a:effectLst>
+          <a:scene3d>
+            <a:camera prst="orthographicFront">
+              <a:rot lat="0" lon="0" rev="360000"/>
+            </a:camera>
+            <a:lightRig rig="twoPt" dir="t">
+              <a:rot lat="0" lon="0" rev="7200000"/>
+            </a:lightRig>
+          </a:scene3d>
+          <a:sp3d contourW="12700">
+            <a:bevelT w="25400" h="19050"/>
+            <a:contourClr>
+              <a:srgbClr val="969696"/>
+            </a:contourClr>
+          </a:sp3d>
+          <a:extLst>
+            <a:ext uri="{909E8E84-426E-40DD-AFC4-6F175D3DCCD1}">
+              <a14:hiddenFill xmlns:a14="http://schemas.microsoft.com/office/drawing/2010/main">
+                <a:solidFill>
+                  <a:srgbClr val="FFFFFF"/>
+                </a:solidFill>
+              </a14:hiddenFill>
+            </a:ext>
+          </a:extLst>
+        </p:spPr>
+      </p:pic>
+      <p:sp>
+        <p:nvSpPr>
+          <p:cNvPr id="6" name="TextBox 5">
+            <a:extLst>
+              <a:ext uri="{FF2B5EF4-FFF2-40B4-BE49-F238E27FC236}">
+                <a16:creationId xmlns:a16="http://schemas.microsoft.com/office/drawing/2014/main" id="{1B6137CF-1DFA-A1BB-95C5-03C6425A7EA7}"/>
+              </a:ext>
+            </a:extLst>
+          </p:cNvPr>
+          <p:cNvSpPr txBox="1"/>
+          <p:nvPr/>
+        </p:nvSpPr>
+        <p:spPr>
+          <a:xfrm>
+            <a:off x="1245140" y="4794036"/>
+            <a:ext cx="3696511" cy="923330"/>
+          </a:xfrm>
+          <a:prstGeom prst="rect">
+            <a:avLst/>
+          </a:prstGeom>
+          <a:noFill/>
+        </p:spPr>
+        <p:txBody>
+          <a:bodyPr wrap="square" rtlCol="0">
+            <a:spAutoFit/>
+          </a:bodyPr>
+          <a:lstStyle/>
+          <a:p>
+            <a:pPr algn="ctr"/>
+            <a:r>
+              <a:rPr lang="en-US" dirty="0"/>
+              <a:t>Thomas Bayes</a:t>
+            </a:r>
+          </a:p>
+          <a:p>
+            <a:pPr algn="ctr"/>
+            <a:r>
+              <a:rPr lang="en-US" dirty="0"/>
+              <a:t>1701 – 1761</a:t>
+            </a:r>
+          </a:p>
+          <a:p>
+            <a:pPr algn="ctr"/>
+            <a:r>
+              <a:rPr lang="en-US" dirty="0"/>
+              <a:t>Statistician and Presbyterian minister</a:t>
+            </a:r>
+          </a:p>
+        </p:txBody>
+      </p:sp>
+      <p:pic>
+        <p:nvPicPr>
+          <p:cNvPr id="7" name="Picture 6">
+            <a:extLst>
+              <a:ext uri="{FF2B5EF4-FFF2-40B4-BE49-F238E27FC236}">
+                <a16:creationId xmlns:a16="http://schemas.microsoft.com/office/drawing/2014/main" id="{EE5FC1D1-9EBD-B4CA-3972-A5F3DD6EAFD1}"/>
+              </a:ext>
+            </a:extLst>
+          </p:cNvPr>
+          <p:cNvPicPr>
+            <a:picLocks noChangeAspect="1"/>
+          </p:cNvPicPr>
+          <p:nvPr/>
+        </p:nvPicPr>
+        <p:blipFill>
+          <a:blip r:embed="rId3"/>
+          <a:stretch>
+            <a:fillRect/>
+          </a:stretch>
+        </p:blipFill>
+        <p:spPr>
+          <a:xfrm>
+            <a:off x="5383046" y="3064167"/>
+            <a:ext cx="4965700" cy="1092200"/>
+          </a:xfrm>
+          <a:prstGeom prst="rect">
+            <a:avLst/>
+          </a:prstGeom>
+        </p:spPr>
+      </p:pic>
+      <p:sp>
+        <p:nvSpPr>
+          <p:cNvPr id="8" name="TextBox 7">
+            <a:extLst>
+              <a:ext uri="{FF2B5EF4-FFF2-40B4-BE49-F238E27FC236}">
+                <a16:creationId xmlns:a16="http://schemas.microsoft.com/office/drawing/2014/main" id="{F52DA611-6B8C-7BC0-FDD1-7236E660EAF3}"/>
+              </a:ext>
+            </a:extLst>
+          </p:cNvPr>
+          <p:cNvSpPr txBox="1"/>
+          <p:nvPr/>
+        </p:nvSpPr>
+        <p:spPr>
+          <a:xfrm>
+            <a:off x="5719864" y="2480830"/>
+            <a:ext cx="1154349" cy="369332"/>
+          </a:xfrm>
+          <a:prstGeom prst="rect">
+            <a:avLst/>
+          </a:prstGeom>
+          <a:noFill/>
+        </p:spPr>
+        <p:txBody>
+          <a:bodyPr wrap="square" rtlCol="0">
+            <a:spAutoFit/>
+          </a:bodyPr>
+          <a:lstStyle/>
+          <a:p>
+            <a:pPr algn="ctr"/>
+            <a:r>
+              <a:rPr lang="en-US" b="1" dirty="0"/>
+              <a:t>Posterior</a:t>
+            </a:r>
+          </a:p>
+        </p:txBody>
+      </p:sp>
+      <p:sp>
+        <p:nvSpPr>
+          <p:cNvPr id="9" name="TextBox 8">
+            <a:extLst>
+              <a:ext uri="{FF2B5EF4-FFF2-40B4-BE49-F238E27FC236}">
+                <a16:creationId xmlns:a16="http://schemas.microsoft.com/office/drawing/2014/main" id="{DE629E1B-F0B7-9C11-9C97-7E035961D531}"/>
+              </a:ext>
+            </a:extLst>
+          </p:cNvPr>
+          <p:cNvSpPr txBox="1"/>
+          <p:nvPr/>
+        </p:nvSpPr>
+        <p:spPr>
+          <a:xfrm>
+            <a:off x="9283970" y="2480830"/>
+            <a:ext cx="1154349" cy="369332"/>
+          </a:xfrm>
+          <a:prstGeom prst="rect">
+            <a:avLst/>
+          </a:prstGeom>
+          <a:noFill/>
+        </p:spPr>
+        <p:txBody>
+          <a:bodyPr wrap="square" rtlCol="0">
+            <a:spAutoFit/>
+          </a:bodyPr>
+          <a:lstStyle/>
+          <a:p>
+            <a:pPr algn="ctr"/>
+            <a:r>
+              <a:rPr lang="en-US" b="1" dirty="0"/>
+              <a:t>Prior</a:t>
+            </a:r>
+          </a:p>
+        </p:txBody>
+      </p:sp>
+      <p:sp>
+        <p:nvSpPr>
+          <p:cNvPr id="10" name="TextBox 9">
+            <a:extLst>
+              <a:ext uri="{FF2B5EF4-FFF2-40B4-BE49-F238E27FC236}">
+                <a16:creationId xmlns:a16="http://schemas.microsoft.com/office/drawing/2014/main" id="{7E5F9E0F-5887-8499-9CB9-89848577644A}"/>
+              </a:ext>
+            </a:extLst>
+          </p:cNvPr>
+          <p:cNvSpPr txBox="1"/>
+          <p:nvPr/>
+        </p:nvSpPr>
+        <p:spPr>
+          <a:xfrm>
+            <a:off x="7915616" y="2480830"/>
+            <a:ext cx="1364575" cy="369332"/>
+          </a:xfrm>
+          <a:prstGeom prst="rect">
+            <a:avLst/>
+          </a:prstGeom>
+          <a:noFill/>
+        </p:spPr>
+        <p:txBody>
+          <a:bodyPr wrap="square" rtlCol="0">
+            <a:spAutoFit/>
+          </a:bodyPr>
+          <a:lstStyle/>
+          <a:p>
+            <a:pPr algn="ctr"/>
+            <a:r>
+              <a:rPr lang="en-US" b="1" dirty="0"/>
+              <a:t>Likelihood</a:t>
+            </a:r>
+          </a:p>
+        </p:txBody>
+      </p:sp>
+      <p:sp>
+        <p:nvSpPr>
+          <p:cNvPr id="11" name="TextBox 10">
+            <a:extLst>
+              <a:ext uri="{FF2B5EF4-FFF2-40B4-BE49-F238E27FC236}">
+                <a16:creationId xmlns:a16="http://schemas.microsoft.com/office/drawing/2014/main" id="{176DDD95-6D16-7587-AE10-7BFED20D1B2C}"/>
+              </a:ext>
+            </a:extLst>
+          </p:cNvPr>
+          <p:cNvSpPr txBox="1"/>
+          <p:nvPr/>
+        </p:nvSpPr>
+        <p:spPr>
+          <a:xfrm>
+            <a:off x="7915616" y="4389165"/>
+            <a:ext cx="2162239" cy="369332"/>
+          </a:xfrm>
+          <a:prstGeom prst="rect">
+            <a:avLst/>
+          </a:prstGeom>
+          <a:noFill/>
+        </p:spPr>
+        <p:txBody>
+          <a:bodyPr wrap="square" rtlCol="0">
+            <a:spAutoFit/>
+          </a:bodyPr>
+          <a:lstStyle/>
+          <a:p>
+            <a:pPr algn="ctr"/>
+            <a:r>
+              <a:rPr lang="en-US" b="1" dirty="0"/>
+              <a:t>Marginal likelihood</a:t>
+            </a:r>
           </a:p>
         </p:txBody>
       </p:sp>
@@ -24049,31 +24495,6 @@
       </p:sp>
       <p:sp>
         <p:nvSpPr>
-          <p:cNvPr id="5" name="Content Placeholder 4">
-            <a:extLst>
-              <a:ext uri="{FF2B5EF4-FFF2-40B4-BE49-F238E27FC236}">
-                <a16:creationId xmlns:a16="http://schemas.microsoft.com/office/drawing/2014/main" id="{25DDF99C-7DA8-1FC6-8D34-991AC8166C31}"/>
-              </a:ext>
-            </a:extLst>
-          </p:cNvPr>
-          <p:cNvSpPr>
-            <a:spLocks noGrp="1"/>
-          </p:cNvSpPr>
-          <p:nvPr>
-            <p:ph idx="1"/>
-          </p:nvPr>
-        </p:nvSpPr>
-        <p:spPr/>
-        <p:txBody>
-          <a:bodyPr/>
-          <a:lstStyle/>
-          <a:p>
-            <a:endParaRPr lang="en-GB" noProof="1"/>
-          </a:p>
-        </p:txBody>
-      </p:sp>
-      <p:sp>
-        <p:nvSpPr>
           <p:cNvPr id="2" name="Date Placeholder 1">
             <a:extLst>
               <a:ext uri="{FF2B5EF4-FFF2-40B4-BE49-F238E27FC236}">
@@ -24130,6 +24551,261 @@
           </a:p>
         </p:txBody>
       </p:sp>
+      <p:pic>
+        <p:nvPicPr>
+          <p:cNvPr id="6" name="Picture 5">
+            <a:extLst>
+              <a:ext uri="{FF2B5EF4-FFF2-40B4-BE49-F238E27FC236}">
+                <a16:creationId xmlns:a16="http://schemas.microsoft.com/office/drawing/2014/main" id="{370FF582-A86F-7D92-1DA4-5F2BE299E57C}"/>
+              </a:ext>
+            </a:extLst>
+          </p:cNvPr>
+          <p:cNvPicPr>
+            <a:picLocks noChangeAspect="1"/>
+          </p:cNvPicPr>
+          <p:nvPr/>
+        </p:nvPicPr>
+        <p:blipFill>
+          <a:blip r:embed="rId2"/>
+          <a:stretch>
+            <a:fillRect/>
+          </a:stretch>
+        </p:blipFill>
+        <p:spPr>
+          <a:xfrm>
+            <a:off x="838200" y="3180505"/>
+            <a:ext cx="3832768" cy="843013"/>
+          </a:xfrm>
+          <a:prstGeom prst="rect">
+            <a:avLst/>
+          </a:prstGeom>
+        </p:spPr>
+      </p:pic>
+      <p:sp>
+        <p:nvSpPr>
+          <p:cNvPr id="7" name="TextBox 6">
+            <a:extLst>
+              <a:ext uri="{FF2B5EF4-FFF2-40B4-BE49-F238E27FC236}">
+                <a16:creationId xmlns:a16="http://schemas.microsoft.com/office/drawing/2014/main" id="{C0344CA2-413D-7625-EA6A-D639DD09BC8B}"/>
+              </a:ext>
+            </a:extLst>
+          </p:cNvPr>
+          <p:cNvSpPr txBox="1"/>
+          <p:nvPr/>
+        </p:nvSpPr>
+        <p:spPr>
+          <a:xfrm>
+            <a:off x="627434" y="2210772"/>
+            <a:ext cx="4742234" cy="646331"/>
+          </a:xfrm>
+          <a:prstGeom prst="rect">
+            <a:avLst/>
+          </a:prstGeom>
+          <a:noFill/>
+        </p:spPr>
+        <p:txBody>
+          <a:bodyPr wrap="square" rtlCol="0">
+            <a:spAutoFit/>
+          </a:bodyPr>
+          <a:lstStyle/>
+          <a:p>
+            <a:pPr algn="ctr"/>
+            <a:r>
+              <a:rPr lang="en-US" dirty="0"/>
+              <a:t>Given the prior distribution and data likelihood, the posterior should be easy to compute...</a:t>
+            </a:r>
+          </a:p>
+        </p:txBody>
+      </p:sp>
+      <p:cxnSp>
+        <p:nvCxnSpPr>
+          <p:cNvPr id="9" name="Straight Connector 8">
+            <a:extLst>
+              <a:ext uri="{FF2B5EF4-FFF2-40B4-BE49-F238E27FC236}">
+                <a16:creationId xmlns:a16="http://schemas.microsoft.com/office/drawing/2014/main" id="{51F84263-F4D1-A96A-083F-D1DACDE9B49B}"/>
+              </a:ext>
+            </a:extLst>
+          </p:cNvPr>
+          <p:cNvCxnSpPr/>
+          <p:nvPr/>
+        </p:nvCxnSpPr>
+        <p:spPr>
+          <a:xfrm>
+            <a:off x="2998551" y="3832698"/>
+            <a:ext cx="1242709" cy="0"/>
+          </a:xfrm>
+          <a:prstGeom prst="line">
+            <a:avLst/>
+          </a:prstGeom>
+          <a:ln w="38100">
+            <a:solidFill>
+              <a:srgbClr val="C00000"/>
+            </a:solidFill>
+          </a:ln>
+        </p:spPr>
+        <p:style>
+          <a:lnRef idx="1">
+            <a:schemeClr val="accent1"/>
+          </a:lnRef>
+          <a:fillRef idx="0">
+            <a:schemeClr val="accent1"/>
+          </a:fillRef>
+          <a:effectRef idx="0">
+            <a:schemeClr val="accent1"/>
+          </a:effectRef>
+          <a:fontRef idx="minor">
+            <a:schemeClr val="tx1"/>
+          </a:fontRef>
+        </p:style>
+      </p:cxnSp>
+      <p:sp>
+        <p:nvSpPr>
+          <p:cNvPr id="10" name="TextBox 9">
+            <a:extLst>
+              <a:ext uri="{FF2B5EF4-FFF2-40B4-BE49-F238E27FC236}">
+                <a16:creationId xmlns:a16="http://schemas.microsoft.com/office/drawing/2014/main" id="{0A243E5F-BE30-E5C1-EF52-44ED360B6D39}"/>
+              </a:ext>
+            </a:extLst>
+          </p:cNvPr>
+          <p:cNvSpPr txBox="1"/>
+          <p:nvPr/>
+        </p:nvSpPr>
+        <p:spPr>
+          <a:xfrm>
+            <a:off x="1248788" y="4162254"/>
+            <a:ext cx="4742234" cy="369332"/>
+          </a:xfrm>
+          <a:prstGeom prst="rect">
+            <a:avLst/>
+          </a:prstGeom>
+          <a:noFill/>
+        </p:spPr>
+        <p:txBody>
+          <a:bodyPr wrap="square" rtlCol="0">
+            <a:spAutoFit/>
+          </a:bodyPr>
+          <a:lstStyle/>
+          <a:p>
+            <a:pPr algn="ctr"/>
+            <a:r>
+              <a:rPr lang="en-US" b="1" dirty="0">
+                <a:solidFill>
+                  <a:srgbClr val="C00000"/>
+                </a:solidFill>
+              </a:rPr>
+              <a:t>Computationally not tractable </a:t>
+            </a:r>
+            <a:r>
+              <a:rPr lang="en-US" dirty="0">
+                <a:solidFill>
+                  <a:srgbClr val="C00000"/>
+                </a:solidFill>
+              </a:rPr>
+              <a:t>😭</a:t>
+            </a:r>
+          </a:p>
+        </p:txBody>
+      </p:sp>
+      <p:sp>
+        <p:nvSpPr>
+          <p:cNvPr id="11" name="TextBox 10">
+            <a:extLst>
+              <a:ext uri="{FF2B5EF4-FFF2-40B4-BE49-F238E27FC236}">
+                <a16:creationId xmlns:a16="http://schemas.microsoft.com/office/drawing/2014/main" id="{F954E4C8-5317-C91F-D2F9-67C43D473702}"/>
+              </a:ext>
+            </a:extLst>
+          </p:cNvPr>
+          <p:cNvSpPr txBox="1"/>
+          <p:nvPr/>
+        </p:nvSpPr>
+        <p:spPr>
+          <a:xfrm>
+            <a:off x="5518755" y="3520129"/>
+            <a:ext cx="4742234" cy="369332"/>
+          </a:xfrm>
+          <a:prstGeom prst="rect">
+            <a:avLst/>
+          </a:prstGeom>
+          <a:noFill/>
+        </p:spPr>
+        <p:txBody>
+          <a:bodyPr wrap="square" rtlCol="0">
+            <a:spAutoFit/>
+          </a:bodyPr>
+          <a:lstStyle/>
+          <a:p>
+            <a:pPr algn="ctr"/>
+            <a:r>
+              <a:rPr lang="en-US" dirty="0"/>
+              <a:t>Solution: </a:t>
+            </a:r>
+            <a:r>
+              <a:rPr lang="en-US" b="1" dirty="0"/>
+              <a:t>Approximate inference</a:t>
+            </a:r>
+          </a:p>
+        </p:txBody>
+      </p:sp>
+      <p:pic>
+        <p:nvPicPr>
+          <p:cNvPr id="12" name="Picture 11">
+            <a:extLst>
+              <a:ext uri="{FF2B5EF4-FFF2-40B4-BE49-F238E27FC236}">
+                <a16:creationId xmlns:a16="http://schemas.microsoft.com/office/drawing/2014/main" id="{4140600E-03E9-97B1-BD29-A0EF46E8FA7D}"/>
+              </a:ext>
+            </a:extLst>
+          </p:cNvPr>
+          <p:cNvPicPr>
+            <a:picLocks noChangeAspect="1"/>
+          </p:cNvPicPr>
+          <p:nvPr/>
+        </p:nvPicPr>
+        <p:blipFill>
+          <a:blip r:embed="rId3"/>
+          <a:stretch>
+            <a:fillRect/>
+          </a:stretch>
+        </p:blipFill>
+        <p:spPr>
+          <a:xfrm>
+            <a:off x="6671144" y="4166461"/>
+            <a:ext cx="2437456" cy="365125"/>
+          </a:xfrm>
+          <a:prstGeom prst="rect">
+            <a:avLst/>
+          </a:prstGeom>
+        </p:spPr>
+      </p:pic>
+      <p:pic>
+        <p:nvPicPr>
+          <p:cNvPr id="13" name="Picture 12">
+            <a:extLst>
+              <a:ext uri="{FF2B5EF4-FFF2-40B4-BE49-F238E27FC236}">
+                <a16:creationId xmlns:a16="http://schemas.microsoft.com/office/drawing/2014/main" id="{F1FC7DFC-307B-2A71-9E38-2F71415A923F}"/>
+              </a:ext>
+            </a:extLst>
+          </p:cNvPr>
+          <p:cNvPicPr>
+            <a:picLocks noChangeAspect="1"/>
+          </p:cNvPicPr>
+          <p:nvPr/>
+        </p:nvPicPr>
+        <p:blipFill>
+          <a:blip r:embed="rId4"/>
+          <a:stretch>
+            <a:fillRect/>
+          </a:stretch>
+        </p:blipFill>
+        <p:spPr>
+          <a:xfrm>
+            <a:off x="5118705" y="4986022"/>
+            <a:ext cx="6252757" cy="346854"/>
+          </a:xfrm>
+          <a:prstGeom prst="rect">
+            <a:avLst/>
+          </a:prstGeom>
+        </p:spPr>
+      </p:pic>
     </p:spTree>
     <p:extLst>
       <p:ext uri="{BB962C8B-B14F-4D97-AF65-F5344CB8AC3E}">
@@ -24196,10 +24872,10 @@
       </p:sp>
       <p:grpSp>
         <p:nvGrpSpPr>
-          <p:cNvPr id="80" name="Group 79">
-            <a:extLst>
-              <a:ext uri="{FF2B5EF4-FFF2-40B4-BE49-F238E27FC236}">
-                <a16:creationId xmlns:a16="http://schemas.microsoft.com/office/drawing/2014/main" id="{4DE89D40-139D-D375-F3FE-41221A4AEE0E}"/>
+          <p:cNvPr id="9" name="Group 8">
+            <a:extLst>
+              <a:ext uri="{FF2B5EF4-FFF2-40B4-BE49-F238E27FC236}">
+                <a16:creationId xmlns:a16="http://schemas.microsoft.com/office/drawing/2014/main" id="{FFD4773A-78E9-3698-E93F-B8ABFB3DBECC}"/>
               </a:ext>
             </a:extLst>
           </p:cNvPr>
@@ -24208,1658 +24884,1616 @@
         </p:nvGrpSpPr>
         <p:grpSpPr>
           <a:xfrm>
-            <a:off x="1988880" y="2432479"/>
-            <a:ext cx="8214239" cy="2654571"/>
-            <a:chOff x="1988880" y="2432479"/>
-            <a:chExt cx="8214239" cy="2654571"/>
+            <a:off x="1988880" y="2432481"/>
+            <a:ext cx="1871133" cy="2654569"/>
+            <a:chOff x="838200" y="1612630"/>
+            <a:chExt cx="1766170" cy="6030593"/>
           </a:xfrm>
         </p:grpSpPr>
-        <p:grpSp>
-          <p:nvGrpSpPr>
-            <p:cNvPr id="73" name="Group 72">
+        <p:sp>
+          <p:nvSpPr>
+            <p:cNvPr id="3" name="Rounded Rectangle 2">
               <a:extLst>
                 <a:ext uri="{FF2B5EF4-FFF2-40B4-BE49-F238E27FC236}">
-                  <a16:creationId xmlns:a16="http://schemas.microsoft.com/office/drawing/2014/main" id="{CD8EB2D6-6D64-7A92-B1F5-81B2094C4FFC}"/>
+                  <a16:creationId xmlns:a16="http://schemas.microsoft.com/office/drawing/2014/main" id="{43513023-2C63-07A1-8ACA-22966AF0BFBC}"/>
                 </a:ext>
               </a:extLst>
             </p:cNvPr>
-            <p:cNvGrpSpPr/>
+            <p:cNvSpPr/>
             <p:nvPr/>
-          </p:nvGrpSpPr>
-          <p:grpSpPr>
+          </p:nvSpPr>
+          <p:spPr>
             <a:xfrm>
-              <a:off x="1988880" y="2432479"/>
-              <a:ext cx="8214239" cy="2654571"/>
-              <a:chOff x="2080404" y="2602451"/>
-              <a:chExt cx="8214239" cy="2654571"/>
+              <a:off x="838200" y="2847837"/>
+              <a:ext cx="1766170" cy="1089765"/>
             </a:xfrm>
-          </p:grpSpPr>
-          <p:grpSp>
-            <p:nvGrpSpPr>
-              <p:cNvPr id="9" name="Group 8">
-                <a:extLst>
-                  <a:ext uri="{FF2B5EF4-FFF2-40B4-BE49-F238E27FC236}">
-                    <a16:creationId xmlns:a16="http://schemas.microsoft.com/office/drawing/2014/main" id="{FFD4773A-78E9-3698-E93F-B8ABFB3DBECC}"/>
-                  </a:ext>
-                </a:extLst>
-              </p:cNvPr>
-              <p:cNvGrpSpPr/>
-              <p:nvPr/>
-            </p:nvGrpSpPr>
-            <p:grpSpPr>
-              <a:xfrm>
-                <a:off x="2080404" y="2602453"/>
-                <a:ext cx="1871133" cy="2654569"/>
-                <a:chOff x="838200" y="1612630"/>
-                <a:chExt cx="1766170" cy="6030593"/>
-              </a:xfrm>
-            </p:grpSpPr>
-            <p:sp>
-              <p:nvSpPr>
-                <p:cNvPr id="3" name="Rounded Rectangle 2">
-                  <a:extLst>
-                    <a:ext uri="{FF2B5EF4-FFF2-40B4-BE49-F238E27FC236}">
-                      <a16:creationId xmlns:a16="http://schemas.microsoft.com/office/drawing/2014/main" id="{43513023-2C63-07A1-8ACA-22966AF0BFBC}"/>
-                    </a:ext>
-                  </a:extLst>
-                </p:cNvPr>
-                <p:cNvSpPr/>
-                <p:nvPr/>
-              </p:nvSpPr>
-              <p:spPr>
-                <a:xfrm>
-                  <a:off x="838200" y="2847837"/>
-                  <a:ext cx="1766170" cy="1089765"/>
-                </a:xfrm>
-                <a:prstGeom prst="roundRect">
-                  <a:avLst/>
-                </a:prstGeom>
-                <a:solidFill>
-                  <a:schemeClr val="accent1">
-                    <a:lumMod val="40000"/>
-                    <a:lumOff val="60000"/>
-                  </a:schemeClr>
-                </a:solidFill>
-              </p:spPr>
-              <p:style>
-                <a:lnRef idx="2">
-                  <a:schemeClr val="accent1">
-                    <a:shade val="15000"/>
-                  </a:schemeClr>
-                </a:lnRef>
-                <a:fillRef idx="1">
-                  <a:schemeClr val="accent1"/>
-                </a:fillRef>
-                <a:effectRef idx="0">
-                  <a:schemeClr val="accent1"/>
-                </a:effectRef>
-                <a:fontRef idx="minor">
-                  <a:schemeClr val="lt1"/>
-                </a:fontRef>
-              </p:style>
-              <p:txBody>
-                <a:bodyPr rtlCol="0" anchor="ctr" anchorCtr="0"/>
-                <a:lstStyle/>
-                <a:p>
-                  <a:pPr algn="ctr"/>
-                  <a:r>
-                    <a:rPr lang="en-GB" noProof="1">
-                      <a:solidFill>
-                        <a:schemeClr val="tx1"/>
-                      </a:solidFill>
-                    </a:rPr>
-                    <a:t>Transcriptomics</a:t>
-                  </a:r>
-                </a:p>
-              </p:txBody>
-            </p:sp>
-            <p:sp>
-              <p:nvSpPr>
-                <p:cNvPr id="4" name="Rounded Rectangle 3">
-                  <a:extLst>
-                    <a:ext uri="{FF2B5EF4-FFF2-40B4-BE49-F238E27FC236}">
-                      <a16:creationId xmlns:a16="http://schemas.microsoft.com/office/drawing/2014/main" id="{FE750A63-61F4-B68D-28BF-66475ACD459D}"/>
-                    </a:ext>
-                  </a:extLst>
-                </p:cNvPr>
-                <p:cNvSpPr/>
-                <p:nvPr/>
-              </p:nvSpPr>
-              <p:spPr>
-                <a:xfrm>
-                  <a:off x="838200" y="1612630"/>
-                  <a:ext cx="1766170" cy="1089765"/>
-                </a:xfrm>
-                <a:prstGeom prst="roundRect">
-                  <a:avLst/>
-                </a:prstGeom>
-                <a:solidFill>
-                  <a:schemeClr val="accent2">
-                    <a:lumMod val="40000"/>
-                    <a:lumOff val="60000"/>
-                  </a:schemeClr>
-                </a:solidFill>
-              </p:spPr>
-              <p:style>
-                <a:lnRef idx="2">
-                  <a:schemeClr val="accent1">
-                    <a:shade val="15000"/>
-                  </a:schemeClr>
-                </a:lnRef>
-                <a:fillRef idx="1">
-                  <a:schemeClr val="accent1"/>
-                </a:fillRef>
-                <a:effectRef idx="0">
-                  <a:schemeClr val="accent1"/>
-                </a:effectRef>
-                <a:fontRef idx="minor">
-                  <a:schemeClr val="lt1"/>
-                </a:fontRef>
-              </p:style>
-              <p:txBody>
-                <a:bodyPr rtlCol="0" anchor="ctr" anchorCtr="0"/>
-                <a:lstStyle/>
-                <a:p>
-                  <a:pPr algn="ctr"/>
-                  <a:r>
-                    <a:rPr lang="en-GB" noProof="1">
-                      <a:solidFill>
-                        <a:schemeClr val="tx1"/>
-                      </a:solidFill>
-                    </a:rPr>
-                    <a:t>Genomics</a:t>
-                  </a:r>
-                </a:p>
-              </p:txBody>
-            </p:sp>
-            <p:sp>
-              <p:nvSpPr>
-                <p:cNvPr id="6" name="Rounded Rectangle 5">
-                  <a:extLst>
-                    <a:ext uri="{FF2B5EF4-FFF2-40B4-BE49-F238E27FC236}">
-                      <a16:creationId xmlns:a16="http://schemas.microsoft.com/office/drawing/2014/main" id="{85020035-C116-0A72-3494-31B77914F51F}"/>
-                    </a:ext>
-                  </a:extLst>
-                </p:cNvPr>
-                <p:cNvSpPr/>
-                <p:nvPr/>
-              </p:nvSpPr>
-              <p:spPr>
-                <a:xfrm>
-                  <a:off x="838200" y="4083044"/>
-                  <a:ext cx="1766170" cy="1089765"/>
-                </a:xfrm>
-                <a:prstGeom prst="roundRect">
-                  <a:avLst/>
-                </a:prstGeom>
-                <a:solidFill>
-                  <a:schemeClr val="accent6">
-                    <a:lumMod val="40000"/>
-                    <a:lumOff val="60000"/>
-                  </a:schemeClr>
-                </a:solidFill>
-              </p:spPr>
-              <p:style>
-                <a:lnRef idx="2">
-                  <a:schemeClr val="accent1">
-                    <a:shade val="15000"/>
-                  </a:schemeClr>
-                </a:lnRef>
-                <a:fillRef idx="1">
-                  <a:schemeClr val="accent1"/>
-                </a:fillRef>
-                <a:effectRef idx="0">
-                  <a:schemeClr val="accent1"/>
-                </a:effectRef>
-                <a:fontRef idx="minor">
-                  <a:schemeClr val="lt1"/>
-                </a:fontRef>
-              </p:style>
-              <p:txBody>
-                <a:bodyPr rtlCol="0" anchor="ctr" anchorCtr="0"/>
-                <a:lstStyle/>
-                <a:p>
-                  <a:pPr algn="ctr"/>
-                  <a:r>
-                    <a:rPr lang="en-GB" noProof="1">
-                      <a:solidFill>
-                        <a:schemeClr val="tx1"/>
-                      </a:solidFill>
-                    </a:rPr>
-                    <a:t>Epigenomics</a:t>
-                  </a:r>
-                </a:p>
-              </p:txBody>
-            </p:sp>
-            <p:sp>
-              <p:nvSpPr>
-                <p:cNvPr id="7" name="Rounded Rectangle 6">
-                  <a:extLst>
-                    <a:ext uri="{FF2B5EF4-FFF2-40B4-BE49-F238E27FC236}">
-                      <a16:creationId xmlns:a16="http://schemas.microsoft.com/office/drawing/2014/main" id="{0B933A1D-C859-7455-23F5-977823723EEF}"/>
-                    </a:ext>
-                  </a:extLst>
-                </p:cNvPr>
-                <p:cNvSpPr/>
-                <p:nvPr/>
-              </p:nvSpPr>
-              <p:spPr>
-                <a:xfrm>
-                  <a:off x="838200" y="5318251"/>
-                  <a:ext cx="1766170" cy="1089765"/>
-                </a:xfrm>
-                <a:prstGeom prst="roundRect">
-                  <a:avLst/>
-                </a:prstGeom>
-                <a:solidFill>
-                  <a:schemeClr val="accent4">
-                    <a:lumMod val="40000"/>
-                    <a:lumOff val="60000"/>
-                  </a:schemeClr>
-                </a:solidFill>
-                <a:ln>
+            <a:prstGeom prst="roundRect">
+              <a:avLst/>
+            </a:prstGeom>
+            <a:solidFill>
+              <a:schemeClr val="accent1">
+                <a:lumMod val="40000"/>
+                <a:lumOff val="60000"/>
+              </a:schemeClr>
+            </a:solidFill>
+          </p:spPr>
+          <p:style>
+            <a:lnRef idx="2">
+              <a:schemeClr val="accent1">
+                <a:shade val="15000"/>
+              </a:schemeClr>
+            </a:lnRef>
+            <a:fillRef idx="1">
+              <a:schemeClr val="accent1"/>
+            </a:fillRef>
+            <a:effectRef idx="0">
+              <a:schemeClr val="accent1"/>
+            </a:effectRef>
+            <a:fontRef idx="minor">
+              <a:schemeClr val="lt1"/>
+            </a:fontRef>
+          </p:style>
+          <p:txBody>
+            <a:bodyPr rtlCol="0" anchor="ctr" anchorCtr="0"/>
+            <a:lstStyle/>
+            <a:p>
+              <a:pPr algn="ctr"/>
+              <a:r>
+                <a:rPr lang="en-GB" noProof="1">
                   <a:solidFill>
                     <a:schemeClr val="tx1"/>
                   </a:solidFill>
-                </a:ln>
-              </p:spPr>
-              <p:style>
-                <a:lnRef idx="2">
-                  <a:schemeClr val="accent1">
-                    <a:shade val="15000"/>
-                  </a:schemeClr>
-                </a:lnRef>
-                <a:fillRef idx="1">
-                  <a:schemeClr val="accent1"/>
-                </a:fillRef>
-                <a:effectRef idx="0">
-                  <a:schemeClr val="accent1"/>
-                </a:effectRef>
-                <a:fontRef idx="minor">
-                  <a:schemeClr val="lt1"/>
-                </a:fontRef>
-              </p:style>
-              <p:txBody>
-                <a:bodyPr rtlCol="0" anchor="ctr" anchorCtr="0"/>
-                <a:lstStyle/>
-                <a:p>
-                  <a:pPr algn="ctr"/>
-                  <a:r>
-                    <a:rPr lang="en-GB" noProof="1">
-                      <a:solidFill>
-                        <a:schemeClr val="tx1"/>
-                      </a:solidFill>
-                    </a:rPr>
-                    <a:t>Metabolomics</a:t>
-                  </a:r>
-                </a:p>
-              </p:txBody>
-            </p:sp>
-            <p:sp>
-              <p:nvSpPr>
-                <p:cNvPr id="8" name="Rounded Rectangle 7">
-                  <a:extLst>
-                    <a:ext uri="{FF2B5EF4-FFF2-40B4-BE49-F238E27FC236}">
-                      <a16:creationId xmlns:a16="http://schemas.microsoft.com/office/drawing/2014/main" id="{6A922A9B-3D5F-8A54-1364-2979943979E8}"/>
-                    </a:ext>
-                  </a:extLst>
-                </p:cNvPr>
-                <p:cNvSpPr/>
-                <p:nvPr/>
-              </p:nvSpPr>
-              <p:spPr>
-                <a:xfrm>
-                  <a:off x="838200" y="6553458"/>
-                  <a:ext cx="1766170" cy="1089765"/>
-                </a:xfrm>
-                <a:prstGeom prst="roundRect">
-                  <a:avLst/>
-                </a:prstGeom>
-                <a:solidFill>
-                  <a:schemeClr val="tx2">
-                    <a:lumMod val="40000"/>
-                    <a:lumOff val="60000"/>
-                  </a:schemeClr>
-                </a:solidFill>
-              </p:spPr>
-              <p:style>
-                <a:lnRef idx="2">
-                  <a:schemeClr val="accent1">
-                    <a:shade val="15000"/>
-                  </a:schemeClr>
-                </a:lnRef>
-                <a:fillRef idx="1">
-                  <a:schemeClr val="accent1"/>
-                </a:fillRef>
-                <a:effectRef idx="0">
-                  <a:schemeClr val="accent1"/>
-                </a:effectRef>
-                <a:fontRef idx="minor">
-                  <a:schemeClr val="lt1"/>
-                </a:fontRef>
-              </p:style>
-              <p:txBody>
-                <a:bodyPr rtlCol="0" anchor="ctr" anchorCtr="0"/>
-                <a:lstStyle/>
-                <a:p>
-                  <a:pPr algn="ctr"/>
-                  <a:r>
-                    <a:rPr lang="en-GB" noProof="1">
-                      <a:solidFill>
-                        <a:schemeClr val="tx1"/>
-                      </a:solidFill>
-                    </a:rPr>
-                    <a:t>Proteomics</a:t>
-                  </a:r>
-                </a:p>
-              </p:txBody>
-            </p:sp>
-          </p:grpSp>
-          <p:grpSp>
-            <p:nvGrpSpPr>
-              <p:cNvPr id="16" name="Group 15">
-                <a:extLst>
-                  <a:ext uri="{FF2B5EF4-FFF2-40B4-BE49-F238E27FC236}">
-                    <a16:creationId xmlns:a16="http://schemas.microsoft.com/office/drawing/2014/main" id="{D71AE19B-3CE6-2DCA-1D4C-1AAA9AF71735}"/>
-                  </a:ext>
-                </a:extLst>
-              </p:cNvPr>
-              <p:cNvGrpSpPr/>
-              <p:nvPr/>
-            </p:nvGrpSpPr>
-            <p:grpSpPr>
-              <a:xfrm>
-                <a:off x="4788159" y="2602452"/>
-                <a:ext cx="1659466" cy="2654569"/>
-                <a:chOff x="838200" y="1612630"/>
-                <a:chExt cx="1766170" cy="6030593"/>
-              </a:xfrm>
-            </p:grpSpPr>
-            <p:sp>
-              <p:nvSpPr>
-                <p:cNvPr id="17" name="Rounded Rectangle 16">
-                  <a:extLst>
-                    <a:ext uri="{FF2B5EF4-FFF2-40B4-BE49-F238E27FC236}">
-                      <a16:creationId xmlns:a16="http://schemas.microsoft.com/office/drawing/2014/main" id="{7CAA2FD4-2FCC-F445-3DC9-C51C571503A4}"/>
-                    </a:ext>
-                  </a:extLst>
-                </p:cNvPr>
-                <p:cNvSpPr/>
-                <p:nvPr/>
-              </p:nvSpPr>
-              <p:spPr>
-                <a:xfrm>
-                  <a:off x="838200" y="2847837"/>
-                  <a:ext cx="1766170" cy="1089765"/>
-                </a:xfrm>
-                <a:prstGeom prst="roundRect">
-                  <a:avLst/>
-                </a:prstGeom>
-                <a:noFill/>
-              </p:spPr>
-              <p:style>
-                <a:lnRef idx="2">
-                  <a:schemeClr val="accent1">
-                    <a:shade val="15000"/>
-                  </a:schemeClr>
-                </a:lnRef>
-                <a:fillRef idx="1">
-                  <a:schemeClr val="accent1"/>
-                </a:fillRef>
-                <a:effectRef idx="0">
-                  <a:schemeClr val="accent1"/>
-                </a:effectRef>
-                <a:fontRef idx="minor">
-                  <a:schemeClr val="lt1"/>
-                </a:fontRef>
-              </p:style>
-              <p:txBody>
-                <a:bodyPr rtlCol="0" anchor="ctr" anchorCtr="0"/>
-                <a:lstStyle/>
-                <a:p>
-                  <a:pPr algn="ctr"/>
-                  <a:r>
-                    <a:rPr lang="en-GB" noProof="1">
-                      <a:solidFill>
-                        <a:schemeClr val="tx1"/>
-                      </a:solidFill>
-                    </a:rPr>
-                    <a:t>Representation</a:t>
-                  </a:r>
-                </a:p>
-              </p:txBody>
-            </p:sp>
-            <p:sp>
-              <p:nvSpPr>
-                <p:cNvPr id="18" name="Rounded Rectangle 17">
-                  <a:extLst>
-                    <a:ext uri="{FF2B5EF4-FFF2-40B4-BE49-F238E27FC236}">
-                      <a16:creationId xmlns:a16="http://schemas.microsoft.com/office/drawing/2014/main" id="{67E46AE6-2506-148F-9BF7-64D71D19767E}"/>
-                    </a:ext>
-                  </a:extLst>
-                </p:cNvPr>
-                <p:cNvSpPr/>
-                <p:nvPr/>
-              </p:nvSpPr>
-              <p:spPr>
-                <a:xfrm>
-                  <a:off x="838200" y="1612630"/>
-                  <a:ext cx="1766170" cy="1089765"/>
-                </a:xfrm>
-                <a:prstGeom prst="roundRect">
-                  <a:avLst/>
-                </a:prstGeom>
-                <a:noFill/>
-              </p:spPr>
-              <p:style>
-                <a:lnRef idx="2">
-                  <a:schemeClr val="accent1">
-                    <a:shade val="15000"/>
-                  </a:schemeClr>
-                </a:lnRef>
-                <a:fillRef idx="1">
-                  <a:schemeClr val="accent1"/>
-                </a:fillRef>
-                <a:effectRef idx="0">
-                  <a:schemeClr val="accent1"/>
-                </a:effectRef>
-                <a:fontRef idx="minor">
-                  <a:schemeClr val="lt1"/>
-                </a:fontRef>
-              </p:style>
-              <p:txBody>
-                <a:bodyPr rtlCol="0" anchor="ctr" anchorCtr="0"/>
-                <a:lstStyle/>
-                <a:p>
-                  <a:pPr algn="ctr"/>
-                  <a:r>
-                    <a:rPr lang="en-GB" noProof="1">
-                      <a:solidFill>
-                        <a:schemeClr val="tx1"/>
-                      </a:solidFill>
-                    </a:rPr>
-                    <a:t>Representation</a:t>
-                  </a:r>
-                </a:p>
-              </p:txBody>
-            </p:sp>
-            <p:sp>
-              <p:nvSpPr>
-                <p:cNvPr id="19" name="Rounded Rectangle 18">
-                  <a:extLst>
-                    <a:ext uri="{FF2B5EF4-FFF2-40B4-BE49-F238E27FC236}">
-                      <a16:creationId xmlns:a16="http://schemas.microsoft.com/office/drawing/2014/main" id="{0E9490A7-CD7E-104B-36B4-A7518C56F8C3}"/>
-                    </a:ext>
-                  </a:extLst>
-                </p:cNvPr>
-                <p:cNvSpPr/>
-                <p:nvPr/>
-              </p:nvSpPr>
-              <p:spPr>
-                <a:xfrm>
-                  <a:off x="838200" y="4083044"/>
-                  <a:ext cx="1766170" cy="1089765"/>
-                </a:xfrm>
-                <a:prstGeom prst="roundRect">
-                  <a:avLst/>
-                </a:prstGeom>
-                <a:noFill/>
-              </p:spPr>
-              <p:style>
-                <a:lnRef idx="2">
-                  <a:schemeClr val="accent1">
-                    <a:shade val="15000"/>
-                  </a:schemeClr>
-                </a:lnRef>
-                <a:fillRef idx="1">
-                  <a:schemeClr val="accent1"/>
-                </a:fillRef>
-                <a:effectRef idx="0">
-                  <a:schemeClr val="accent1"/>
-                </a:effectRef>
-                <a:fontRef idx="minor">
-                  <a:schemeClr val="lt1"/>
-                </a:fontRef>
-              </p:style>
-              <p:txBody>
-                <a:bodyPr rtlCol="0" anchor="ctr" anchorCtr="0"/>
-                <a:lstStyle/>
-                <a:p>
-                  <a:pPr algn="ctr"/>
-                  <a:r>
-                    <a:rPr lang="en-GB" noProof="1">
-                      <a:solidFill>
-                        <a:schemeClr val="tx1"/>
-                      </a:solidFill>
-                    </a:rPr>
-                    <a:t>Representation</a:t>
-                  </a:r>
-                </a:p>
-              </p:txBody>
-            </p:sp>
-            <p:sp>
-              <p:nvSpPr>
-                <p:cNvPr id="20" name="Rounded Rectangle 19">
-                  <a:extLst>
-                    <a:ext uri="{FF2B5EF4-FFF2-40B4-BE49-F238E27FC236}">
-                      <a16:creationId xmlns:a16="http://schemas.microsoft.com/office/drawing/2014/main" id="{FBBFC455-20B3-1CA3-5506-D75A8C38AD87}"/>
-                    </a:ext>
-                  </a:extLst>
-                </p:cNvPr>
-                <p:cNvSpPr/>
-                <p:nvPr/>
-              </p:nvSpPr>
-              <p:spPr>
-                <a:xfrm>
-                  <a:off x="838200" y="5318251"/>
-                  <a:ext cx="1766170" cy="1089765"/>
-                </a:xfrm>
-                <a:prstGeom prst="roundRect">
-                  <a:avLst/>
-                </a:prstGeom>
-                <a:noFill/>
-                <a:ln>
+                </a:rPr>
+                <a:t>Transcriptomics</a:t>
+              </a:r>
+            </a:p>
+          </p:txBody>
+        </p:sp>
+        <p:sp>
+          <p:nvSpPr>
+            <p:cNvPr id="4" name="Rounded Rectangle 3">
+              <a:extLst>
+                <a:ext uri="{FF2B5EF4-FFF2-40B4-BE49-F238E27FC236}">
+                  <a16:creationId xmlns:a16="http://schemas.microsoft.com/office/drawing/2014/main" id="{FE750A63-61F4-B68D-28BF-66475ACD459D}"/>
+                </a:ext>
+              </a:extLst>
+            </p:cNvPr>
+            <p:cNvSpPr/>
+            <p:nvPr/>
+          </p:nvSpPr>
+          <p:spPr>
+            <a:xfrm>
+              <a:off x="838200" y="1612630"/>
+              <a:ext cx="1766170" cy="1089765"/>
+            </a:xfrm>
+            <a:prstGeom prst="roundRect">
+              <a:avLst/>
+            </a:prstGeom>
+            <a:solidFill>
+              <a:schemeClr val="accent2">
+                <a:lumMod val="40000"/>
+                <a:lumOff val="60000"/>
+              </a:schemeClr>
+            </a:solidFill>
+          </p:spPr>
+          <p:style>
+            <a:lnRef idx="2">
+              <a:schemeClr val="accent1">
+                <a:shade val="15000"/>
+              </a:schemeClr>
+            </a:lnRef>
+            <a:fillRef idx="1">
+              <a:schemeClr val="accent1"/>
+            </a:fillRef>
+            <a:effectRef idx="0">
+              <a:schemeClr val="accent1"/>
+            </a:effectRef>
+            <a:fontRef idx="minor">
+              <a:schemeClr val="lt1"/>
+            </a:fontRef>
+          </p:style>
+          <p:txBody>
+            <a:bodyPr rtlCol="0" anchor="ctr" anchorCtr="0"/>
+            <a:lstStyle/>
+            <a:p>
+              <a:pPr algn="ctr"/>
+              <a:r>
+                <a:rPr lang="en-GB" noProof="1">
                   <a:solidFill>
                     <a:schemeClr val="tx1"/>
                   </a:solidFill>
-                </a:ln>
-              </p:spPr>
-              <p:style>
-                <a:lnRef idx="2">
-                  <a:schemeClr val="accent1">
-                    <a:shade val="15000"/>
-                  </a:schemeClr>
-                </a:lnRef>
-                <a:fillRef idx="1">
-                  <a:schemeClr val="accent1"/>
-                </a:fillRef>
-                <a:effectRef idx="0">
-                  <a:schemeClr val="accent1"/>
-                </a:effectRef>
-                <a:fontRef idx="minor">
-                  <a:schemeClr val="lt1"/>
-                </a:fontRef>
-              </p:style>
-              <p:txBody>
-                <a:bodyPr rtlCol="0" anchor="ctr" anchorCtr="0"/>
-                <a:lstStyle/>
-                <a:p>
-                  <a:pPr algn="ctr"/>
-                  <a:r>
-                    <a:rPr lang="en-GB" noProof="1">
-                      <a:solidFill>
-                        <a:schemeClr val="tx1"/>
-                      </a:solidFill>
-                    </a:rPr>
-                    <a:t>Representation</a:t>
-                  </a:r>
-                </a:p>
-              </p:txBody>
-            </p:sp>
-            <p:sp>
-              <p:nvSpPr>
-                <p:cNvPr id="21" name="Rounded Rectangle 20">
-                  <a:extLst>
-                    <a:ext uri="{FF2B5EF4-FFF2-40B4-BE49-F238E27FC236}">
-                      <a16:creationId xmlns:a16="http://schemas.microsoft.com/office/drawing/2014/main" id="{B955B72A-169C-4BAD-F776-C5C25F755244}"/>
-                    </a:ext>
-                  </a:extLst>
-                </p:cNvPr>
-                <p:cNvSpPr/>
-                <p:nvPr/>
-              </p:nvSpPr>
-              <p:spPr>
-                <a:xfrm>
-                  <a:off x="838200" y="6553458"/>
-                  <a:ext cx="1766170" cy="1089765"/>
-                </a:xfrm>
-                <a:prstGeom prst="roundRect">
-                  <a:avLst/>
-                </a:prstGeom>
-                <a:noFill/>
-              </p:spPr>
-              <p:style>
-                <a:lnRef idx="2">
-                  <a:schemeClr val="accent1">
-                    <a:shade val="15000"/>
-                  </a:schemeClr>
-                </a:lnRef>
-                <a:fillRef idx="1">
-                  <a:schemeClr val="accent1"/>
-                </a:fillRef>
-                <a:effectRef idx="0">
-                  <a:schemeClr val="accent1"/>
-                </a:effectRef>
-                <a:fontRef idx="minor">
-                  <a:schemeClr val="lt1"/>
-                </a:fontRef>
-              </p:style>
-              <p:txBody>
-                <a:bodyPr rtlCol="0" anchor="ctr" anchorCtr="0"/>
-                <a:lstStyle/>
-                <a:p>
-                  <a:pPr algn="ctr"/>
-                  <a:r>
-                    <a:rPr lang="en-GB" noProof="1">
-                      <a:solidFill>
-                        <a:schemeClr val="tx1"/>
-                      </a:solidFill>
-                    </a:rPr>
-                    <a:t>Representation</a:t>
-                  </a:r>
-                </a:p>
-              </p:txBody>
-            </p:sp>
-          </p:grpSp>
-          <p:grpSp>
-            <p:nvGrpSpPr>
-              <p:cNvPr id="22" name="Group 21">
-                <a:extLst>
-                  <a:ext uri="{FF2B5EF4-FFF2-40B4-BE49-F238E27FC236}">
-                    <a16:creationId xmlns:a16="http://schemas.microsoft.com/office/drawing/2014/main" id="{E5F91AE0-CBEB-45DC-10EF-76B92AAD2840}"/>
-                  </a:ext>
-                </a:extLst>
-              </p:cNvPr>
-              <p:cNvGrpSpPr/>
-              <p:nvPr/>
-            </p:nvGrpSpPr>
-            <p:grpSpPr>
-              <a:xfrm>
-                <a:off x="7338204" y="2602451"/>
-                <a:ext cx="1032930" cy="2654569"/>
-                <a:chOff x="838200" y="1612630"/>
-                <a:chExt cx="1766170" cy="6030593"/>
-              </a:xfrm>
-            </p:grpSpPr>
-            <p:sp>
-              <p:nvSpPr>
-                <p:cNvPr id="23" name="Rounded Rectangle 22">
-                  <a:extLst>
-                    <a:ext uri="{FF2B5EF4-FFF2-40B4-BE49-F238E27FC236}">
-                      <a16:creationId xmlns:a16="http://schemas.microsoft.com/office/drawing/2014/main" id="{CF6BBEE3-212D-7F54-8316-B8BA0776CC56}"/>
-                    </a:ext>
-                  </a:extLst>
-                </p:cNvPr>
-                <p:cNvSpPr/>
-                <p:nvPr/>
-              </p:nvSpPr>
-              <p:spPr>
-                <a:xfrm>
-                  <a:off x="838200" y="2847837"/>
-                  <a:ext cx="1766170" cy="1089765"/>
-                </a:xfrm>
-                <a:prstGeom prst="roundRect">
-                  <a:avLst/>
-                </a:prstGeom>
-                <a:noFill/>
-                <a:ln>
-                  <a:noFill/>
-                </a:ln>
-              </p:spPr>
-              <p:style>
-                <a:lnRef idx="2">
-                  <a:schemeClr val="accent1">
-                    <a:shade val="15000"/>
-                  </a:schemeClr>
-                </a:lnRef>
-                <a:fillRef idx="1">
-                  <a:schemeClr val="accent1"/>
-                </a:fillRef>
-                <a:effectRef idx="0">
-                  <a:schemeClr val="accent1"/>
-                </a:effectRef>
-                <a:fontRef idx="minor">
-                  <a:schemeClr val="lt1"/>
-                </a:fontRef>
-              </p:style>
-              <p:txBody>
-                <a:bodyPr rtlCol="0" anchor="ctr" anchorCtr="0"/>
-                <a:lstStyle/>
-                <a:p>
-                  <a:pPr algn="ctr"/>
-                  <a:r>
-                    <a:rPr lang="en-GB" noProof="1">
-                      <a:solidFill>
-                        <a:schemeClr val="tx1"/>
-                      </a:solidFill>
-                    </a:rPr>
-                    <a:t>Analysis</a:t>
-                  </a:r>
-                </a:p>
-              </p:txBody>
-            </p:sp>
-            <p:sp>
-              <p:nvSpPr>
-                <p:cNvPr id="24" name="Rounded Rectangle 23">
-                  <a:extLst>
-                    <a:ext uri="{FF2B5EF4-FFF2-40B4-BE49-F238E27FC236}">
-                      <a16:creationId xmlns:a16="http://schemas.microsoft.com/office/drawing/2014/main" id="{57F99B42-2490-4D9C-7050-0F018D0718E7}"/>
-                    </a:ext>
-                  </a:extLst>
-                </p:cNvPr>
-                <p:cNvSpPr/>
-                <p:nvPr/>
-              </p:nvSpPr>
-              <p:spPr>
-                <a:xfrm>
-                  <a:off x="838200" y="1612630"/>
-                  <a:ext cx="1766170" cy="1089765"/>
-                </a:xfrm>
-                <a:prstGeom prst="roundRect">
-                  <a:avLst/>
-                </a:prstGeom>
-                <a:noFill/>
-                <a:ln>
-                  <a:noFill/>
-                </a:ln>
-              </p:spPr>
-              <p:style>
-                <a:lnRef idx="2">
-                  <a:schemeClr val="accent1">
-                    <a:shade val="15000"/>
-                  </a:schemeClr>
-                </a:lnRef>
-                <a:fillRef idx="1">
-                  <a:schemeClr val="accent1"/>
-                </a:fillRef>
-                <a:effectRef idx="0">
-                  <a:schemeClr val="accent1"/>
-                </a:effectRef>
-                <a:fontRef idx="minor">
-                  <a:schemeClr val="lt1"/>
-                </a:fontRef>
-              </p:style>
-              <p:txBody>
-                <a:bodyPr rtlCol="0" anchor="ctr" anchorCtr="0"/>
-                <a:lstStyle/>
-                <a:p>
-                  <a:pPr algn="ctr"/>
-                  <a:r>
-                    <a:rPr lang="en-GB" noProof="1">
-                      <a:solidFill>
-                        <a:schemeClr val="tx1"/>
-                      </a:solidFill>
-                    </a:rPr>
-                    <a:t>Analysis</a:t>
-                  </a:r>
-                </a:p>
-              </p:txBody>
-            </p:sp>
-            <p:sp>
-              <p:nvSpPr>
-                <p:cNvPr id="25" name="Rounded Rectangle 24">
-                  <a:extLst>
-                    <a:ext uri="{FF2B5EF4-FFF2-40B4-BE49-F238E27FC236}">
-                      <a16:creationId xmlns:a16="http://schemas.microsoft.com/office/drawing/2014/main" id="{D6E87009-2150-12BD-8402-5F68F7FC1240}"/>
-                    </a:ext>
-                  </a:extLst>
-                </p:cNvPr>
-                <p:cNvSpPr/>
-                <p:nvPr/>
-              </p:nvSpPr>
-              <p:spPr>
-                <a:xfrm>
-                  <a:off x="838200" y="4083044"/>
-                  <a:ext cx="1766170" cy="1089765"/>
-                </a:xfrm>
-                <a:prstGeom prst="roundRect">
-                  <a:avLst/>
-                </a:prstGeom>
-                <a:noFill/>
-                <a:ln>
-                  <a:noFill/>
-                </a:ln>
-              </p:spPr>
-              <p:style>
-                <a:lnRef idx="2">
-                  <a:schemeClr val="accent1">
-                    <a:shade val="15000"/>
-                  </a:schemeClr>
-                </a:lnRef>
-                <a:fillRef idx="1">
-                  <a:schemeClr val="accent1"/>
-                </a:fillRef>
-                <a:effectRef idx="0">
-                  <a:schemeClr val="accent1"/>
-                </a:effectRef>
-                <a:fontRef idx="minor">
-                  <a:schemeClr val="lt1"/>
-                </a:fontRef>
-              </p:style>
-              <p:txBody>
-                <a:bodyPr rtlCol="0" anchor="ctr" anchorCtr="0"/>
-                <a:lstStyle/>
-                <a:p>
-                  <a:pPr algn="ctr"/>
-                  <a:r>
-                    <a:rPr lang="en-GB" noProof="1">
-                      <a:solidFill>
-                        <a:schemeClr val="tx1"/>
-                      </a:solidFill>
-                    </a:rPr>
-                    <a:t>Analysis</a:t>
-                  </a:r>
-                </a:p>
-              </p:txBody>
-            </p:sp>
-            <p:sp>
-              <p:nvSpPr>
-                <p:cNvPr id="26" name="Rounded Rectangle 25">
-                  <a:extLst>
-                    <a:ext uri="{FF2B5EF4-FFF2-40B4-BE49-F238E27FC236}">
-                      <a16:creationId xmlns:a16="http://schemas.microsoft.com/office/drawing/2014/main" id="{903C0035-2C09-F241-2E52-F2E681898181}"/>
-                    </a:ext>
-                  </a:extLst>
-                </p:cNvPr>
-                <p:cNvSpPr/>
-                <p:nvPr/>
-              </p:nvSpPr>
-              <p:spPr>
-                <a:xfrm>
-                  <a:off x="838200" y="5318251"/>
-                  <a:ext cx="1766170" cy="1089765"/>
-                </a:xfrm>
-                <a:prstGeom prst="roundRect">
-                  <a:avLst/>
-                </a:prstGeom>
-                <a:noFill/>
-                <a:ln>
-                  <a:noFill/>
-                </a:ln>
-              </p:spPr>
-              <p:style>
-                <a:lnRef idx="2">
-                  <a:schemeClr val="accent1">
-                    <a:shade val="15000"/>
-                  </a:schemeClr>
-                </a:lnRef>
-                <a:fillRef idx="1">
-                  <a:schemeClr val="accent1"/>
-                </a:fillRef>
-                <a:effectRef idx="0">
-                  <a:schemeClr val="accent1"/>
-                </a:effectRef>
-                <a:fontRef idx="minor">
-                  <a:schemeClr val="lt1"/>
-                </a:fontRef>
-              </p:style>
-              <p:txBody>
-                <a:bodyPr rtlCol="0" anchor="ctr" anchorCtr="0"/>
-                <a:lstStyle/>
-                <a:p>
-                  <a:pPr algn="ctr"/>
-                  <a:r>
-                    <a:rPr lang="en-GB" noProof="1">
-                      <a:solidFill>
-                        <a:schemeClr val="tx1"/>
-                      </a:solidFill>
-                    </a:rPr>
-                    <a:t>Analysis</a:t>
-                  </a:r>
-                </a:p>
-              </p:txBody>
-            </p:sp>
-            <p:sp>
-              <p:nvSpPr>
-                <p:cNvPr id="27" name="Rounded Rectangle 26">
-                  <a:extLst>
-                    <a:ext uri="{FF2B5EF4-FFF2-40B4-BE49-F238E27FC236}">
-                      <a16:creationId xmlns:a16="http://schemas.microsoft.com/office/drawing/2014/main" id="{EA55E76F-8DB2-E628-D82D-52854A8FA5D0}"/>
-                    </a:ext>
-                  </a:extLst>
-                </p:cNvPr>
-                <p:cNvSpPr/>
-                <p:nvPr/>
-              </p:nvSpPr>
-              <p:spPr>
-                <a:xfrm>
-                  <a:off x="838200" y="6553458"/>
-                  <a:ext cx="1766170" cy="1089765"/>
-                </a:xfrm>
-                <a:prstGeom prst="roundRect">
-                  <a:avLst/>
-                </a:prstGeom>
-                <a:noFill/>
-                <a:ln>
-                  <a:noFill/>
-                </a:ln>
-              </p:spPr>
-              <p:style>
-                <a:lnRef idx="2">
-                  <a:schemeClr val="accent1">
-                    <a:shade val="15000"/>
-                  </a:schemeClr>
-                </a:lnRef>
-                <a:fillRef idx="1">
-                  <a:schemeClr val="accent1"/>
-                </a:fillRef>
-                <a:effectRef idx="0">
-                  <a:schemeClr val="accent1"/>
-                </a:effectRef>
-                <a:fontRef idx="minor">
-                  <a:schemeClr val="lt1"/>
-                </a:fontRef>
-              </p:style>
-              <p:txBody>
-                <a:bodyPr rtlCol="0" anchor="ctr" anchorCtr="0"/>
-                <a:lstStyle/>
-                <a:p>
-                  <a:pPr algn="ctr"/>
-                  <a:r>
-                    <a:rPr lang="en-GB" noProof="1">
-                      <a:solidFill>
-                        <a:schemeClr val="tx1"/>
-                      </a:solidFill>
-                    </a:rPr>
-                    <a:t>Analysis</a:t>
-                  </a:r>
-                </a:p>
-              </p:txBody>
-            </p:sp>
-          </p:grpSp>
-          <p:cxnSp>
-            <p:nvCxnSpPr>
-              <p:cNvPr id="29" name="Straight Arrow Connector 28">
-                <a:extLst>
-                  <a:ext uri="{FF2B5EF4-FFF2-40B4-BE49-F238E27FC236}">
-                    <a16:creationId xmlns:a16="http://schemas.microsoft.com/office/drawing/2014/main" id="{3CE880F4-FE74-480E-D971-813B5A3688EB}"/>
-                  </a:ext>
-                </a:extLst>
-              </p:cNvPr>
-              <p:cNvCxnSpPr>
-                <a:cxnSpLocks/>
-                <a:stCxn id="4" idx="3"/>
-              </p:cNvCxnSpPr>
-              <p:nvPr/>
-            </p:nvCxnSpPr>
-            <p:spPr>
-              <a:xfrm>
-                <a:off x="3951537" y="2842302"/>
-                <a:ext cx="735136" cy="0"/>
-              </a:xfrm>
-              <a:prstGeom prst="straightConnector1">
-                <a:avLst/>
-              </a:prstGeom>
-              <a:ln>
-                <a:tailEnd type="triangle"/>
-              </a:ln>
-            </p:spPr>
-            <p:style>
-              <a:lnRef idx="1">
-                <a:schemeClr val="dk1"/>
-              </a:lnRef>
-              <a:fillRef idx="0">
-                <a:schemeClr val="dk1"/>
-              </a:fillRef>
-              <a:effectRef idx="0">
-                <a:schemeClr val="dk1"/>
-              </a:effectRef>
-              <a:fontRef idx="minor">
+                </a:rPr>
+                <a:t>Genomics</a:t>
+              </a:r>
+            </a:p>
+          </p:txBody>
+        </p:sp>
+        <p:sp>
+          <p:nvSpPr>
+            <p:cNvPr id="6" name="Rounded Rectangle 5">
+              <a:extLst>
+                <a:ext uri="{FF2B5EF4-FFF2-40B4-BE49-F238E27FC236}">
+                  <a16:creationId xmlns:a16="http://schemas.microsoft.com/office/drawing/2014/main" id="{85020035-C116-0A72-3494-31B77914F51F}"/>
+                </a:ext>
+              </a:extLst>
+            </p:cNvPr>
+            <p:cNvSpPr/>
+            <p:nvPr/>
+          </p:nvSpPr>
+          <p:spPr>
+            <a:xfrm>
+              <a:off x="838200" y="4083044"/>
+              <a:ext cx="1766170" cy="1089765"/>
+            </a:xfrm>
+            <a:prstGeom prst="roundRect">
+              <a:avLst/>
+            </a:prstGeom>
+            <a:solidFill>
+              <a:schemeClr val="accent6">
+                <a:lumMod val="40000"/>
+                <a:lumOff val="60000"/>
+              </a:schemeClr>
+            </a:solidFill>
+          </p:spPr>
+          <p:style>
+            <a:lnRef idx="2">
+              <a:schemeClr val="accent1">
+                <a:shade val="15000"/>
+              </a:schemeClr>
+            </a:lnRef>
+            <a:fillRef idx="1">
+              <a:schemeClr val="accent1"/>
+            </a:fillRef>
+            <a:effectRef idx="0">
+              <a:schemeClr val="accent1"/>
+            </a:effectRef>
+            <a:fontRef idx="minor">
+              <a:schemeClr val="lt1"/>
+            </a:fontRef>
+          </p:style>
+          <p:txBody>
+            <a:bodyPr rtlCol="0" anchor="ctr" anchorCtr="0"/>
+            <a:lstStyle/>
+            <a:p>
+              <a:pPr algn="ctr"/>
+              <a:r>
+                <a:rPr lang="en-GB" noProof="1">
+                  <a:solidFill>
+                    <a:schemeClr val="tx1"/>
+                  </a:solidFill>
+                </a:rPr>
+                <a:t>Epigenomics</a:t>
+              </a:r>
+            </a:p>
+          </p:txBody>
+        </p:sp>
+        <p:sp>
+          <p:nvSpPr>
+            <p:cNvPr id="7" name="Rounded Rectangle 6">
+              <a:extLst>
+                <a:ext uri="{FF2B5EF4-FFF2-40B4-BE49-F238E27FC236}">
+                  <a16:creationId xmlns:a16="http://schemas.microsoft.com/office/drawing/2014/main" id="{0B933A1D-C859-7455-23F5-977823723EEF}"/>
+                </a:ext>
+              </a:extLst>
+            </p:cNvPr>
+            <p:cNvSpPr/>
+            <p:nvPr/>
+          </p:nvSpPr>
+          <p:spPr>
+            <a:xfrm>
+              <a:off x="838200" y="5318251"/>
+              <a:ext cx="1766170" cy="1089765"/>
+            </a:xfrm>
+            <a:prstGeom prst="roundRect">
+              <a:avLst/>
+            </a:prstGeom>
+            <a:solidFill>
+              <a:schemeClr val="accent4">
+                <a:lumMod val="40000"/>
+                <a:lumOff val="60000"/>
+              </a:schemeClr>
+            </a:solidFill>
+            <a:ln>
+              <a:solidFill>
                 <a:schemeClr val="tx1"/>
-              </a:fontRef>
-            </p:style>
-          </p:cxnSp>
-          <p:cxnSp>
-            <p:nvCxnSpPr>
-              <p:cNvPr id="40" name="Straight Arrow Connector 39">
-                <a:extLst>
-                  <a:ext uri="{FF2B5EF4-FFF2-40B4-BE49-F238E27FC236}">
-                    <a16:creationId xmlns:a16="http://schemas.microsoft.com/office/drawing/2014/main" id="{DC6209C0-C553-41DB-68F4-0DC4D55844DD}"/>
-                  </a:ext>
-                </a:extLst>
-              </p:cNvPr>
-              <p:cNvCxnSpPr>
-                <a:cxnSpLocks/>
-                <a:stCxn id="18" idx="3"/>
-                <a:endCxn id="24" idx="1"/>
-              </p:cNvCxnSpPr>
-              <p:nvPr/>
-            </p:nvCxnSpPr>
-            <p:spPr>
-              <a:xfrm flipV="1">
-                <a:off x="6447625" y="2842300"/>
-                <a:ext cx="890579" cy="1"/>
-              </a:xfrm>
-              <a:prstGeom prst="straightConnector1">
-                <a:avLst/>
-              </a:prstGeom>
-              <a:ln>
-                <a:tailEnd type="triangle"/>
-              </a:ln>
-            </p:spPr>
-            <p:style>
-              <a:lnRef idx="1">
-                <a:schemeClr val="dk1"/>
-              </a:lnRef>
-              <a:fillRef idx="0">
-                <a:schemeClr val="dk1"/>
-              </a:fillRef>
-              <a:effectRef idx="0">
-                <a:schemeClr val="dk1"/>
-              </a:effectRef>
-              <a:fontRef idx="minor">
+              </a:solidFill>
+            </a:ln>
+          </p:spPr>
+          <p:style>
+            <a:lnRef idx="2">
+              <a:schemeClr val="accent1">
+                <a:shade val="15000"/>
+              </a:schemeClr>
+            </a:lnRef>
+            <a:fillRef idx="1">
+              <a:schemeClr val="accent1"/>
+            </a:fillRef>
+            <a:effectRef idx="0">
+              <a:schemeClr val="accent1"/>
+            </a:effectRef>
+            <a:fontRef idx="minor">
+              <a:schemeClr val="lt1"/>
+            </a:fontRef>
+          </p:style>
+          <p:txBody>
+            <a:bodyPr rtlCol="0" anchor="ctr" anchorCtr="0"/>
+            <a:lstStyle/>
+            <a:p>
+              <a:pPr algn="ctr"/>
+              <a:r>
+                <a:rPr lang="en-GB" noProof="1">
+                  <a:solidFill>
+                    <a:schemeClr val="tx1"/>
+                  </a:solidFill>
+                </a:rPr>
+                <a:t>Metabolomics</a:t>
+              </a:r>
+            </a:p>
+          </p:txBody>
+        </p:sp>
+        <p:sp>
+          <p:nvSpPr>
+            <p:cNvPr id="8" name="Rounded Rectangle 7">
+              <a:extLst>
+                <a:ext uri="{FF2B5EF4-FFF2-40B4-BE49-F238E27FC236}">
+                  <a16:creationId xmlns:a16="http://schemas.microsoft.com/office/drawing/2014/main" id="{6A922A9B-3D5F-8A54-1364-2979943979E8}"/>
+                </a:ext>
+              </a:extLst>
+            </p:cNvPr>
+            <p:cNvSpPr/>
+            <p:nvPr/>
+          </p:nvSpPr>
+          <p:spPr>
+            <a:xfrm>
+              <a:off x="838200" y="6553458"/>
+              <a:ext cx="1766170" cy="1089765"/>
+            </a:xfrm>
+            <a:prstGeom prst="roundRect">
+              <a:avLst/>
+            </a:prstGeom>
+            <a:solidFill>
+              <a:schemeClr val="tx2">
+                <a:lumMod val="40000"/>
+                <a:lumOff val="60000"/>
+              </a:schemeClr>
+            </a:solidFill>
+          </p:spPr>
+          <p:style>
+            <a:lnRef idx="2">
+              <a:schemeClr val="accent1">
+                <a:shade val="15000"/>
+              </a:schemeClr>
+            </a:lnRef>
+            <a:fillRef idx="1">
+              <a:schemeClr val="accent1"/>
+            </a:fillRef>
+            <a:effectRef idx="0">
+              <a:schemeClr val="accent1"/>
+            </a:effectRef>
+            <a:fontRef idx="minor">
+              <a:schemeClr val="lt1"/>
+            </a:fontRef>
+          </p:style>
+          <p:txBody>
+            <a:bodyPr rtlCol="0" anchor="ctr" anchorCtr="0"/>
+            <a:lstStyle/>
+            <a:p>
+              <a:pPr algn="ctr"/>
+              <a:r>
+                <a:rPr lang="en-GB" noProof="1">
+                  <a:solidFill>
+                    <a:schemeClr val="tx1"/>
+                  </a:solidFill>
+                </a:rPr>
+                <a:t>Proteomics</a:t>
+              </a:r>
+            </a:p>
+          </p:txBody>
+        </p:sp>
+      </p:grpSp>
+      <p:grpSp>
+        <p:nvGrpSpPr>
+          <p:cNvPr id="16" name="Group 15">
+            <a:extLst>
+              <a:ext uri="{FF2B5EF4-FFF2-40B4-BE49-F238E27FC236}">
+                <a16:creationId xmlns:a16="http://schemas.microsoft.com/office/drawing/2014/main" id="{D71AE19B-3CE6-2DCA-1D4C-1AAA9AF71735}"/>
+              </a:ext>
+            </a:extLst>
+          </p:cNvPr>
+          <p:cNvGrpSpPr/>
+          <p:nvPr/>
+        </p:nvGrpSpPr>
+        <p:grpSpPr>
+          <a:xfrm>
+            <a:off x="4696635" y="2432480"/>
+            <a:ext cx="1659466" cy="2654569"/>
+            <a:chOff x="838200" y="1612630"/>
+            <a:chExt cx="1766170" cy="6030593"/>
+          </a:xfrm>
+        </p:grpSpPr>
+        <p:sp>
+          <p:nvSpPr>
+            <p:cNvPr id="17" name="Rounded Rectangle 16">
+              <a:extLst>
+                <a:ext uri="{FF2B5EF4-FFF2-40B4-BE49-F238E27FC236}">
+                  <a16:creationId xmlns:a16="http://schemas.microsoft.com/office/drawing/2014/main" id="{7CAA2FD4-2FCC-F445-3DC9-C51C571503A4}"/>
+                </a:ext>
+              </a:extLst>
+            </p:cNvPr>
+            <p:cNvSpPr/>
+            <p:nvPr/>
+          </p:nvSpPr>
+          <p:spPr>
+            <a:xfrm>
+              <a:off x="838200" y="2847837"/>
+              <a:ext cx="1766170" cy="1089765"/>
+            </a:xfrm>
+            <a:prstGeom prst="roundRect">
+              <a:avLst/>
+            </a:prstGeom>
+            <a:noFill/>
+          </p:spPr>
+          <p:style>
+            <a:lnRef idx="2">
+              <a:schemeClr val="accent1">
+                <a:shade val="15000"/>
+              </a:schemeClr>
+            </a:lnRef>
+            <a:fillRef idx="1">
+              <a:schemeClr val="accent1"/>
+            </a:fillRef>
+            <a:effectRef idx="0">
+              <a:schemeClr val="accent1"/>
+            </a:effectRef>
+            <a:fontRef idx="minor">
+              <a:schemeClr val="lt1"/>
+            </a:fontRef>
+          </p:style>
+          <p:txBody>
+            <a:bodyPr rtlCol="0" anchor="ctr" anchorCtr="0"/>
+            <a:lstStyle/>
+            <a:p>
+              <a:pPr algn="ctr"/>
+              <a:r>
+                <a:rPr lang="en-GB" noProof="1">
+                  <a:solidFill>
+                    <a:schemeClr val="tx1"/>
+                  </a:solidFill>
+                </a:rPr>
+                <a:t>Representation</a:t>
+              </a:r>
+            </a:p>
+          </p:txBody>
+        </p:sp>
+        <p:sp>
+          <p:nvSpPr>
+            <p:cNvPr id="18" name="Rounded Rectangle 17">
+              <a:extLst>
+                <a:ext uri="{FF2B5EF4-FFF2-40B4-BE49-F238E27FC236}">
+                  <a16:creationId xmlns:a16="http://schemas.microsoft.com/office/drawing/2014/main" id="{67E46AE6-2506-148F-9BF7-64D71D19767E}"/>
+                </a:ext>
+              </a:extLst>
+            </p:cNvPr>
+            <p:cNvSpPr/>
+            <p:nvPr/>
+          </p:nvSpPr>
+          <p:spPr>
+            <a:xfrm>
+              <a:off x="838200" y="1612630"/>
+              <a:ext cx="1766170" cy="1089765"/>
+            </a:xfrm>
+            <a:prstGeom prst="roundRect">
+              <a:avLst/>
+            </a:prstGeom>
+            <a:noFill/>
+          </p:spPr>
+          <p:style>
+            <a:lnRef idx="2">
+              <a:schemeClr val="accent1">
+                <a:shade val="15000"/>
+              </a:schemeClr>
+            </a:lnRef>
+            <a:fillRef idx="1">
+              <a:schemeClr val="accent1"/>
+            </a:fillRef>
+            <a:effectRef idx="0">
+              <a:schemeClr val="accent1"/>
+            </a:effectRef>
+            <a:fontRef idx="minor">
+              <a:schemeClr val="lt1"/>
+            </a:fontRef>
+          </p:style>
+          <p:txBody>
+            <a:bodyPr rtlCol="0" anchor="ctr" anchorCtr="0"/>
+            <a:lstStyle/>
+            <a:p>
+              <a:pPr algn="ctr"/>
+              <a:r>
+                <a:rPr lang="en-GB" noProof="1">
+                  <a:solidFill>
+                    <a:schemeClr val="tx1"/>
+                  </a:solidFill>
+                </a:rPr>
+                <a:t>Representation</a:t>
+              </a:r>
+            </a:p>
+          </p:txBody>
+        </p:sp>
+        <p:sp>
+          <p:nvSpPr>
+            <p:cNvPr id="19" name="Rounded Rectangle 18">
+              <a:extLst>
+                <a:ext uri="{FF2B5EF4-FFF2-40B4-BE49-F238E27FC236}">
+                  <a16:creationId xmlns:a16="http://schemas.microsoft.com/office/drawing/2014/main" id="{0E9490A7-CD7E-104B-36B4-A7518C56F8C3}"/>
+                </a:ext>
+              </a:extLst>
+            </p:cNvPr>
+            <p:cNvSpPr/>
+            <p:nvPr/>
+          </p:nvSpPr>
+          <p:spPr>
+            <a:xfrm>
+              <a:off x="838200" y="4083044"/>
+              <a:ext cx="1766170" cy="1089765"/>
+            </a:xfrm>
+            <a:prstGeom prst="roundRect">
+              <a:avLst/>
+            </a:prstGeom>
+            <a:noFill/>
+          </p:spPr>
+          <p:style>
+            <a:lnRef idx="2">
+              <a:schemeClr val="accent1">
+                <a:shade val="15000"/>
+              </a:schemeClr>
+            </a:lnRef>
+            <a:fillRef idx="1">
+              <a:schemeClr val="accent1"/>
+            </a:fillRef>
+            <a:effectRef idx="0">
+              <a:schemeClr val="accent1"/>
+            </a:effectRef>
+            <a:fontRef idx="minor">
+              <a:schemeClr val="lt1"/>
+            </a:fontRef>
+          </p:style>
+          <p:txBody>
+            <a:bodyPr rtlCol="0" anchor="ctr" anchorCtr="0"/>
+            <a:lstStyle/>
+            <a:p>
+              <a:pPr algn="ctr"/>
+              <a:r>
+                <a:rPr lang="en-GB" noProof="1">
+                  <a:solidFill>
+                    <a:schemeClr val="tx1"/>
+                  </a:solidFill>
+                </a:rPr>
+                <a:t>Representation</a:t>
+              </a:r>
+            </a:p>
+          </p:txBody>
+        </p:sp>
+        <p:sp>
+          <p:nvSpPr>
+            <p:cNvPr id="20" name="Rounded Rectangle 19">
+              <a:extLst>
+                <a:ext uri="{FF2B5EF4-FFF2-40B4-BE49-F238E27FC236}">
+                  <a16:creationId xmlns:a16="http://schemas.microsoft.com/office/drawing/2014/main" id="{FBBFC455-20B3-1CA3-5506-D75A8C38AD87}"/>
+                </a:ext>
+              </a:extLst>
+            </p:cNvPr>
+            <p:cNvSpPr/>
+            <p:nvPr/>
+          </p:nvSpPr>
+          <p:spPr>
+            <a:xfrm>
+              <a:off x="838200" y="5318251"/>
+              <a:ext cx="1766170" cy="1089765"/>
+            </a:xfrm>
+            <a:prstGeom prst="roundRect">
+              <a:avLst/>
+            </a:prstGeom>
+            <a:noFill/>
+            <a:ln>
+              <a:solidFill>
                 <a:schemeClr val="tx1"/>
-              </a:fontRef>
-            </p:style>
-          </p:cxnSp>
-          <p:cxnSp>
-            <p:nvCxnSpPr>
-              <p:cNvPr id="43" name="Straight Arrow Connector 42">
-                <a:extLst>
-                  <a:ext uri="{FF2B5EF4-FFF2-40B4-BE49-F238E27FC236}">
-                    <a16:creationId xmlns:a16="http://schemas.microsoft.com/office/drawing/2014/main" id="{81931706-E4A8-1821-46F4-F27803A34D93}"/>
-                  </a:ext>
-                </a:extLst>
-              </p:cNvPr>
-              <p:cNvCxnSpPr>
-                <a:cxnSpLocks/>
-                <a:stCxn id="17" idx="3"/>
-                <a:endCxn id="23" idx="1"/>
-              </p:cNvCxnSpPr>
-              <p:nvPr/>
-            </p:nvCxnSpPr>
-            <p:spPr>
-              <a:xfrm flipV="1">
-                <a:off x="6447625" y="3386018"/>
-                <a:ext cx="890579" cy="1"/>
-              </a:xfrm>
-              <a:prstGeom prst="straightConnector1">
-                <a:avLst/>
-              </a:prstGeom>
-              <a:ln>
-                <a:tailEnd type="triangle"/>
-              </a:ln>
-            </p:spPr>
-            <p:style>
-              <a:lnRef idx="1">
-                <a:schemeClr val="dk1"/>
-              </a:lnRef>
-              <a:fillRef idx="0">
-                <a:schemeClr val="dk1"/>
-              </a:fillRef>
-              <a:effectRef idx="0">
-                <a:schemeClr val="dk1"/>
-              </a:effectRef>
-              <a:fontRef idx="minor">
-                <a:schemeClr val="tx1"/>
-              </a:fontRef>
-            </p:style>
-          </p:cxnSp>
-          <p:cxnSp>
-            <p:nvCxnSpPr>
-              <p:cNvPr id="46" name="Straight Arrow Connector 45">
-                <a:extLst>
-                  <a:ext uri="{FF2B5EF4-FFF2-40B4-BE49-F238E27FC236}">
-                    <a16:creationId xmlns:a16="http://schemas.microsoft.com/office/drawing/2014/main" id="{6C7B9750-D9DF-2CA2-5DBB-EEE0D10463C7}"/>
-                  </a:ext>
-                </a:extLst>
-              </p:cNvPr>
-              <p:cNvCxnSpPr>
-                <a:cxnSpLocks/>
-                <a:stCxn id="19" idx="3"/>
-                <a:endCxn id="25" idx="1"/>
-              </p:cNvCxnSpPr>
-              <p:nvPr/>
-            </p:nvCxnSpPr>
-            <p:spPr>
-              <a:xfrm flipV="1">
-                <a:off x="6447625" y="3929736"/>
-                <a:ext cx="890579" cy="1"/>
-              </a:xfrm>
-              <a:prstGeom prst="straightConnector1">
-                <a:avLst/>
-              </a:prstGeom>
-              <a:ln>
-                <a:tailEnd type="triangle"/>
-              </a:ln>
-            </p:spPr>
-            <p:style>
-              <a:lnRef idx="1">
-                <a:schemeClr val="dk1"/>
-              </a:lnRef>
-              <a:fillRef idx="0">
-                <a:schemeClr val="dk1"/>
-              </a:fillRef>
-              <a:effectRef idx="0">
-                <a:schemeClr val="dk1"/>
-              </a:effectRef>
-              <a:fontRef idx="minor">
-                <a:schemeClr val="tx1"/>
-              </a:fontRef>
-            </p:style>
-          </p:cxnSp>
-          <p:cxnSp>
-            <p:nvCxnSpPr>
-              <p:cNvPr id="49" name="Straight Arrow Connector 48">
-                <a:extLst>
-                  <a:ext uri="{FF2B5EF4-FFF2-40B4-BE49-F238E27FC236}">
-                    <a16:creationId xmlns:a16="http://schemas.microsoft.com/office/drawing/2014/main" id="{9DE207D5-1EBC-3939-4785-BEF43D38E56C}"/>
-                  </a:ext>
-                </a:extLst>
-              </p:cNvPr>
-              <p:cNvCxnSpPr>
-                <a:cxnSpLocks/>
-              </p:cNvCxnSpPr>
-              <p:nvPr/>
-            </p:nvCxnSpPr>
-            <p:spPr>
-              <a:xfrm flipV="1">
-                <a:off x="6447625" y="4483974"/>
-                <a:ext cx="890579" cy="1"/>
-              </a:xfrm>
-              <a:prstGeom prst="straightConnector1">
-                <a:avLst/>
-              </a:prstGeom>
-              <a:ln>
-                <a:tailEnd type="triangle"/>
-              </a:ln>
-            </p:spPr>
-            <p:style>
-              <a:lnRef idx="1">
-                <a:schemeClr val="dk1"/>
-              </a:lnRef>
-              <a:fillRef idx="0">
-                <a:schemeClr val="dk1"/>
-              </a:fillRef>
-              <a:effectRef idx="0">
-                <a:schemeClr val="dk1"/>
-              </a:effectRef>
-              <a:fontRef idx="minor">
-                <a:schemeClr val="tx1"/>
-              </a:fontRef>
-            </p:style>
-          </p:cxnSp>
-          <p:cxnSp>
-            <p:nvCxnSpPr>
-              <p:cNvPr id="50" name="Straight Arrow Connector 49">
-                <a:extLst>
-                  <a:ext uri="{FF2B5EF4-FFF2-40B4-BE49-F238E27FC236}">
-                    <a16:creationId xmlns:a16="http://schemas.microsoft.com/office/drawing/2014/main" id="{3D214A23-9AE2-B117-34A6-77891910B309}"/>
-                  </a:ext>
-                </a:extLst>
-              </p:cNvPr>
-              <p:cNvCxnSpPr>
-                <a:cxnSpLocks/>
-                <a:stCxn id="21" idx="3"/>
-                <a:endCxn id="27" idx="1"/>
-              </p:cNvCxnSpPr>
-              <p:nvPr/>
-            </p:nvCxnSpPr>
-            <p:spPr>
-              <a:xfrm flipV="1">
-                <a:off x="6447625" y="5017172"/>
-                <a:ext cx="890579" cy="1"/>
-              </a:xfrm>
-              <a:prstGeom prst="straightConnector1">
-                <a:avLst/>
-              </a:prstGeom>
-              <a:ln>
-                <a:tailEnd type="triangle"/>
-              </a:ln>
-            </p:spPr>
-            <p:style>
-              <a:lnRef idx="1">
-                <a:schemeClr val="dk1"/>
-              </a:lnRef>
-              <a:fillRef idx="0">
-                <a:schemeClr val="dk1"/>
-              </a:fillRef>
-              <a:effectRef idx="0">
-                <a:schemeClr val="dk1"/>
-              </a:effectRef>
-              <a:fontRef idx="minor">
-                <a:schemeClr val="tx1"/>
-              </a:fontRef>
-            </p:style>
-          </p:cxnSp>
-          <p:cxnSp>
-            <p:nvCxnSpPr>
-              <p:cNvPr id="53" name="Straight Arrow Connector 52">
-                <a:extLst>
-                  <a:ext uri="{FF2B5EF4-FFF2-40B4-BE49-F238E27FC236}">
-                    <a16:creationId xmlns:a16="http://schemas.microsoft.com/office/drawing/2014/main" id="{2B9F5B60-697C-960F-C3FF-EE38405A5D5D}"/>
-                  </a:ext>
-                </a:extLst>
-              </p:cNvPr>
-              <p:cNvCxnSpPr>
-                <a:cxnSpLocks/>
-                <a:stCxn id="25" idx="3"/>
-              </p:cNvCxnSpPr>
-              <p:nvPr/>
-            </p:nvCxnSpPr>
-            <p:spPr>
-              <a:xfrm flipV="1">
-                <a:off x="8371134" y="3929734"/>
-                <a:ext cx="1463158" cy="2"/>
-              </a:xfrm>
-              <a:prstGeom prst="straightConnector1">
-                <a:avLst/>
-              </a:prstGeom>
-              <a:ln>
+              </a:solidFill>
+            </a:ln>
+          </p:spPr>
+          <p:style>
+            <a:lnRef idx="2">
+              <a:schemeClr val="accent1">
+                <a:shade val="15000"/>
+              </a:schemeClr>
+            </a:lnRef>
+            <a:fillRef idx="1">
+              <a:schemeClr val="accent1"/>
+            </a:fillRef>
+            <a:effectRef idx="0">
+              <a:schemeClr val="accent1"/>
+            </a:effectRef>
+            <a:fontRef idx="minor">
+              <a:schemeClr val="lt1"/>
+            </a:fontRef>
+          </p:style>
+          <p:txBody>
+            <a:bodyPr rtlCol="0" anchor="ctr" anchorCtr="0"/>
+            <a:lstStyle/>
+            <a:p>
+              <a:pPr algn="ctr"/>
+              <a:r>
+                <a:rPr lang="en-GB" noProof="1">
+                  <a:solidFill>
+                    <a:schemeClr val="tx1"/>
+                  </a:solidFill>
+                </a:rPr>
+                <a:t>Representation</a:t>
+              </a:r>
+            </a:p>
+          </p:txBody>
+        </p:sp>
+        <p:sp>
+          <p:nvSpPr>
+            <p:cNvPr id="21" name="Rounded Rectangle 20">
+              <a:extLst>
+                <a:ext uri="{FF2B5EF4-FFF2-40B4-BE49-F238E27FC236}">
+                  <a16:creationId xmlns:a16="http://schemas.microsoft.com/office/drawing/2014/main" id="{B955B72A-169C-4BAD-F776-C5C25F755244}"/>
+                </a:ext>
+              </a:extLst>
+            </p:cNvPr>
+            <p:cNvSpPr/>
+            <p:nvPr/>
+          </p:nvSpPr>
+          <p:spPr>
+            <a:xfrm>
+              <a:off x="838200" y="6553458"/>
+              <a:ext cx="1766170" cy="1089765"/>
+            </a:xfrm>
+            <a:prstGeom prst="roundRect">
+              <a:avLst/>
+            </a:prstGeom>
+            <a:noFill/>
+          </p:spPr>
+          <p:style>
+            <a:lnRef idx="2">
+              <a:schemeClr val="accent1">
+                <a:shade val="15000"/>
+              </a:schemeClr>
+            </a:lnRef>
+            <a:fillRef idx="1">
+              <a:schemeClr val="accent1"/>
+            </a:fillRef>
+            <a:effectRef idx="0">
+              <a:schemeClr val="accent1"/>
+            </a:effectRef>
+            <a:fontRef idx="minor">
+              <a:schemeClr val="lt1"/>
+            </a:fontRef>
+          </p:style>
+          <p:txBody>
+            <a:bodyPr rtlCol="0" anchor="ctr" anchorCtr="0"/>
+            <a:lstStyle/>
+            <a:p>
+              <a:pPr algn="ctr"/>
+              <a:r>
+                <a:rPr lang="en-GB" noProof="1">
+                  <a:solidFill>
+                    <a:schemeClr val="tx1"/>
+                  </a:solidFill>
+                </a:rPr>
+                <a:t>Representation</a:t>
+              </a:r>
+            </a:p>
+          </p:txBody>
+        </p:sp>
+      </p:grpSp>
+      <p:grpSp>
+        <p:nvGrpSpPr>
+          <p:cNvPr id="22" name="Group 21">
+            <a:extLst>
+              <a:ext uri="{FF2B5EF4-FFF2-40B4-BE49-F238E27FC236}">
+                <a16:creationId xmlns:a16="http://schemas.microsoft.com/office/drawing/2014/main" id="{E5F91AE0-CBEB-45DC-10EF-76B92AAD2840}"/>
+              </a:ext>
+            </a:extLst>
+          </p:cNvPr>
+          <p:cNvGrpSpPr/>
+          <p:nvPr/>
+        </p:nvGrpSpPr>
+        <p:grpSpPr>
+          <a:xfrm>
+            <a:off x="7246680" y="2432479"/>
+            <a:ext cx="1032930" cy="2654569"/>
+            <a:chOff x="838200" y="1612630"/>
+            <a:chExt cx="1766170" cy="6030593"/>
+          </a:xfrm>
+        </p:grpSpPr>
+        <p:sp>
+          <p:nvSpPr>
+            <p:cNvPr id="23" name="Rounded Rectangle 22">
+              <a:extLst>
+                <a:ext uri="{FF2B5EF4-FFF2-40B4-BE49-F238E27FC236}">
+                  <a16:creationId xmlns:a16="http://schemas.microsoft.com/office/drawing/2014/main" id="{CF6BBEE3-212D-7F54-8316-B8BA0776CC56}"/>
+                </a:ext>
+              </a:extLst>
+            </p:cNvPr>
+            <p:cNvSpPr/>
+            <p:nvPr/>
+          </p:nvSpPr>
+          <p:spPr>
+            <a:xfrm>
+              <a:off x="838200" y="2847837"/>
+              <a:ext cx="1766170" cy="1089765"/>
+            </a:xfrm>
+            <a:prstGeom prst="roundRect">
+              <a:avLst/>
+            </a:prstGeom>
+            <a:noFill/>
+            <a:ln>
+              <a:noFill/>
+            </a:ln>
+          </p:spPr>
+          <p:style>
+            <a:lnRef idx="2">
+              <a:schemeClr val="accent1">
+                <a:shade val="15000"/>
+              </a:schemeClr>
+            </a:lnRef>
+            <a:fillRef idx="1">
+              <a:schemeClr val="accent1"/>
+            </a:fillRef>
+            <a:effectRef idx="0">
+              <a:schemeClr val="accent1"/>
+            </a:effectRef>
+            <a:fontRef idx="minor">
+              <a:schemeClr val="lt1"/>
+            </a:fontRef>
+          </p:style>
+          <p:txBody>
+            <a:bodyPr rtlCol="0" anchor="ctr" anchorCtr="0"/>
+            <a:lstStyle/>
+            <a:p>
+              <a:pPr algn="ctr"/>
+              <a:r>
+                <a:rPr lang="en-GB" noProof="1">
+                  <a:solidFill>
+                    <a:schemeClr val="tx1"/>
+                  </a:solidFill>
+                </a:rPr>
+                <a:t>Analysis</a:t>
+              </a:r>
+            </a:p>
+          </p:txBody>
+        </p:sp>
+        <p:sp>
+          <p:nvSpPr>
+            <p:cNvPr id="24" name="Rounded Rectangle 23">
+              <a:extLst>
+                <a:ext uri="{FF2B5EF4-FFF2-40B4-BE49-F238E27FC236}">
+                  <a16:creationId xmlns:a16="http://schemas.microsoft.com/office/drawing/2014/main" id="{57F99B42-2490-4D9C-7050-0F018D0718E7}"/>
+                </a:ext>
+              </a:extLst>
+            </p:cNvPr>
+            <p:cNvSpPr/>
+            <p:nvPr/>
+          </p:nvSpPr>
+          <p:spPr>
+            <a:xfrm>
+              <a:off x="838200" y="1612630"/>
+              <a:ext cx="1766170" cy="1089765"/>
+            </a:xfrm>
+            <a:prstGeom prst="roundRect">
+              <a:avLst/>
+            </a:prstGeom>
+            <a:noFill/>
+            <a:ln>
+              <a:noFill/>
+            </a:ln>
+          </p:spPr>
+          <p:style>
+            <a:lnRef idx="2">
+              <a:schemeClr val="accent1">
+                <a:shade val="15000"/>
+              </a:schemeClr>
+            </a:lnRef>
+            <a:fillRef idx="1">
+              <a:schemeClr val="accent1"/>
+            </a:fillRef>
+            <a:effectRef idx="0">
+              <a:schemeClr val="accent1"/>
+            </a:effectRef>
+            <a:fontRef idx="minor">
+              <a:schemeClr val="lt1"/>
+            </a:fontRef>
+          </p:style>
+          <p:txBody>
+            <a:bodyPr rtlCol="0" anchor="ctr" anchorCtr="0"/>
+            <a:lstStyle/>
+            <a:p>
+              <a:pPr algn="ctr"/>
+              <a:r>
+                <a:rPr lang="en-GB" noProof="1">
+                  <a:solidFill>
+                    <a:schemeClr val="tx1"/>
+                  </a:solidFill>
+                </a:rPr>
+                <a:t>Analysis</a:t>
+              </a:r>
+            </a:p>
+          </p:txBody>
+        </p:sp>
+        <p:sp>
+          <p:nvSpPr>
+            <p:cNvPr id="25" name="Rounded Rectangle 24">
+              <a:extLst>
+                <a:ext uri="{FF2B5EF4-FFF2-40B4-BE49-F238E27FC236}">
+                  <a16:creationId xmlns:a16="http://schemas.microsoft.com/office/drawing/2014/main" id="{D6E87009-2150-12BD-8402-5F68F7FC1240}"/>
+                </a:ext>
+              </a:extLst>
+            </p:cNvPr>
+            <p:cNvSpPr/>
+            <p:nvPr/>
+          </p:nvSpPr>
+          <p:spPr>
+            <a:xfrm>
+              <a:off x="838200" y="4083044"/>
+              <a:ext cx="1766170" cy="1089765"/>
+            </a:xfrm>
+            <a:prstGeom prst="roundRect">
+              <a:avLst/>
+            </a:prstGeom>
+            <a:noFill/>
+            <a:ln>
+              <a:noFill/>
+            </a:ln>
+          </p:spPr>
+          <p:style>
+            <a:lnRef idx="2">
+              <a:schemeClr val="accent1">
+                <a:shade val="15000"/>
+              </a:schemeClr>
+            </a:lnRef>
+            <a:fillRef idx="1">
+              <a:schemeClr val="accent1"/>
+            </a:fillRef>
+            <a:effectRef idx="0">
+              <a:schemeClr val="accent1"/>
+            </a:effectRef>
+            <a:fontRef idx="minor">
+              <a:schemeClr val="lt1"/>
+            </a:fontRef>
+          </p:style>
+          <p:txBody>
+            <a:bodyPr rtlCol="0" anchor="ctr" anchorCtr="0"/>
+            <a:lstStyle/>
+            <a:p>
+              <a:pPr algn="ctr"/>
+              <a:r>
+                <a:rPr lang="en-GB" noProof="1">
+                  <a:solidFill>
+                    <a:schemeClr val="tx1"/>
+                  </a:solidFill>
+                </a:rPr>
+                <a:t>Analysis</a:t>
+              </a:r>
+            </a:p>
+          </p:txBody>
+        </p:sp>
+        <p:sp>
+          <p:nvSpPr>
+            <p:cNvPr id="26" name="Rounded Rectangle 25">
+              <a:extLst>
+                <a:ext uri="{FF2B5EF4-FFF2-40B4-BE49-F238E27FC236}">
+                  <a16:creationId xmlns:a16="http://schemas.microsoft.com/office/drawing/2014/main" id="{903C0035-2C09-F241-2E52-F2E681898181}"/>
+                </a:ext>
+              </a:extLst>
+            </p:cNvPr>
+            <p:cNvSpPr/>
+            <p:nvPr/>
+          </p:nvSpPr>
+          <p:spPr>
+            <a:xfrm>
+              <a:off x="838200" y="5318251"/>
+              <a:ext cx="1766170" cy="1089765"/>
+            </a:xfrm>
+            <a:prstGeom prst="roundRect">
+              <a:avLst/>
+            </a:prstGeom>
+            <a:noFill/>
+            <a:ln>
+              <a:noFill/>
+            </a:ln>
+          </p:spPr>
+          <p:style>
+            <a:lnRef idx="2">
+              <a:schemeClr val="accent1">
+                <a:shade val="15000"/>
+              </a:schemeClr>
+            </a:lnRef>
+            <a:fillRef idx="1">
+              <a:schemeClr val="accent1"/>
+            </a:fillRef>
+            <a:effectRef idx="0">
+              <a:schemeClr val="accent1"/>
+            </a:effectRef>
+            <a:fontRef idx="minor">
+              <a:schemeClr val="lt1"/>
+            </a:fontRef>
+          </p:style>
+          <p:txBody>
+            <a:bodyPr rtlCol="0" anchor="ctr" anchorCtr="0"/>
+            <a:lstStyle/>
+            <a:p>
+              <a:pPr algn="ctr"/>
+              <a:r>
+                <a:rPr lang="en-GB" noProof="1">
+                  <a:solidFill>
+                    <a:schemeClr val="tx1"/>
+                  </a:solidFill>
+                </a:rPr>
+                <a:t>Analysis</a:t>
+              </a:r>
+            </a:p>
+          </p:txBody>
+        </p:sp>
+        <p:sp>
+          <p:nvSpPr>
+            <p:cNvPr id="27" name="Rounded Rectangle 26">
+              <a:extLst>
+                <a:ext uri="{FF2B5EF4-FFF2-40B4-BE49-F238E27FC236}">
+                  <a16:creationId xmlns:a16="http://schemas.microsoft.com/office/drawing/2014/main" id="{EA55E76F-8DB2-E628-D82D-52854A8FA5D0}"/>
+                </a:ext>
+              </a:extLst>
+            </p:cNvPr>
+            <p:cNvSpPr/>
+            <p:nvPr/>
+          </p:nvSpPr>
+          <p:spPr>
+            <a:xfrm>
+              <a:off x="838200" y="6553458"/>
+              <a:ext cx="1766170" cy="1089765"/>
+            </a:xfrm>
+            <a:prstGeom prst="roundRect">
+              <a:avLst/>
+            </a:prstGeom>
+            <a:noFill/>
+            <a:ln>
+              <a:noFill/>
+            </a:ln>
+          </p:spPr>
+          <p:style>
+            <a:lnRef idx="2">
+              <a:schemeClr val="accent1">
+                <a:shade val="15000"/>
+              </a:schemeClr>
+            </a:lnRef>
+            <a:fillRef idx="1">
+              <a:schemeClr val="accent1"/>
+            </a:fillRef>
+            <a:effectRef idx="0">
+              <a:schemeClr val="accent1"/>
+            </a:effectRef>
+            <a:fontRef idx="minor">
+              <a:schemeClr val="lt1"/>
+            </a:fontRef>
+          </p:style>
+          <p:txBody>
+            <a:bodyPr rtlCol="0" anchor="ctr" anchorCtr="0"/>
+            <a:lstStyle/>
+            <a:p>
+              <a:pPr algn="ctr"/>
+              <a:r>
+                <a:rPr lang="en-GB" noProof="1">
+                  <a:solidFill>
+                    <a:schemeClr val="tx1"/>
+                  </a:solidFill>
+                </a:rPr>
+                <a:t>Analysis</a:t>
+              </a:r>
+            </a:p>
+          </p:txBody>
+        </p:sp>
+      </p:grpSp>
+      <p:cxnSp>
+        <p:nvCxnSpPr>
+          <p:cNvPr id="29" name="Straight Arrow Connector 28">
+            <a:extLst>
+              <a:ext uri="{FF2B5EF4-FFF2-40B4-BE49-F238E27FC236}">
+                <a16:creationId xmlns:a16="http://schemas.microsoft.com/office/drawing/2014/main" id="{3CE880F4-FE74-480E-D971-813B5A3688EB}"/>
+              </a:ext>
+            </a:extLst>
+          </p:cNvPr>
+          <p:cNvCxnSpPr>
+            <a:cxnSpLocks/>
+            <a:stCxn id="4" idx="3"/>
+          </p:cNvCxnSpPr>
+          <p:nvPr/>
+        </p:nvCxnSpPr>
+        <p:spPr>
+          <a:xfrm>
+            <a:off x="3860013" y="2672330"/>
+            <a:ext cx="735136" cy="0"/>
+          </a:xfrm>
+          <a:prstGeom prst="straightConnector1">
+            <a:avLst/>
+          </a:prstGeom>
+          <a:ln>
+            <a:tailEnd type="triangle"/>
+          </a:ln>
+        </p:spPr>
+        <p:style>
+          <a:lnRef idx="1">
+            <a:schemeClr val="dk1"/>
+          </a:lnRef>
+          <a:fillRef idx="0">
+            <a:schemeClr val="dk1"/>
+          </a:fillRef>
+          <a:effectRef idx="0">
+            <a:schemeClr val="dk1"/>
+          </a:effectRef>
+          <a:fontRef idx="minor">
+            <a:schemeClr val="tx1"/>
+          </a:fontRef>
+        </p:style>
+      </p:cxnSp>
+      <p:cxnSp>
+        <p:nvCxnSpPr>
+          <p:cNvPr id="40" name="Straight Arrow Connector 39">
+            <a:extLst>
+              <a:ext uri="{FF2B5EF4-FFF2-40B4-BE49-F238E27FC236}">
+                <a16:creationId xmlns:a16="http://schemas.microsoft.com/office/drawing/2014/main" id="{DC6209C0-C553-41DB-68F4-0DC4D55844DD}"/>
+              </a:ext>
+            </a:extLst>
+          </p:cNvPr>
+          <p:cNvCxnSpPr>
+            <a:cxnSpLocks/>
+            <a:stCxn id="18" idx="3"/>
+            <a:endCxn id="24" idx="1"/>
+          </p:cNvCxnSpPr>
+          <p:nvPr/>
+        </p:nvCxnSpPr>
+        <p:spPr>
+          <a:xfrm flipV="1">
+            <a:off x="6356101" y="2672328"/>
+            <a:ext cx="890579" cy="1"/>
+          </a:xfrm>
+          <a:prstGeom prst="straightConnector1">
+            <a:avLst/>
+          </a:prstGeom>
+          <a:ln>
+            <a:tailEnd type="triangle"/>
+          </a:ln>
+        </p:spPr>
+        <p:style>
+          <a:lnRef idx="1">
+            <a:schemeClr val="dk1"/>
+          </a:lnRef>
+          <a:fillRef idx="0">
+            <a:schemeClr val="dk1"/>
+          </a:fillRef>
+          <a:effectRef idx="0">
+            <a:schemeClr val="dk1"/>
+          </a:effectRef>
+          <a:fontRef idx="minor">
+            <a:schemeClr val="tx1"/>
+          </a:fontRef>
+        </p:style>
+      </p:cxnSp>
+      <p:cxnSp>
+        <p:nvCxnSpPr>
+          <p:cNvPr id="43" name="Straight Arrow Connector 42">
+            <a:extLst>
+              <a:ext uri="{FF2B5EF4-FFF2-40B4-BE49-F238E27FC236}">
+                <a16:creationId xmlns:a16="http://schemas.microsoft.com/office/drawing/2014/main" id="{81931706-E4A8-1821-46F4-F27803A34D93}"/>
+              </a:ext>
+            </a:extLst>
+          </p:cNvPr>
+          <p:cNvCxnSpPr>
+            <a:cxnSpLocks/>
+            <a:stCxn id="17" idx="3"/>
+            <a:endCxn id="23" idx="1"/>
+          </p:cNvCxnSpPr>
+          <p:nvPr/>
+        </p:nvCxnSpPr>
+        <p:spPr>
+          <a:xfrm flipV="1">
+            <a:off x="6356101" y="3216046"/>
+            <a:ext cx="890579" cy="1"/>
+          </a:xfrm>
+          <a:prstGeom prst="straightConnector1">
+            <a:avLst/>
+          </a:prstGeom>
+          <a:ln>
+            <a:tailEnd type="triangle"/>
+          </a:ln>
+        </p:spPr>
+        <p:style>
+          <a:lnRef idx="1">
+            <a:schemeClr val="dk1"/>
+          </a:lnRef>
+          <a:fillRef idx="0">
+            <a:schemeClr val="dk1"/>
+          </a:fillRef>
+          <a:effectRef idx="0">
+            <a:schemeClr val="dk1"/>
+          </a:effectRef>
+          <a:fontRef idx="minor">
+            <a:schemeClr val="tx1"/>
+          </a:fontRef>
+        </p:style>
+      </p:cxnSp>
+      <p:cxnSp>
+        <p:nvCxnSpPr>
+          <p:cNvPr id="46" name="Straight Arrow Connector 45">
+            <a:extLst>
+              <a:ext uri="{FF2B5EF4-FFF2-40B4-BE49-F238E27FC236}">
+                <a16:creationId xmlns:a16="http://schemas.microsoft.com/office/drawing/2014/main" id="{6C7B9750-D9DF-2CA2-5DBB-EEE0D10463C7}"/>
+              </a:ext>
+            </a:extLst>
+          </p:cNvPr>
+          <p:cNvCxnSpPr>
+            <a:cxnSpLocks/>
+            <a:stCxn id="19" idx="3"/>
+            <a:endCxn id="25" idx="1"/>
+          </p:cNvCxnSpPr>
+          <p:nvPr/>
+        </p:nvCxnSpPr>
+        <p:spPr>
+          <a:xfrm flipV="1">
+            <a:off x="6356101" y="3759764"/>
+            <a:ext cx="890579" cy="1"/>
+          </a:xfrm>
+          <a:prstGeom prst="straightConnector1">
+            <a:avLst/>
+          </a:prstGeom>
+          <a:ln>
+            <a:tailEnd type="triangle"/>
+          </a:ln>
+        </p:spPr>
+        <p:style>
+          <a:lnRef idx="1">
+            <a:schemeClr val="dk1"/>
+          </a:lnRef>
+          <a:fillRef idx="0">
+            <a:schemeClr val="dk1"/>
+          </a:fillRef>
+          <a:effectRef idx="0">
+            <a:schemeClr val="dk1"/>
+          </a:effectRef>
+          <a:fontRef idx="minor">
+            <a:schemeClr val="tx1"/>
+          </a:fontRef>
+        </p:style>
+      </p:cxnSp>
+      <p:cxnSp>
+        <p:nvCxnSpPr>
+          <p:cNvPr id="49" name="Straight Arrow Connector 48">
+            <a:extLst>
+              <a:ext uri="{FF2B5EF4-FFF2-40B4-BE49-F238E27FC236}">
+                <a16:creationId xmlns:a16="http://schemas.microsoft.com/office/drawing/2014/main" id="{9DE207D5-1EBC-3939-4785-BEF43D38E56C}"/>
+              </a:ext>
+            </a:extLst>
+          </p:cNvPr>
+          <p:cNvCxnSpPr>
+            <a:cxnSpLocks/>
+          </p:cNvCxnSpPr>
+          <p:nvPr/>
+        </p:nvCxnSpPr>
+        <p:spPr>
+          <a:xfrm flipV="1">
+            <a:off x="6356101" y="4314002"/>
+            <a:ext cx="890579" cy="1"/>
+          </a:xfrm>
+          <a:prstGeom prst="straightConnector1">
+            <a:avLst/>
+          </a:prstGeom>
+          <a:ln>
+            <a:tailEnd type="triangle"/>
+          </a:ln>
+        </p:spPr>
+        <p:style>
+          <a:lnRef idx="1">
+            <a:schemeClr val="dk1"/>
+          </a:lnRef>
+          <a:fillRef idx="0">
+            <a:schemeClr val="dk1"/>
+          </a:fillRef>
+          <a:effectRef idx="0">
+            <a:schemeClr val="dk1"/>
+          </a:effectRef>
+          <a:fontRef idx="minor">
+            <a:schemeClr val="tx1"/>
+          </a:fontRef>
+        </p:style>
+      </p:cxnSp>
+      <p:cxnSp>
+        <p:nvCxnSpPr>
+          <p:cNvPr id="50" name="Straight Arrow Connector 49">
+            <a:extLst>
+              <a:ext uri="{FF2B5EF4-FFF2-40B4-BE49-F238E27FC236}">
+                <a16:creationId xmlns:a16="http://schemas.microsoft.com/office/drawing/2014/main" id="{3D214A23-9AE2-B117-34A6-77891910B309}"/>
+              </a:ext>
+            </a:extLst>
+          </p:cNvPr>
+          <p:cNvCxnSpPr>
+            <a:cxnSpLocks/>
+            <a:stCxn id="21" idx="3"/>
+            <a:endCxn id="27" idx="1"/>
+          </p:cNvCxnSpPr>
+          <p:nvPr/>
+        </p:nvCxnSpPr>
+        <p:spPr>
+          <a:xfrm flipV="1">
+            <a:off x="6356101" y="4847200"/>
+            <a:ext cx="890579" cy="1"/>
+          </a:xfrm>
+          <a:prstGeom prst="straightConnector1">
+            <a:avLst/>
+          </a:prstGeom>
+          <a:ln>
+            <a:tailEnd type="triangle"/>
+          </a:ln>
+        </p:spPr>
+        <p:style>
+          <a:lnRef idx="1">
+            <a:schemeClr val="dk1"/>
+          </a:lnRef>
+          <a:fillRef idx="0">
+            <a:schemeClr val="dk1"/>
+          </a:fillRef>
+          <a:effectRef idx="0">
+            <a:schemeClr val="dk1"/>
+          </a:effectRef>
+          <a:fontRef idx="minor">
+            <a:schemeClr val="tx1"/>
+          </a:fontRef>
+        </p:style>
+      </p:cxnSp>
+      <p:cxnSp>
+        <p:nvCxnSpPr>
+          <p:cNvPr id="53" name="Straight Arrow Connector 52">
+            <a:extLst>
+              <a:ext uri="{FF2B5EF4-FFF2-40B4-BE49-F238E27FC236}">
+                <a16:creationId xmlns:a16="http://schemas.microsoft.com/office/drawing/2014/main" id="{2B9F5B60-697C-960F-C3FF-EE38405A5D5D}"/>
+              </a:ext>
+            </a:extLst>
+          </p:cNvPr>
+          <p:cNvCxnSpPr>
+            <a:cxnSpLocks/>
+            <a:stCxn id="25" idx="3"/>
+          </p:cNvCxnSpPr>
+          <p:nvPr/>
+        </p:nvCxnSpPr>
+        <p:spPr>
+          <a:xfrm flipV="1">
+            <a:off x="8279610" y="3759762"/>
+            <a:ext cx="1463158" cy="2"/>
+          </a:xfrm>
+          <a:prstGeom prst="straightConnector1">
+            <a:avLst/>
+          </a:prstGeom>
+          <a:ln>
+            <a:solidFill>
+              <a:srgbClr val="C00000"/>
+            </a:solidFill>
+            <a:tailEnd type="triangle"/>
+          </a:ln>
+        </p:spPr>
+        <p:style>
+          <a:lnRef idx="1">
+            <a:schemeClr val="accent2"/>
+          </a:lnRef>
+          <a:fillRef idx="0">
+            <a:schemeClr val="accent2"/>
+          </a:fillRef>
+          <a:effectRef idx="0">
+            <a:schemeClr val="accent2"/>
+          </a:effectRef>
+          <a:fontRef idx="minor">
+            <a:schemeClr val="tx1"/>
+          </a:fontRef>
+        </p:style>
+      </p:cxnSp>
+      <p:cxnSp>
+        <p:nvCxnSpPr>
+          <p:cNvPr id="57" name="Straight Arrow Connector 56">
+            <a:extLst>
+              <a:ext uri="{FF2B5EF4-FFF2-40B4-BE49-F238E27FC236}">
+                <a16:creationId xmlns:a16="http://schemas.microsoft.com/office/drawing/2014/main" id="{D4794446-D7D3-2AC1-CE29-CDB2DA78C7E5}"/>
+              </a:ext>
+            </a:extLst>
+          </p:cNvPr>
+          <p:cNvCxnSpPr>
+            <a:cxnSpLocks/>
+            <a:stCxn id="23" idx="3"/>
+          </p:cNvCxnSpPr>
+          <p:nvPr/>
+        </p:nvCxnSpPr>
+        <p:spPr>
+          <a:xfrm>
+            <a:off x="8279610" y="3216046"/>
+            <a:ext cx="1463158" cy="487123"/>
+          </a:xfrm>
+          <a:prstGeom prst="straightConnector1">
+            <a:avLst/>
+          </a:prstGeom>
+          <a:ln>
+            <a:solidFill>
+              <a:srgbClr val="C00000"/>
+            </a:solidFill>
+            <a:tailEnd type="triangle"/>
+          </a:ln>
+        </p:spPr>
+        <p:style>
+          <a:lnRef idx="1">
+            <a:schemeClr val="accent2"/>
+          </a:lnRef>
+          <a:fillRef idx="0">
+            <a:schemeClr val="accent2"/>
+          </a:fillRef>
+          <a:effectRef idx="0">
+            <a:schemeClr val="accent2"/>
+          </a:effectRef>
+          <a:fontRef idx="minor">
+            <a:schemeClr val="tx1"/>
+          </a:fontRef>
+        </p:style>
+      </p:cxnSp>
+      <p:cxnSp>
+        <p:nvCxnSpPr>
+          <p:cNvPr id="61" name="Straight Arrow Connector 60">
+            <a:extLst>
+              <a:ext uri="{FF2B5EF4-FFF2-40B4-BE49-F238E27FC236}">
+                <a16:creationId xmlns:a16="http://schemas.microsoft.com/office/drawing/2014/main" id="{59892338-4EA2-18CA-C88F-355BAB727535}"/>
+              </a:ext>
+            </a:extLst>
+          </p:cNvPr>
+          <p:cNvCxnSpPr>
+            <a:cxnSpLocks/>
+            <a:stCxn id="24" idx="3"/>
+          </p:cNvCxnSpPr>
+          <p:nvPr/>
+        </p:nvCxnSpPr>
+        <p:spPr>
+          <a:xfrm>
+            <a:off x="8279610" y="2672328"/>
+            <a:ext cx="1463158" cy="948578"/>
+          </a:xfrm>
+          <a:prstGeom prst="straightConnector1">
+            <a:avLst/>
+          </a:prstGeom>
+          <a:ln>
+            <a:solidFill>
+              <a:srgbClr val="C00000"/>
+            </a:solidFill>
+            <a:tailEnd type="triangle"/>
+          </a:ln>
+        </p:spPr>
+        <p:style>
+          <a:lnRef idx="1">
+            <a:schemeClr val="accent2"/>
+          </a:lnRef>
+          <a:fillRef idx="0">
+            <a:schemeClr val="accent2"/>
+          </a:fillRef>
+          <a:effectRef idx="0">
+            <a:schemeClr val="accent2"/>
+          </a:effectRef>
+          <a:fontRef idx="minor">
+            <a:schemeClr val="tx1"/>
+          </a:fontRef>
+        </p:style>
+      </p:cxnSp>
+      <p:cxnSp>
+        <p:nvCxnSpPr>
+          <p:cNvPr id="64" name="Straight Arrow Connector 63">
+            <a:extLst>
+              <a:ext uri="{FF2B5EF4-FFF2-40B4-BE49-F238E27FC236}">
+                <a16:creationId xmlns:a16="http://schemas.microsoft.com/office/drawing/2014/main" id="{C27870DF-AEF6-3BF7-BE2A-F9F833E3725A}"/>
+              </a:ext>
+            </a:extLst>
+          </p:cNvPr>
+          <p:cNvCxnSpPr>
+            <a:cxnSpLocks/>
+            <a:stCxn id="26" idx="3"/>
+          </p:cNvCxnSpPr>
+          <p:nvPr/>
+        </p:nvCxnSpPr>
+        <p:spPr>
+          <a:xfrm flipV="1">
+            <a:off x="8279610" y="3810259"/>
+            <a:ext cx="1463158" cy="493223"/>
+          </a:xfrm>
+          <a:prstGeom prst="straightConnector1">
+            <a:avLst/>
+          </a:prstGeom>
+          <a:ln>
+            <a:solidFill>
+              <a:srgbClr val="C00000"/>
+            </a:solidFill>
+            <a:tailEnd type="triangle"/>
+          </a:ln>
+        </p:spPr>
+        <p:style>
+          <a:lnRef idx="1">
+            <a:schemeClr val="accent2"/>
+          </a:lnRef>
+          <a:fillRef idx="0">
+            <a:schemeClr val="accent2"/>
+          </a:fillRef>
+          <a:effectRef idx="0">
+            <a:schemeClr val="accent2"/>
+          </a:effectRef>
+          <a:fontRef idx="minor">
+            <a:schemeClr val="tx1"/>
+          </a:fontRef>
+        </p:style>
+      </p:cxnSp>
+      <p:cxnSp>
+        <p:nvCxnSpPr>
+          <p:cNvPr id="68" name="Straight Arrow Connector 67">
+            <a:extLst>
+              <a:ext uri="{FF2B5EF4-FFF2-40B4-BE49-F238E27FC236}">
+                <a16:creationId xmlns:a16="http://schemas.microsoft.com/office/drawing/2014/main" id="{B6369F1A-35A7-4D11-2FAB-73727776C755}"/>
+              </a:ext>
+            </a:extLst>
+          </p:cNvPr>
+          <p:cNvCxnSpPr>
+            <a:cxnSpLocks/>
+            <a:stCxn id="27" idx="3"/>
+          </p:cNvCxnSpPr>
+          <p:nvPr/>
+        </p:nvCxnSpPr>
+        <p:spPr>
+          <a:xfrm flipV="1">
+            <a:off x="8279610" y="3887004"/>
+            <a:ext cx="1463158" cy="960196"/>
+          </a:xfrm>
+          <a:prstGeom prst="straightConnector1">
+            <a:avLst/>
+          </a:prstGeom>
+          <a:ln>
+            <a:solidFill>
+              <a:srgbClr val="C00000"/>
+            </a:solidFill>
+            <a:tailEnd type="triangle"/>
+          </a:ln>
+        </p:spPr>
+        <p:style>
+          <a:lnRef idx="1">
+            <a:schemeClr val="accent2"/>
+          </a:lnRef>
+          <a:fillRef idx="0">
+            <a:schemeClr val="accent2"/>
+          </a:fillRef>
+          <a:effectRef idx="0">
+            <a:schemeClr val="accent2"/>
+          </a:effectRef>
+          <a:fontRef idx="minor">
+            <a:schemeClr val="tx1"/>
+          </a:fontRef>
+        </p:style>
+      </p:cxnSp>
+      <p:sp>
+        <p:nvSpPr>
+          <p:cNvPr id="72" name="Rounded Rectangle 71">
+            <a:extLst>
+              <a:ext uri="{FF2B5EF4-FFF2-40B4-BE49-F238E27FC236}">
+                <a16:creationId xmlns:a16="http://schemas.microsoft.com/office/drawing/2014/main" id="{C0B190DF-013C-76DB-A2A6-1F22C4E7DEA8}"/>
+              </a:ext>
+            </a:extLst>
+          </p:cNvPr>
+          <p:cNvSpPr/>
+          <p:nvPr/>
+        </p:nvSpPr>
+        <p:spPr>
+          <a:xfrm>
+            <a:off x="9742768" y="3520548"/>
+            <a:ext cx="460351" cy="479697"/>
+          </a:xfrm>
+          <a:prstGeom prst="roundRect">
+            <a:avLst/>
+          </a:prstGeom>
+          <a:noFill/>
+          <a:ln>
+            <a:noFill/>
+          </a:ln>
+        </p:spPr>
+        <p:style>
+          <a:lnRef idx="2">
+            <a:schemeClr val="accent1">
+              <a:shade val="15000"/>
+            </a:schemeClr>
+          </a:lnRef>
+          <a:fillRef idx="1">
+            <a:schemeClr val="accent1"/>
+          </a:fillRef>
+          <a:effectRef idx="0">
+            <a:schemeClr val="accent1"/>
+          </a:effectRef>
+          <a:fontRef idx="minor">
+            <a:schemeClr val="lt1"/>
+          </a:fontRef>
+        </p:style>
+        <p:txBody>
+          <a:bodyPr rtlCol="0" anchor="ctr" anchorCtr="0"/>
+          <a:lstStyle/>
+          <a:p>
+            <a:pPr algn="ctr"/>
+            <a:r>
+              <a:rPr lang="en-GB" noProof="1">
                 <a:solidFill>
                   <a:srgbClr val="C00000"/>
                 </a:solidFill>
-                <a:tailEnd type="triangle"/>
-              </a:ln>
-            </p:spPr>
-            <p:style>
-              <a:lnRef idx="1">
-                <a:schemeClr val="accent2"/>
-              </a:lnRef>
-              <a:fillRef idx="0">
-                <a:schemeClr val="accent2"/>
-              </a:fillRef>
-              <a:effectRef idx="0">
-                <a:schemeClr val="accent2"/>
-              </a:effectRef>
-              <a:fontRef idx="minor">
-                <a:schemeClr val="tx1"/>
-              </a:fontRef>
-            </p:style>
-          </p:cxnSp>
-          <p:cxnSp>
-            <p:nvCxnSpPr>
-              <p:cNvPr id="57" name="Straight Arrow Connector 56">
-                <a:extLst>
-                  <a:ext uri="{FF2B5EF4-FFF2-40B4-BE49-F238E27FC236}">
-                    <a16:creationId xmlns:a16="http://schemas.microsoft.com/office/drawing/2014/main" id="{D4794446-D7D3-2AC1-CE29-CDB2DA78C7E5}"/>
-                  </a:ext>
-                </a:extLst>
-              </p:cNvPr>
-              <p:cNvCxnSpPr>
-                <a:cxnSpLocks/>
-                <a:stCxn id="23" idx="3"/>
-              </p:cNvCxnSpPr>
-              <p:nvPr/>
-            </p:nvCxnSpPr>
-            <p:spPr>
-              <a:xfrm>
-                <a:off x="8371134" y="3386018"/>
-                <a:ext cx="1463158" cy="487123"/>
-              </a:xfrm>
-              <a:prstGeom prst="straightConnector1">
-                <a:avLst/>
-              </a:prstGeom>
-              <a:ln>
-                <a:solidFill>
-                  <a:srgbClr val="C00000"/>
-                </a:solidFill>
-                <a:tailEnd type="triangle"/>
-              </a:ln>
-            </p:spPr>
-            <p:style>
-              <a:lnRef idx="1">
-                <a:schemeClr val="accent2"/>
-              </a:lnRef>
-              <a:fillRef idx="0">
-                <a:schemeClr val="accent2"/>
-              </a:fillRef>
-              <a:effectRef idx="0">
-                <a:schemeClr val="accent2"/>
-              </a:effectRef>
-              <a:fontRef idx="minor">
-                <a:schemeClr val="tx1"/>
-              </a:fontRef>
-            </p:style>
-          </p:cxnSp>
-          <p:cxnSp>
-            <p:nvCxnSpPr>
-              <p:cNvPr id="61" name="Straight Arrow Connector 60">
-                <a:extLst>
-                  <a:ext uri="{FF2B5EF4-FFF2-40B4-BE49-F238E27FC236}">
-                    <a16:creationId xmlns:a16="http://schemas.microsoft.com/office/drawing/2014/main" id="{59892338-4EA2-18CA-C88F-355BAB727535}"/>
-                  </a:ext>
-                </a:extLst>
-              </p:cNvPr>
-              <p:cNvCxnSpPr>
-                <a:cxnSpLocks/>
-                <a:stCxn id="24" idx="3"/>
-              </p:cNvCxnSpPr>
-              <p:nvPr/>
-            </p:nvCxnSpPr>
-            <p:spPr>
-              <a:xfrm>
-                <a:off x="8371134" y="2842300"/>
-                <a:ext cx="1463158" cy="948578"/>
-              </a:xfrm>
-              <a:prstGeom prst="straightConnector1">
-                <a:avLst/>
-              </a:prstGeom>
-              <a:ln>
-                <a:solidFill>
-                  <a:srgbClr val="C00000"/>
-                </a:solidFill>
-                <a:tailEnd type="triangle"/>
-              </a:ln>
-            </p:spPr>
-            <p:style>
-              <a:lnRef idx="1">
-                <a:schemeClr val="accent2"/>
-              </a:lnRef>
-              <a:fillRef idx="0">
-                <a:schemeClr val="accent2"/>
-              </a:fillRef>
-              <a:effectRef idx="0">
-                <a:schemeClr val="accent2"/>
-              </a:effectRef>
-              <a:fontRef idx="minor">
-                <a:schemeClr val="tx1"/>
-              </a:fontRef>
-            </p:style>
-          </p:cxnSp>
-          <p:cxnSp>
-            <p:nvCxnSpPr>
-              <p:cNvPr id="64" name="Straight Arrow Connector 63">
-                <a:extLst>
-                  <a:ext uri="{FF2B5EF4-FFF2-40B4-BE49-F238E27FC236}">
-                    <a16:creationId xmlns:a16="http://schemas.microsoft.com/office/drawing/2014/main" id="{C27870DF-AEF6-3BF7-BE2A-F9F833E3725A}"/>
-                  </a:ext>
-                </a:extLst>
-              </p:cNvPr>
-              <p:cNvCxnSpPr>
-                <a:cxnSpLocks/>
-                <a:stCxn id="26" idx="3"/>
-              </p:cNvCxnSpPr>
-              <p:nvPr/>
-            </p:nvCxnSpPr>
-            <p:spPr>
-              <a:xfrm flipV="1">
-                <a:off x="8371134" y="3980231"/>
-                <a:ext cx="1463158" cy="493223"/>
-              </a:xfrm>
-              <a:prstGeom prst="straightConnector1">
-                <a:avLst/>
-              </a:prstGeom>
-              <a:ln>
-                <a:solidFill>
-                  <a:srgbClr val="C00000"/>
-                </a:solidFill>
-                <a:tailEnd type="triangle"/>
-              </a:ln>
-            </p:spPr>
-            <p:style>
-              <a:lnRef idx="1">
-                <a:schemeClr val="accent2"/>
-              </a:lnRef>
-              <a:fillRef idx="0">
-                <a:schemeClr val="accent2"/>
-              </a:fillRef>
-              <a:effectRef idx="0">
-                <a:schemeClr val="accent2"/>
-              </a:effectRef>
-              <a:fontRef idx="minor">
-                <a:schemeClr val="tx1"/>
-              </a:fontRef>
-            </p:style>
-          </p:cxnSp>
-          <p:cxnSp>
-            <p:nvCxnSpPr>
-              <p:cNvPr id="68" name="Straight Arrow Connector 67">
-                <a:extLst>
-                  <a:ext uri="{FF2B5EF4-FFF2-40B4-BE49-F238E27FC236}">
-                    <a16:creationId xmlns:a16="http://schemas.microsoft.com/office/drawing/2014/main" id="{B6369F1A-35A7-4D11-2FAB-73727776C755}"/>
-                  </a:ext>
-                </a:extLst>
-              </p:cNvPr>
-              <p:cNvCxnSpPr>
-                <a:cxnSpLocks/>
-                <a:stCxn id="27" idx="3"/>
-              </p:cNvCxnSpPr>
-              <p:nvPr/>
-            </p:nvCxnSpPr>
-            <p:spPr>
-              <a:xfrm flipV="1">
-                <a:off x="8371134" y="4056976"/>
-                <a:ext cx="1463158" cy="960196"/>
-              </a:xfrm>
-              <a:prstGeom prst="straightConnector1">
-                <a:avLst/>
-              </a:prstGeom>
-              <a:ln>
-                <a:solidFill>
-                  <a:srgbClr val="C00000"/>
-                </a:solidFill>
-                <a:tailEnd type="triangle"/>
-              </a:ln>
-            </p:spPr>
-            <p:style>
-              <a:lnRef idx="1">
-                <a:schemeClr val="accent2"/>
-              </a:lnRef>
-              <a:fillRef idx="0">
-                <a:schemeClr val="accent2"/>
-              </a:fillRef>
-              <a:effectRef idx="0">
-                <a:schemeClr val="accent2"/>
-              </a:effectRef>
-              <a:fontRef idx="minor">
-                <a:schemeClr val="tx1"/>
-              </a:fontRef>
-            </p:style>
-          </p:cxnSp>
-          <p:sp>
-            <p:nvSpPr>
-              <p:cNvPr id="72" name="Rounded Rectangle 71">
-                <a:extLst>
-                  <a:ext uri="{FF2B5EF4-FFF2-40B4-BE49-F238E27FC236}">
-                    <a16:creationId xmlns:a16="http://schemas.microsoft.com/office/drawing/2014/main" id="{C0B190DF-013C-76DB-A2A6-1F22C4E7DEA8}"/>
-                  </a:ext>
-                </a:extLst>
-              </p:cNvPr>
-              <p:cNvSpPr/>
-              <p:nvPr/>
-            </p:nvSpPr>
-            <p:spPr>
-              <a:xfrm>
-                <a:off x="9834292" y="3690520"/>
-                <a:ext cx="460351" cy="479697"/>
-              </a:xfrm>
-              <a:prstGeom prst="roundRect">
-                <a:avLst/>
-              </a:prstGeom>
-              <a:noFill/>
-              <a:ln>
-                <a:noFill/>
-              </a:ln>
-            </p:spPr>
-            <p:style>
-              <a:lnRef idx="2">
-                <a:schemeClr val="accent1">
-                  <a:shade val="15000"/>
-                </a:schemeClr>
-              </a:lnRef>
-              <a:fillRef idx="1">
-                <a:schemeClr val="accent1"/>
-              </a:fillRef>
-              <a:effectRef idx="0">
-                <a:schemeClr val="accent1"/>
-              </a:effectRef>
-              <a:fontRef idx="minor">
-                <a:schemeClr val="lt1"/>
-              </a:fontRef>
-            </p:style>
-            <p:txBody>
-              <a:bodyPr rtlCol="0" anchor="ctr" anchorCtr="0"/>
-              <a:lstStyle/>
-              <a:p>
-                <a:pPr algn="ctr"/>
-                <a:r>
-                  <a:rPr lang="en-GB" noProof="1">
-                    <a:solidFill>
-                      <a:srgbClr val="C00000"/>
-                    </a:solidFill>
-                  </a:rPr>
-                  <a:t>?</a:t>
-                </a:r>
-              </a:p>
-            </p:txBody>
-          </p:sp>
-        </p:grpSp>
-        <p:cxnSp>
-          <p:nvCxnSpPr>
-            <p:cNvPr id="76" name="Straight Arrow Connector 75">
-              <a:extLst>
-                <a:ext uri="{FF2B5EF4-FFF2-40B4-BE49-F238E27FC236}">
-                  <a16:creationId xmlns:a16="http://schemas.microsoft.com/office/drawing/2014/main" id="{852E291D-3612-63C5-E25B-1EF93DFE6FAB}"/>
-                </a:ext>
-              </a:extLst>
-            </p:cNvPr>
-            <p:cNvCxnSpPr>
-              <a:cxnSpLocks/>
-            </p:cNvCxnSpPr>
-            <p:nvPr/>
-          </p:nvCxnSpPr>
-          <p:spPr>
-            <a:xfrm>
-              <a:off x="3860013" y="3193404"/>
-              <a:ext cx="735136" cy="0"/>
-            </a:xfrm>
-            <a:prstGeom prst="straightConnector1">
-              <a:avLst/>
-            </a:prstGeom>
-            <a:ln>
-              <a:tailEnd type="triangle"/>
-            </a:ln>
-          </p:spPr>
-          <p:style>
-            <a:lnRef idx="1">
-              <a:schemeClr val="dk1"/>
-            </a:lnRef>
-            <a:fillRef idx="0">
-              <a:schemeClr val="dk1"/>
-            </a:fillRef>
-            <a:effectRef idx="0">
-              <a:schemeClr val="dk1"/>
-            </a:effectRef>
-            <a:fontRef idx="minor">
-              <a:schemeClr val="tx1"/>
-            </a:fontRef>
-          </p:style>
-        </p:cxnSp>
-        <p:cxnSp>
-          <p:nvCxnSpPr>
-            <p:cNvPr id="77" name="Straight Arrow Connector 76">
-              <a:extLst>
-                <a:ext uri="{FF2B5EF4-FFF2-40B4-BE49-F238E27FC236}">
-                  <a16:creationId xmlns:a16="http://schemas.microsoft.com/office/drawing/2014/main" id="{6999FA52-5EEB-93AF-6707-9BC4AD901ED3}"/>
-                </a:ext>
-              </a:extLst>
-            </p:cNvPr>
-            <p:cNvCxnSpPr>
-              <a:cxnSpLocks/>
-            </p:cNvCxnSpPr>
-            <p:nvPr/>
-          </p:nvCxnSpPr>
-          <p:spPr>
-            <a:xfrm>
-              <a:off x="3860013" y="3760269"/>
-              <a:ext cx="735136" cy="0"/>
-            </a:xfrm>
-            <a:prstGeom prst="straightConnector1">
-              <a:avLst/>
-            </a:prstGeom>
-            <a:ln>
-              <a:tailEnd type="triangle"/>
-            </a:ln>
-          </p:spPr>
-          <p:style>
-            <a:lnRef idx="1">
-              <a:schemeClr val="dk1"/>
-            </a:lnRef>
-            <a:fillRef idx="0">
-              <a:schemeClr val="dk1"/>
-            </a:fillRef>
-            <a:effectRef idx="0">
-              <a:schemeClr val="dk1"/>
-            </a:effectRef>
-            <a:fontRef idx="minor">
-              <a:schemeClr val="tx1"/>
-            </a:fontRef>
-          </p:style>
-        </p:cxnSp>
-        <p:cxnSp>
-          <p:nvCxnSpPr>
-            <p:cNvPr id="78" name="Straight Arrow Connector 77">
-              <a:extLst>
-                <a:ext uri="{FF2B5EF4-FFF2-40B4-BE49-F238E27FC236}">
-                  <a16:creationId xmlns:a16="http://schemas.microsoft.com/office/drawing/2014/main" id="{BAAD1FCB-F17A-F9E2-AEAC-BAE06829DE8C}"/>
-                </a:ext>
-              </a:extLst>
-            </p:cNvPr>
-            <p:cNvCxnSpPr>
-              <a:cxnSpLocks/>
-            </p:cNvCxnSpPr>
-            <p:nvPr/>
-          </p:nvCxnSpPr>
-          <p:spPr>
-            <a:xfrm>
-              <a:off x="3860013" y="4303482"/>
-              <a:ext cx="735136" cy="0"/>
-            </a:xfrm>
-            <a:prstGeom prst="straightConnector1">
-              <a:avLst/>
-            </a:prstGeom>
-            <a:ln>
-              <a:tailEnd type="triangle"/>
-            </a:ln>
-          </p:spPr>
-          <p:style>
-            <a:lnRef idx="1">
-              <a:schemeClr val="dk1"/>
-            </a:lnRef>
-            <a:fillRef idx="0">
-              <a:schemeClr val="dk1"/>
-            </a:fillRef>
-            <a:effectRef idx="0">
-              <a:schemeClr val="dk1"/>
-            </a:effectRef>
-            <a:fontRef idx="minor">
-              <a:schemeClr val="tx1"/>
-            </a:fontRef>
-          </p:style>
-        </p:cxnSp>
-        <p:cxnSp>
-          <p:nvCxnSpPr>
-            <p:cNvPr id="79" name="Straight Arrow Connector 78">
-              <a:extLst>
-                <a:ext uri="{FF2B5EF4-FFF2-40B4-BE49-F238E27FC236}">
-                  <a16:creationId xmlns:a16="http://schemas.microsoft.com/office/drawing/2014/main" id="{8F30613A-9204-A41E-E315-DDE2BC04B7C0}"/>
-                </a:ext>
-              </a:extLst>
-            </p:cNvPr>
-            <p:cNvCxnSpPr>
-              <a:cxnSpLocks/>
-            </p:cNvCxnSpPr>
-            <p:nvPr/>
-          </p:nvCxnSpPr>
-          <p:spPr>
-            <a:xfrm>
-              <a:off x="3860013" y="4847200"/>
-              <a:ext cx="735136" cy="0"/>
-            </a:xfrm>
-            <a:prstGeom prst="straightConnector1">
-              <a:avLst/>
-            </a:prstGeom>
-            <a:ln>
-              <a:tailEnd type="triangle"/>
-            </a:ln>
-          </p:spPr>
-          <p:style>
-            <a:lnRef idx="1">
-              <a:schemeClr val="dk1"/>
-            </a:lnRef>
-            <a:fillRef idx="0">
-              <a:schemeClr val="dk1"/>
-            </a:fillRef>
-            <a:effectRef idx="0">
-              <a:schemeClr val="dk1"/>
-            </a:effectRef>
-            <a:fontRef idx="minor">
-              <a:schemeClr val="tx1"/>
-            </a:fontRef>
-          </p:style>
-        </p:cxnSp>
-      </p:grpSp>
+              </a:rPr>
+              <a:t>?</a:t>
+            </a:r>
+          </a:p>
+        </p:txBody>
+      </p:sp>
+      <p:cxnSp>
+        <p:nvCxnSpPr>
+          <p:cNvPr id="76" name="Straight Arrow Connector 75">
+            <a:extLst>
+              <a:ext uri="{FF2B5EF4-FFF2-40B4-BE49-F238E27FC236}">
+                <a16:creationId xmlns:a16="http://schemas.microsoft.com/office/drawing/2014/main" id="{852E291D-3612-63C5-E25B-1EF93DFE6FAB}"/>
+              </a:ext>
+            </a:extLst>
+          </p:cNvPr>
+          <p:cNvCxnSpPr>
+            <a:cxnSpLocks/>
+          </p:cNvCxnSpPr>
+          <p:nvPr/>
+        </p:nvCxnSpPr>
+        <p:spPr>
+          <a:xfrm>
+            <a:off x="3860013" y="3193404"/>
+            <a:ext cx="735136" cy="0"/>
+          </a:xfrm>
+          <a:prstGeom prst="straightConnector1">
+            <a:avLst/>
+          </a:prstGeom>
+          <a:ln>
+            <a:tailEnd type="triangle"/>
+          </a:ln>
+        </p:spPr>
+        <p:style>
+          <a:lnRef idx="1">
+            <a:schemeClr val="dk1"/>
+          </a:lnRef>
+          <a:fillRef idx="0">
+            <a:schemeClr val="dk1"/>
+          </a:fillRef>
+          <a:effectRef idx="0">
+            <a:schemeClr val="dk1"/>
+          </a:effectRef>
+          <a:fontRef idx="minor">
+            <a:schemeClr val="tx1"/>
+          </a:fontRef>
+        </p:style>
+      </p:cxnSp>
+      <p:cxnSp>
+        <p:nvCxnSpPr>
+          <p:cNvPr id="77" name="Straight Arrow Connector 76">
+            <a:extLst>
+              <a:ext uri="{FF2B5EF4-FFF2-40B4-BE49-F238E27FC236}">
+                <a16:creationId xmlns:a16="http://schemas.microsoft.com/office/drawing/2014/main" id="{6999FA52-5EEB-93AF-6707-9BC4AD901ED3}"/>
+              </a:ext>
+            </a:extLst>
+          </p:cNvPr>
+          <p:cNvCxnSpPr>
+            <a:cxnSpLocks/>
+          </p:cNvCxnSpPr>
+          <p:nvPr/>
+        </p:nvCxnSpPr>
+        <p:spPr>
+          <a:xfrm>
+            <a:off x="3860013" y="3760269"/>
+            <a:ext cx="735136" cy="0"/>
+          </a:xfrm>
+          <a:prstGeom prst="straightConnector1">
+            <a:avLst/>
+          </a:prstGeom>
+          <a:ln>
+            <a:tailEnd type="triangle"/>
+          </a:ln>
+        </p:spPr>
+        <p:style>
+          <a:lnRef idx="1">
+            <a:schemeClr val="dk1"/>
+          </a:lnRef>
+          <a:fillRef idx="0">
+            <a:schemeClr val="dk1"/>
+          </a:fillRef>
+          <a:effectRef idx="0">
+            <a:schemeClr val="dk1"/>
+          </a:effectRef>
+          <a:fontRef idx="minor">
+            <a:schemeClr val="tx1"/>
+          </a:fontRef>
+        </p:style>
+      </p:cxnSp>
+      <p:cxnSp>
+        <p:nvCxnSpPr>
+          <p:cNvPr id="78" name="Straight Arrow Connector 77">
+            <a:extLst>
+              <a:ext uri="{FF2B5EF4-FFF2-40B4-BE49-F238E27FC236}">
+                <a16:creationId xmlns:a16="http://schemas.microsoft.com/office/drawing/2014/main" id="{BAAD1FCB-F17A-F9E2-AEAC-BAE06829DE8C}"/>
+              </a:ext>
+            </a:extLst>
+          </p:cNvPr>
+          <p:cNvCxnSpPr>
+            <a:cxnSpLocks/>
+          </p:cNvCxnSpPr>
+          <p:nvPr/>
+        </p:nvCxnSpPr>
+        <p:spPr>
+          <a:xfrm>
+            <a:off x="3860013" y="4303482"/>
+            <a:ext cx="735136" cy="0"/>
+          </a:xfrm>
+          <a:prstGeom prst="straightConnector1">
+            <a:avLst/>
+          </a:prstGeom>
+          <a:ln>
+            <a:tailEnd type="triangle"/>
+          </a:ln>
+        </p:spPr>
+        <p:style>
+          <a:lnRef idx="1">
+            <a:schemeClr val="dk1"/>
+          </a:lnRef>
+          <a:fillRef idx="0">
+            <a:schemeClr val="dk1"/>
+          </a:fillRef>
+          <a:effectRef idx="0">
+            <a:schemeClr val="dk1"/>
+          </a:effectRef>
+          <a:fontRef idx="minor">
+            <a:schemeClr val="tx1"/>
+          </a:fontRef>
+        </p:style>
+      </p:cxnSp>
+      <p:cxnSp>
+        <p:nvCxnSpPr>
+          <p:cNvPr id="79" name="Straight Arrow Connector 78">
+            <a:extLst>
+              <a:ext uri="{FF2B5EF4-FFF2-40B4-BE49-F238E27FC236}">
+                <a16:creationId xmlns:a16="http://schemas.microsoft.com/office/drawing/2014/main" id="{8F30613A-9204-A41E-E315-DDE2BC04B7C0}"/>
+              </a:ext>
+            </a:extLst>
+          </p:cNvPr>
+          <p:cNvCxnSpPr>
+            <a:cxnSpLocks/>
+          </p:cNvCxnSpPr>
+          <p:nvPr/>
+        </p:nvCxnSpPr>
+        <p:spPr>
+          <a:xfrm>
+            <a:off x="3860013" y="4847200"/>
+            <a:ext cx="735136" cy="0"/>
+          </a:xfrm>
+          <a:prstGeom prst="straightConnector1">
+            <a:avLst/>
+          </a:prstGeom>
+          <a:ln>
+            <a:tailEnd type="triangle"/>
+          </a:ln>
+        </p:spPr>
+        <p:style>
+          <a:lnRef idx="1">
+            <a:schemeClr val="dk1"/>
+          </a:lnRef>
+          <a:fillRef idx="0">
+            <a:schemeClr val="dk1"/>
+          </a:fillRef>
+          <a:effectRef idx="0">
+            <a:schemeClr val="dk1"/>
+          </a:effectRef>
+          <a:fontRef idx="minor">
+            <a:schemeClr val="tx1"/>
+          </a:fontRef>
+        </p:style>
+      </p:cxnSp>
       <p:sp>
         <p:nvSpPr>
           <p:cNvPr id="81" name="Date Placeholder 80">
@@ -25928,6 +26562,579 @@
   <p:clrMapOvr>
     <a:masterClrMapping/>
   </p:clrMapOvr>
+  <p:timing>
+    <p:tnLst>
+      <p:par>
+        <p:cTn id="1" dur="indefinite" restart="never" nodeType="tmRoot">
+          <p:childTnLst>
+            <p:seq concurrent="1" nextAc="seek">
+              <p:cTn id="2" dur="indefinite" nodeType="mainSeq">
+                <p:childTnLst>
+                  <p:par>
+                    <p:cTn id="3" fill="hold">
+                      <p:stCondLst>
+                        <p:cond delay="indefinite"/>
+                      </p:stCondLst>
+                      <p:childTnLst>
+                        <p:par>
+                          <p:cTn id="4" fill="hold">
+                            <p:stCondLst>
+                              <p:cond delay="0"/>
+                            </p:stCondLst>
+                            <p:childTnLst>
+                              <p:par>
+                                <p:cTn id="5" presetID="1" presetClass="entr" presetSubtype="0" fill="hold" nodeType="clickEffect">
+                                  <p:stCondLst>
+                                    <p:cond delay="0"/>
+                                  </p:stCondLst>
+                                  <p:childTnLst>
+                                    <p:set>
+                                      <p:cBhvr>
+                                        <p:cTn id="6" dur="1" fill="hold">
+                                          <p:stCondLst>
+                                            <p:cond delay="0"/>
+                                          </p:stCondLst>
+                                        </p:cTn>
+                                        <p:tgtEl>
+                                          <p:spTgt spid="16"/>
+                                        </p:tgtEl>
+                                        <p:attrNameLst>
+                                          <p:attrName>style.visibility</p:attrName>
+                                        </p:attrNameLst>
+                                      </p:cBhvr>
+                                      <p:to>
+                                        <p:strVal val="visible"/>
+                                      </p:to>
+                                    </p:set>
+                                  </p:childTnLst>
+                                </p:cTn>
+                              </p:par>
+                              <p:par>
+                                <p:cTn id="7" presetID="1" presetClass="entr" presetSubtype="0" fill="hold" nodeType="withEffect">
+                                  <p:stCondLst>
+                                    <p:cond delay="0"/>
+                                  </p:stCondLst>
+                                  <p:childTnLst>
+                                    <p:set>
+                                      <p:cBhvr>
+                                        <p:cTn id="8" dur="1" fill="hold">
+                                          <p:stCondLst>
+                                            <p:cond delay="0"/>
+                                          </p:stCondLst>
+                                        </p:cTn>
+                                        <p:tgtEl>
+                                          <p:spTgt spid="29"/>
+                                        </p:tgtEl>
+                                        <p:attrNameLst>
+                                          <p:attrName>style.visibility</p:attrName>
+                                        </p:attrNameLst>
+                                      </p:cBhvr>
+                                      <p:to>
+                                        <p:strVal val="visible"/>
+                                      </p:to>
+                                    </p:set>
+                                  </p:childTnLst>
+                                </p:cTn>
+                              </p:par>
+                              <p:par>
+                                <p:cTn id="9" presetID="1" presetClass="entr" presetSubtype="0" fill="hold" nodeType="withEffect">
+                                  <p:stCondLst>
+                                    <p:cond delay="0"/>
+                                  </p:stCondLst>
+                                  <p:childTnLst>
+                                    <p:set>
+                                      <p:cBhvr>
+                                        <p:cTn id="10" dur="1" fill="hold">
+                                          <p:stCondLst>
+                                            <p:cond delay="0"/>
+                                          </p:stCondLst>
+                                        </p:cTn>
+                                        <p:tgtEl>
+                                          <p:spTgt spid="76"/>
+                                        </p:tgtEl>
+                                        <p:attrNameLst>
+                                          <p:attrName>style.visibility</p:attrName>
+                                        </p:attrNameLst>
+                                      </p:cBhvr>
+                                      <p:to>
+                                        <p:strVal val="visible"/>
+                                      </p:to>
+                                    </p:set>
+                                  </p:childTnLst>
+                                </p:cTn>
+                              </p:par>
+                              <p:par>
+                                <p:cTn id="11" presetID="1" presetClass="entr" presetSubtype="0" fill="hold" nodeType="withEffect">
+                                  <p:stCondLst>
+                                    <p:cond delay="0"/>
+                                  </p:stCondLst>
+                                  <p:childTnLst>
+                                    <p:set>
+                                      <p:cBhvr>
+                                        <p:cTn id="12" dur="1" fill="hold">
+                                          <p:stCondLst>
+                                            <p:cond delay="0"/>
+                                          </p:stCondLst>
+                                        </p:cTn>
+                                        <p:tgtEl>
+                                          <p:spTgt spid="77"/>
+                                        </p:tgtEl>
+                                        <p:attrNameLst>
+                                          <p:attrName>style.visibility</p:attrName>
+                                        </p:attrNameLst>
+                                      </p:cBhvr>
+                                      <p:to>
+                                        <p:strVal val="visible"/>
+                                      </p:to>
+                                    </p:set>
+                                  </p:childTnLst>
+                                </p:cTn>
+                              </p:par>
+                              <p:par>
+                                <p:cTn id="13" presetID="1" presetClass="entr" presetSubtype="0" fill="hold" nodeType="withEffect">
+                                  <p:stCondLst>
+                                    <p:cond delay="0"/>
+                                  </p:stCondLst>
+                                  <p:childTnLst>
+                                    <p:set>
+                                      <p:cBhvr>
+                                        <p:cTn id="14" dur="1" fill="hold">
+                                          <p:stCondLst>
+                                            <p:cond delay="0"/>
+                                          </p:stCondLst>
+                                        </p:cTn>
+                                        <p:tgtEl>
+                                          <p:spTgt spid="78"/>
+                                        </p:tgtEl>
+                                        <p:attrNameLst>
+                                          <p:attrName>style.visibility</p:attrName>
+                                        </p:attrNameLst>
+                                      </p:cBhvr>
+                                      <p:to>
+                                        <p:strVal val="visible"/>
+                                      </p:to>
+                                    </p:set>
+                                  </p:childTnLst>
+                                </p:cTn>
+                              </p:par>
+                              <p:par>
+                                <p:cTn id="15" presetID="1" presetClass="entr" presetSubtype="0" fill="hold" nodeType="withEffect">
+                                  <p:stCondLst>
+                                    <p:cond delay="0"/>
+                                  </p:stCondLst>
+                                  <p:childTnLst>
+                                    <p:set>
+                                      <p:cBhvr>
+                                        <p:cTn id="16" dur="1" fill="hold">
+                                          <p:stCondLst>
+                                            <p:cond delay="0"/>
+                                          </p:stCondLst>
+                                        </p:cTn>
+                                        <p:tgtEl>
+                                          <p:spTgt spid="79"/>
+                                        </p:tgtEl>
+                                        <p:attrNameLst>
+                                          <p:attrName>style.visibility</p:attrName>
+                                        </p:attrNameLst>
+                                      </p:cBhvr>
+                                      <p:to>
+                                        <p:strVal val="visible"/>
+                                      </p:to>
+                                    </p:set>
+                                  </p:childTnLst>
+                                </p:cTn>
+                              </p:par>
+                            </p:childTnLst>
+                          </p:cTn>
+                        </p:par>
+                      </p:childTnLst>
+                    </p:cTn>
+                  </p:par>
+                  <p:par>
+                    <p:cTn id="17" fill="hold">
+                      <p:stCondLst>
+                        <p:cond delay="indefinite"/>
+                      </p:stCondLst>
+                      <p:childTnLst>
+                        <p:par>
+                          <p:cTn id="18" fill="hold">
+                            <p:stCondLst>
+                              <p:cond delay="0"/>
+                            </p:stCondLst>
+                            <p:childTnLst>
+                              <p:par>
+                                <p:cTn id="19" presetID="1" presetClass="entr" presetSubtype="0" fill="hold" nodeType="clickEffect">
+                                  <p:stCondLst>
+                                    <p:cond delay="0"/>
+                                  </p:stCondLst>
+                                  <p:childTnLst>
+                                    <p:set>
+                                      <p:cBhvr>
+                                        <p:cTn id="20" dur="1" fill="hold">
+                                          <p:stCondLst>
+                                            <p:cond delay="0"/>
+                                          </p:stCondLst>
+                                        </p:cTn>
+                                        <p:tgtEl>
+                                          <p:spTgt spid="22"/>
+                                        </p:tgtEl>
+                                        <p:attrNameLst>
+                                          <p:attrName>style.visibility</p:attrName>
+                                        </p:attrNameLst>
+                                      </p:cBhvr>
+                                      <p:to>
+                                        <p:strVal val="visible"/>
+                                      </p:to>
+                                    </p:set>
+                                  </p:childTnLst>
+                                </p:cTn>
+                              </p:par>
+                              <p:par>
+                                <p:cTn id="21" presetID="1" presetClass="entr" presetSubtype="0" fill="hold" nodeType="withEffect">
+                                  <p:stCondLst>
+                                    <p:cond delay="0"/>
+                                  </p:stCondLst>
+                                  <p:childTnLst>
+                                    <p:set>
+                                      <p:cBhvr>
+                                        <p:cTn id="22" dur="1" fill="hold">
+                                          <p:stCondLst>
+                                            <p:cond delay="0"/>
+                                          </p:stCondLst>
+                                        </p:cTn>
+                                        <p:tgtEl>
+                                          <p:spTgt spid="40"/>
+                                        </p:tgtEl>
+                                        <p:attrNameLst>
+                                          <p:attrName>style.visibility</p:attrName>
+                                        </p:attrNameLst>
+                                      </p:cBhvr>
+                                      <p:to>
+                                        <p:strVal val="visible"/>
+                                      </p:to>
+                                    </p:set>
+                                  </p:childTnLst>
+                                </p:cTn>
+                              </p:par>
+                              <p:par>
+                                <p:cTn id="23" presetID="1" presetClass="entr" presetSubtype="0" fill="hold" nodeType="withEffect">
+                                  <p:stCondLst>
+                                    <p:cond delay="0"/>
+                                  </p:stCondLst>
+                                  <p:childTnLst>
+                                    <p:set>
+                                      <p:cBhvr>
+                                        <p:cTn id="24" dur="1" fill="hold">
+                                          <p:stCondLst>
+                                            <p:cond delay="0"/>
+                                          </p:stCondLst>
+                                        </p:cTn>
+                                        <p:tgtEl>
+                                          <p:spTgt spid="43"/>
+                                        </p:tgtEl>
+                                        <p:attrNameLst>
+                                          <p:attrName>style.visibility</p:attrName>
+                                        </p:attrNameLst>
+                                      </p:cBhvr>
+                                      <p:to>
+                                        <p:strVal val="visible"/>
+                                      </p:to>
+                                    </p:set>
+                                  </p:childTnLst>
+                                </p:cTn>
+                              </p:par>
+                              <p:par>
+                                <p:cTn id="25" presetID="1" presetClass="entr" presetSubtype="0" fill="hold" nodeType="withEffect">
+                                  <p:stCondLst>
+                                    <p:cond delay="0"/>
+                                  </p:stCondLst>
+                                  <p:childTnLst>
+                                    <p:set>
+                                      <p:cBhvr>
+                                        <p:cTn id="26" dur="1" fill="hold">
+                                          <p:stCondLst>
+                                            <p:cond delay="0"/>
+                                          </p:stCondLst>
+                                        </p:cTn>
+                                        <p:tgtEl>
+                                          <p:spTgt spid="46"/>
+                                        </p:tgtEl>
+                                        <p:attrNameLst>
+                                          <p:attrName>style.visibility</p:attrName>
+                                        </p:attrNameLst>
+                                      </p:cBhvr>
+                                      <p:to>
+                                        <p:strVal val="visible"/>
+                                      </p:to>
+                                    </p:set>
+                                  </p:childTnLst>
+                                </p:cTn>
+                              </p:par>
+                              <p:par>
+                                <p:cTn id="27" presetID="1" presetClass="entr" presetSubtype="0" fill="hold" nodeType="withEffect">
+                                  <p:stCondLst>
+                                    <p:cond delay="0"/>
+                                  </p:stCondLst>
+                                  <p:childTnLst>
+                                    <p:set>
+                                      <p:cBhvr>
+                                        <p:cTn id="28" dur="1" fill="hold">
+                                          <p:stCondLst>
+                                            <p:cond delay="0"/>
+                                          </p:stCondLst>
+                                        </p:cTn>
+                                        <p:tgtEl>
+                                          <p:spTgt spid="49"/>
+                                        </p:tgtEl>
+                                        <p:attrNameLst>
+                                          <p:attrName>style.visibility</p:attrName>
+                                        </p:attrNameLst>
+                                      </p:cBhvr>
+                                      <p:to>
+                                        <p:strVal val="visible"/>
+                                      </p:to>
+                                    </p:set>
+                                  </p:childTnLst>
+                                </p:cTn>
+                              </p:par>
+                              <p:par>
+                                <p:cTn id="29" presetID="1" presetClass="entr" presetSubtype="0" fill="hold" nodeType="withEffect">
+                                  <p:stCondLst>
+                                    <p:cond delay="0"/>
+                                  </p:stCondLst>
+                                  <p:childTnLst>
+                                    <p:set>
+                                      <p:cBhvr>
+                                        <p:cTn id="30" dur="1" fill="hold">
+                                          <p:stCondLst>
+                                            <p:cond delay="0"/>
+                                          </p:stCondLst>
+                                        </p:cTn>
+                                        <p:tgtEl>
+                                          <p:spTgt spid="50"/>
+                                        </p:tgtEl>
+                                        <p:attrNameLst>
+                                          <p:attrName>style.visibility</p:attrName>
+                                        </p:attrNameLst>
+                                      </p:cBhvr>
+                                      <p:to>
+                                        <p:strVal val="visible"/>
+                                      </p:to>
+                                    </p:set>
+                                  </p:childTnLst>
+                                </p:cTn>
+                              </p:par>
+                            </p:childTnLst>
+                          </p:cTn>
+                        </p:par>
+                      </p:childTnLst>
+                    </p:cTn>
+                  </p:par>
+                  <p:par>
+                    <p:cTn id="31" fill="hold">
+                      <p:stCondLst>
+                        <p:cond delay="indefinite"/>
+                      </p:stCondLst>
+                      <p:childTnLst>
+                        <p:par>
+                          <p:cTn id="32" fill="hold">
+                            <p:stCondLst>
+                              <p:cond delay="0"/>
+                            </p:stCondLst>
+                            <p:childTnLst>
+                              <p:par>
+                                <p:cTn id="33" presetID="1" presetClass="entr" presetSubtype="0" fill="hold" nodeType="clickEffect">
+                                  <p:stCondLst>
+                                    <p:cond delay="0"/>
+                                  </p:stCondLst>
+                                  <p:childTnLst>
+                                    <p:set>
+                                      <p:cBhvr>
+                                        <p:cTn id="34" dur="1" fill="hold">
+                                          <p:stCondLst>
+                                            <p:cond delay="0"/>
+                                          </p:stCondLst>
+                                        </p:cTn>
+                                        <p:tgtEl>
+                                          <p:spTgt spid="53"/>
+                                        </p:tgtEl>
+                                        <p:attrNameLst>
+                                          <p:attrName>style.visibility</p:attrName>
+                                        </p:attrNameLst>
+                                      </p:cBhvr>
+                                      <p:to>
+                                        <p:strVal val="visible"/>
+                                      </p:to>
+                                    </p:set>
+                                  </p:childTnLst>
+                                </p:cTn>
+                              </p:par>
+                              <p:par>
+                                <p:cTn id="35" presetID="1" presetClass="entr" presetSubtype="0" fill="hold" nodeType="withEffect">
+                                  <p:stCondLst>
+                                    <p:cond delay="0"/>
+                                  </p:stCondLst>
+                                  <p:childTnLst>
+                                    <p:set>
+                                      <p:cBhvr>
+                                        <p:cTn id="36" dur="1" fill="hold">
+                                          <p:stCondLst>
+                                            <p:cond delay="0"/>
+                                          </p:stCondLst>
+                                        </p:cTn>
+                                        <p:tgtEl>
+                                          <p:spTgt spid="57"/>
+                                        </p:tgtEl>
+                                        <p:attrNameLst>
+                                          <p:attrName>style.visibility</p:attrName>
+                                        </p:attrNameLst>
+                                      </p:cBhvr>
+                                      <p:to>
+                                        <p:strVal val="visible"/>
+                                      </p:to>
+                                    </p:set>
+                                  </p:childTnLst>
+                                </p:cTn>
+                              </p:par>
+                              <p:par>
+                                <p:cTn id="37" presetID="1" presetClass="entr" presetSubtype="0" fill="hold" nodeType="withEffect">
+                                  <p:stCondLst>
+                                    <p:cond delay="0"/>
+                                  </p:stCondLst>
+                                  <p:childTnLst>
+                                    <p:set>
+                                      <p:cBhvr>
+                                        <p:cTn id="38" dur="1" fill="hold">
+                                          <p:stCondLst>
+                                            <p:cond delay="0"/>
+                                          </p:stCondLst>
+                                        </p:cTn>
+                                        <p:tgtEl>
+                                          <p:spTgt spid="61"/>
+                                        </p:tgtEl>
+                                        <p:attrNameLst>
+                                          <p:attrName>style.visibility</p:attrName>
+                                        </p:attrNameLst>
+                                      </p:cBhvr>
+                                      <p:to>
+                                        <p:strVal val="visible"/>
+                                      </p:to>
+                                    </p:set>
+                                  </p:childTnLst>
+                                </p:cTn>
+                              </p:par>
+                              <p:par>
+                                <p:cTn id="39" presetID="1" presetClass="entr" presetSubtype="0" fill="hold" nodeType="withEffect">
+                                  <p:stCondLst>
+                                    <p:cond delay="0"/>
+                                  </p:stCondLst>
+                                  <p:childTnLst>
+                                    <p:set>
+                                      <p:cBhvr>
+                                        <p:cTn id="40" dur="1" fill="hold">
+                                          <p:stCondLst>
+                                            <p:cond delay="0"/>
+                                          </p:stCondLst>
+                                        </p:cTn>
+                                        <p:tgtEl>
+                                          <p:spTgt spid="64"/>
+                                        </p:tgtEl>
+                                        <p:attrNameLst>
+                                          <p:attrName>style.visibility</p:attrName>
+                                        </p:attrNameLst>
+                                      </p:cBhvr>
+                                      <p:to>
+                                        <p:strVal val="visible"/>
+                                      </p:to>
+                                    </p:set>
+                                  </p:childTnLst>
+                                </p:cTn>
+                              </p:par>
+                              <p:par>
+                                <p:cTn id="41" presetID="1" presetClass="entr" presetSubtype="0" fill="hold" nodeType="withEffect">
+                                  <p:stCondLst>
+                                    <p:cond delay="0"/>
+                                  </p:stCondLst>
+                                  <p:childTnLst>
+                                    <p:set>
+                                      <p:cBhvr>
+                                        <p:cTn id="42" dur="1" fill="hold">
+                                          <p:stCondLst>
+                                            <p:cond delay="0"/>
+                                          </p:stCondLst>
+                                        </p:cTn>
+                                        <p:tgtEl>
+                                          <p:spTgt spid="68"/>
+                                        </p:tgtEl>
+                                        <p:attrNameLst>
+                                          <p:attrName>style.visibility</p:attrName>
+                                        </p:attrNameLst>
+                                      </p:cBhvr>
+                                      <p:to>
+                                        <p:strVal val="visible"/>
+                                      </p:to>
+                                    </p:set>
+                                  </p:childTnLst>
+                                </p:cTn>
+                              </p:par>
+                              <p:par>
+                                <p:cTn id="43" presetID="1" presetClass="entr" presetSubtype="0" fill="hold" grpId="0" nodeType="withEffect">
+                                  <p:stCondLst>
+                                    <p:cond delay="0"/>
+                                  </p:stCondLst>
+                                  <p:childTnLst>
+                                    <p:set>
+                                      <p:cBhvr>
+                                        <p:cTn id="44" dur="1" fill="hold">
+                                          <p:stCondLst>
+                                            <p:cond delay="0"/>
+                                          </p:stCondLst>
+                                        </p:cTn>
+                                        <p:tgtEl>
+                                          <p:spTgt spid="72"/>
+                                        </p:tgtEl>
+                                        <p:attrNameLst>
+                                          <p:attrName>style.visibility</p:attrName>
+                                        </p:attrNameLst>
+                                      </p:cBhvr>
+                                      <p:to>
+                                        <p:strVal val="visible"/>
+                                      </p:to>
+                                    </p:set>
+                                  </p:childTnLst>
+                                </p:cTn>
+                              </p:par>
+                            </p:childTnLst>
+                          </p:cTn>
+                        </p:par>
+                      </p:childTnLst>
+                    </p:cTn>
+                  </p:par>
+                </p:childTnLst>
+              </p:cTn>
+              <p:prevCondLst>
+                <p:cond evt="onPrev" delay="0">
+                  <p:tgtEl>
+                    <p:sldTgt/>
+                  </p:tgtEl>
+                </p:cond>
+              </p:prevCondLst>
+              <p:nextCondLst>
+                <p:cond evt="onNext" delay="0">
+                  <p:tgtEl>
+                    <p:sldTgt/>
+                  </p:tgtEl>
+                </p:cond>
+              </p:nextCondLst>
+            </p:seq>
+          </p:childTnLst>
+        </p:cTn>
+      </p:par>
+    </p:tnLst>
+    <p:bldLst>
+      <p:bldP spid="72" grpId="0"/>
+    </p:bldLst>
+  </p:timing>
 </p:sld>
 </file>
 
@@ -26902,6 +28109,184 @@
   <p:clrMapOvr>
     <a:masterClrMapping/>
   </p:clrMapOvr>
+  <p:timing>
+    <p:tnLst>
+      <p:par>
+        <p:cTn id="1" dur="indefinite" restart="never" nodeType="tmRoot">
+          <p:childTnLst>
+            <p:seq concurrent="1" nextAc="seek">
+              <p:cTn id="2" dur="indefinite" nodeType="mainSeq">
+                <p:childTnLst>
+                  <p:par>
+                    <p:cTn id="3" fill="hold">
+                      <p:stCondLst>
+                        <p:cond delay="indefinite"/>
+                      </p:stCondLst>
+                      <p:childTnLst>
+                        <p:par>
+                          <p:cTn id="4" fill="hold">
+                            <p:stCondLst>
+                              <p:cond delay="0"/>
+                            </p:stCondLst>
+                            <p:childTnLst>
+                              <p:par>
+                                <p:cTn id="5" presetID="1" presetClass="entr" presetSubtype="0" fill="hold" grpId="0" nodeType="clickEffect">
+                                  <p:stCondLst>
+                                    <p:cond delay="0"/>
+                                  </p:stCondLst>
+                                  <p:childTnLst>
+                                    <p:set>
+                                      <p:cBhvr>
+                                        <p:cTn id="6" dur="1" fill="hold">
+                                          <p:stCondLst>
+                                            <p:cond delay="0"/>
+                                          </p:stCondLst>
+                                        </p:cTn>
+                                        <p:tgtEl>
+                                          <p:spTgt spid="19"/>
+                                        </p:tgtEl>
+                                        <p:attrNameLst>
+                                          <p:attrName>style.visibility</p:attrName>
+                                        </p:attrNameLst>
+                                      </p:cBhvr>
+                                      <p:to>
+                                        <p:strVal val="visible"/>
+                                      </p:to>
+                                    </p:set>
+                                  </p:childTnLst>
+                                </p:cTn>
+                              </p:par>
+                              <p:par>
+                                <p:cTn id="7" presetID="1" presetClass="entr" presetSubtype="0" fill="hold" nodeType="withEffect">
+                                  <p:stCondLst>
+                                    <p:cond delay="0"/>
+                                  </p:stCondLst>
+                                  <p:childTnLst>
+                                    <p:set>
+                                      <p:cBhvr>
+                                        <p:cTn id="8" dur="1" fill="hold">
+                                          <p:stCondLst>
+                                            <p:cond delay="0"/>
+                                          </p:stCondLst>
+                                        </p:cTn>
+                                        <p:tgtEl>
+                                          <p:spTgt spid="38"/>
+                                        </p:tgtEl>
+                                        <p:attrNameLst>
+                                          <p:attrName>style.visibility</p:attrName>
+                                        </p:attrNameLst>
+                                      </p:cBhvr>
+                                      <p:to>
+                                        <p:strVal val="visible"/>
+                                      </p:to>
+                                    </p:set>
+                                  </p:childTnLst>
+                                </p:cTn>
+                              </p:par>
+                            </p:childTnLst>
+                          </p:cTn>
+                        </p:par>
+                      </p:childTnLst>
+                    </p:cTn>
+                  </p:par>
+                  <p:par>
+                    <p:cTn id="9" fill="hold">
+                      <p:stCondLst>
+                        <p:cond delay="indefinite"/>
+                      </p:stCondLst>
+                      <p:childTnLst>
+                        <p:par>
+                          <p:cTn id="10" fill="hold">
+                            <p:stCondLst>
+                              <p:cond delay="0"/>
+                            </p:stCondLst>
+                            <p:childTnLst>
+                              <p:par>
+                                <p:cTn id="11" presetID="1" presetClass="entr" presetSubtype="0" fill="hold" grpId="0" nodeType="clickEffect">
+                                  <p:stCondLst>
+                                    <p:cond delay="0"/>
+                                  </p:stCondLst>
+                                  <p:childTnLst>
+                                    <p:set>
+                                      <p:cBhvr>
+                                        <p:cTn id="12" dur="1" fill="hold">
+                                          <p:stCondLst>
+                                            <p:cond delay="0"/>
+                                          </p:stCondLst>
+                                        </p:cTn>
+                                        <p:tgtEl>
+                                          <p:spTgt spid="25"/>
+                                        </p:tgtEl>
+                                        <p:attrNameLst>
+                                          <p:attrName>style.visibility</p:attrName>
+                                        </p:attrNameLst>
+                                      </p:cBhvr>
+                                      <p:to>
+                                        <p:strVal val="visible"/>
+                                      </p:to>
+                                    </p:set>
+                                  </p:childTnLst>
+                                </p:cTn>
+                              </p:par>
+                              <p:par>
+                                <p:cTn id="13" presetID="1" presetClass="entr" presetSubtype="0" fill="hold" nodeType="withEffect">
+                                  <p:stCondLst>
+                                    <p:cond delay="0"/>
+                                  </p:stCondLst>
+                                  <p:childTnLst>
+                                    <p:set>
+                                      <p:cBhvr>
+                                        <p:cTn id="14" dur="1" fill="hold">
+                                          <p:stCondLst>
+                                            <p:cond delay="0"/>
+                                          </p:stCondLst>
+                                        </p:cTn>
+                                        <p:tgtEl>
+                                          <p:spTgt spid="46"/>
+                                        </p:tgtEl>
+                                        <p:attrNameLst>
+                                          <p:attrName>style.visibility</p:attrName>
+                                        </p:attrNameLst>
+                                      </p:cBhvr>
+                                      <p:to>
+                                        <p:strVal val="visible"/>
+                                      </p:to>
+                                    </p:set>
+                                  </p:childTnLst>
+                                </p:cTn>
+                              </p:par>
+                            </p:childTnLst>
+                          </p:cTn>
+                        </p:par>
+                      </p:childTnLst>
+                    </p:cTn>
+                  </p:par>
+                </p:childTnLst>
+              </p:cTn>
+              <p:prevCondLst>
+                <p:cond evt="onPrev" delay="0">
+                  <p:tgtEl>
+                    <p:sldTgt/>
+                  </p:tgtEl>
+                </p:cond>
+              </p:prevCondLst>
+              <p:nextCondLst>
+                <p:cond evt="onNext" delay="0">
+                  <p:tgtEl>
+                    <p:sldTgt/>
+                  </p:tgtEl>
+                </p:cond>
+              </p:nextCondLst>
+            </p:seq>
+          </p:childTnLst>
+        </p:cTn>
+      </p:par>
+    </p:tnLst>
+    <p:bldLst>
+      <p:bldP spid="19" grpId="0" animBg="1"/>
+      <p:bldP spid="25" grpId="0"/>
+    </p:bldLst>
+  </p:timing>
 </p:sld>
 </file>
 
@@ -27245,6 +28630,139 @@
   <p:clrMapOvr>
     <a:masterClrMapping/>
   </p:clrMapOvr>
+  <p:timing>
+    <p:tnLst>
+      <p:par>
+        <p:cTn id="1" dur="indefinite" restart="never" nodeType="tmRoot">
+          <p:childTnLst>
+            <p:seq concurrent="1" nextAc="seek">
+              <p:cTn id="2" dur="indefinite" nodeType="mainSeq">
+                <p:childTnLst>
+                  <p:par>
+                    <p:cTn id="3" fill="hold">
+                      <p:stCondLst>
+                        <p:cond delay="indefinite"/>
+                      </p:stCondLst>
+                      <p:childTnLst>
+                        <p:par>
+                          <p:cTn id="4" fill="hold">
+                            <p:stCondLst>
+                              <p:cond delay="0"/>
+                            </p:stCondLst>
+                            <p:childTnLst>
+                              <p:par>
+                                <p:cTn id="5" presetID="1" presetClass="entr" presetSubtype="0" fill="hold" grpId="0" nodeType="clickEffect">
+                                  <p:stCondLst>
+                                    <p:cond delay="0"/>
+                                  </p:stCondLst>
+                                  <p:childTnLst>
+                                    <p:set>
+                                      <p:cBhvr>
+                                        <p:cTn id="6" dur="1" fill="hold">
+                                          <p:stCondLst>
+                                            <p:cond delay="0"/>
+                                          </p:stCondLst>
+                                        </p:cTn>
+                                        <p:tgtEl>
+                                          <p:spTgt spid="9"/>
+                                        </p:tgtEl>
+                                        <p:attrNameLst>
+                                          <p:attrName>style.visibility</p:attrName>
+                                        </p:attrNameLst>
+                                      </p:cBhvr>
+                                      <p:to>
+                                        <p:strVal val="visible"/>
+                                      </p:to>
+                                    </p:set>
+                                  </p:childTnLst>
+                                </p:cTn>
+                              </p:par>
+                              <p:par>
+                                <p:cTn id="7" presetID="1" presetClass="entr" presetSubtype="0" fill="hold" nodeType="withEffect">
+                                  <p:stCondLst>
+                                    <p:cond delay="0"/>
+                                  </p:stCondLst>
+                                  <p:childTnLst>
+                                    <p:set>
+                                      <p:cBhvr>
+                                        <p:cTn id="8" dur="1" fill="hold">
+                                          <p:stCondLst>
+                                            <p:cond delay="0"/>
+                                          </p:stCondLst>
+                                        </p:cTn>
+                                        <p:tgtEl>
+                                          <p:spTgt spid="11"/>
+                                        </p:tgtEl>
+                                        <p:attrNameLst>
+                                          <p:attrName>style.visibility</p:attrName>
+                                        </p:attrNameLst>
+                                      </p:cBhvr>
+                                      <p:to>
+                                        <p:strVal val="visible"/>
+                                      </p:to>
+                                    </p:set>
+                                  </p:childTnLst>
+                                </p:cTn>
+                              </p:par>
+                              <p:par>
+                                <p:cTn id="9" presetID="1" presetClass="entr" presetSubtype="0" fill="hold" grpId="0" nodeType="withEffect">
+                                  <p:stCondLst>
+                                    <p:cond delay="0"/>
+                                  </p:stCondLst>
+                                  <p:childTnLst>
+                                    <p:set>
+                                      <p:cBhvr>
+                                        <p:cTn id="10" dur="1" fill="hold">
+                                          <p:stCondLst>
+                                            <p:cond delay="0"/>
+                                          </p:stCondLst>
+                                        </p:cTn>
+                                        <p:tgtEl>
+                                          <p:spTgt spid="12"/>
+                                        </p:tgtEl>
+                                        <p:attrNameLst>
+                                          <p:attrName>style.visibility</p:attrName>
+                                        </p:attrNameLst>
+                                      </p:cBhvr>
+                                      <p:to>
+                                        <p:strVal val="visible"/>
+                                      </p:to>
+                                    </p:set>
+                                  </p:childTnLst>
+                                </p:cTn>
+                              </p:par>
+                            </p:childTnLst>
+                          </p:cTn>
+                        </p:par>
+                      </p:childTnLst>
+                    </p:cTn>
+                  </p:par>
+                </p:childTnLst>
+              </p:cTn>
+              <p:prevCondLst>
+                <p:cond evt="onPrev" delay="0">
+                  <p:tgtEl>
+                    <p:sldTgt/>
+                  </p:tgtEl>
+                </p:cond>
+              </p:prevCondLst>
+              <p:nextCondLst>
+                <p:cond evt="onNext" delay="0">
+                  <p:tgtEl>
+                    <p:sldTgt/>
+                  </p:tgtEl>
+                </p:cond>
+              </p:nextCondLst>
+            </p:seq>
+          </p:childTnLst>
+        </p:cTn>
+      </p:par>
+    </p:tnLst>
+    <p:bldLst>
+      <p:bldP spid="9" grpId="0" animBg="1"/>
+      <p:bldP spid="12" grpId="0"/>
+    </p:bldLst>
+  </p:timing>
 </p:sld>
 </file>
 
@@ -27527,6 +29045,171 @@
   <p:clrMapOvr>
     <a:masterClrMapping/>
   </p:clrMapOvr>
+  <p:timing>
+    <p:tnLst>
+      <p:par>
+        <p:cTn id="1" dur="indefinite" restart="never" nodeType="tmRoot">
+          <p:childTnLst>
+            <p:seq concurrent="1" nextAc="seek">
+              <p:cTn id="2" dur="indefinite" nodeType="mainSeq">
+                <p:childTnLst>
+                  <p:par>
+                    <p:cTn id="3" fill="hold">
+                      <p:stCondLst>
+                        <p:cond delay="indefinite"/>
+                      </p:stCondLst>
+                      <p:childTnLst>
+                        <p:par>
+                          <p:cTn id="4" fill="hold">
+                            <p:stCondLst>
+                              <p:cond delay="0"/>
+                            </p:stCondLst>
+                            <p:childTnLst>
+                              <p:par>
+                                <p:cTn id="5" presetID="1" presetClass="entr" presetSubtype="0" fill="hold" nodeType="clickEffect">
+                                  <p:stCondLst>
+                                    <p:cond delay="0"/>
+                                  </p:stCondLst>
+                                  <p:childTnLst>
+                                    <p:set>
+                                      <p:cBhvr>
+                                        <p:cTn id="6" dur="1" fill="hold">
+                                          <p:stCondLst>
+                                            <p:cond delay="0"/>
+                                          </p:stCondLst>
+                                        </p:cTn>
+                                        <p:tgtEl>
+                                          <p:spTgt spid="8"/>
+                                        </p:tgtEl>
+                                        <p:attrNameLst>
+                                          <p:attrName>style.visibility</p:attrName>
+                                        </p:attrNameLst>
+                                      </p:cBhvr>
+                                      <p:to>
+                                        <p:strVal val="visible"/>
+                                      </p:to>
+                                    </p:set>
+                                  </p:childTnLst>
+                                </p:cTn>
+                              </p:par>
+                            </p:childTnLst>
+                          </p:cTn>
+                        </p:par>
+                      </p:childTnLst>
+                    </p:cTn>
+                  </p:par>
+                  <p:par>
+                    <p:cTn id="7" fill="hold">
+                      <p:stCondLst>
+                        <p:cond delay="indefinite"/>
+                      </p:stCondLst>
+                      <p:childTnLst>
+                        <p:par>
+                          <p:cTn id="8" fill="hold">
+                            <p:stCondLst>
+                              <p:cond delay="0"/>
+                            </p:stCondLst>
+                            <p:childTnLst>
+                              <p:par>
+                                <p:cTn id="9" presetID="1" presetClass="entr" presetSubtype="0" fill="hold" nodeType="clickEffect">
+                                  <p:stCondLst>
+                                    <p:cond delay="0"/>
+                                  </p:stCondLst>
+                                  <p:childTnLst>
+                                    <p:set>
+                                      <p:cBhvr>
+                                        <p:cTn id="10" dur="1" fill="hold">
+                                          <p:stCondLst>
+                                            <p:cond delay="0"/>
+                                          </p:stCondLst>
+                                        </p:cTn>
+                                        <p:tgtEl>
+                                          <p:spTgt spid="10"/>
+                                        </p:tgtEl>
+                                        <p:attrNameLst>
+                                          <p:attrName>style.visibility</p:attrName>
+                                        </p:attrNameLst>
+                                      </p:cBhvr>
+                                      <p:to>
+                                        <p:strVal val="visible"/>
+                                      </p:to>
+                                    </p:set>
+                                  </p:childTnLst>
+                                </p:cTn>
+                              </p:par>
+                            </p:childTnLst>
+                          </p:cTn>
+                        </p:par>
+                      </p:childTnLst>
+                    </p:cTn>
+                  </p:par>
+                  <p:par>
+                    <p:cTn id="11" fill="hold">
+                      <p:stCondLst>
+                        <p:cond delay="indefinite"/>
+                      </p:stCondLst>
+                      <p:childTnLst>
+                        <p:par>
+                          <p:cTn id="12" fill="hold">
+                            <p:stCondLst>
+                              <p:cond delay="0"/>
+                            </p:stCondLst>
+                            <p:childTnLst>
+                              <p:par>
+                                <p:cTn id="13" presetID="1" presetClass="entr" presetSubtype="0" fill="hold" nodeType="clickEffect">
+                                  <p:stCondLst>
+                                    <p:cond delay="0"/>
+                                  </p:stCondLst>
+                                  <p:childTnLst>
+                                    <p:set>
+                                      <p:cBhvr>
+                                        <p:cTn id="14" dur="1" fill="hold">
+                                          <p:stCondLst>
+                                            <p:cond delay="0"/>
+                                          </p:stCondLst>
+                                        </p:cTn>
+                                        <p:tgtEl>
+                                          <p:spTgt spid="5"/>
+                                        </p:tgtEl>
+                                        <p:attrNameLst>
+                                          <p:attrName>style.visibility</p:attrName>
+                                        </p:attrNameLst>
+                                      </p:cBhvr>
+                                      <p:to>
+                                        <p:strVal val="visible"/>
+                                      </p:to>
+                                    </p:set>
+                                  </p:childTnLst>
+                                </p:cTn>
+                              </p:par>
+                            </p:childTnLst>
+                          </p:cTn>
+                        </p:par>
+                      </p:childTnLst>
+                    </p:cTn>
+                  </p:par>
+                </p:childTnLst>
+              </p:cTn>
+              <p:prevCondLst>
+                <p:cond evt="onPrev" delay="0">
+                  <p:tgtEl>
+                    <p:sldTgt/>
+                  </p:tgtEl>
+                </p:cond>
+              </p:prevCondLst>
+              <p:nextCondLst>
+                <p:cond evt="onNext" delay="0">
+                  <p:tgtEl>
+                    <p:sldTgt/>
+                  </p:tgtEl>
+                </p:cond>
+              </p:nextCondLst>
+            </p:seq>
+          </p:childTnLst>
+        </p:cTn>
+      </p:par>
+    </p:tnLst>
+  </p:timing>
 </p:sld>
 </file>
 

--- a/presentation.pptx
+++ b/presentation.pptx
@@ -5,7 +5,7 @@
     <p:sldMasterId id="2147483648" r:id="rId1"/>
   </p:sldMasterIdLst>
   <p:notesMasterIdLst>
-    <p:notesMasterId r:id="rId32"/>
+    <p:notesMasterId r:id="rId31"/>
   </p:notesMasterIdLst>
   <p:sldIdLst>
     <p:sldId id="256" r:id="rId2"/>
@@ -37,7 +37,6 @@
     <p:sldId id="284" r:id="rId28"/>
     <p:sldId id="282" r:id="rId29"/>
     <p:sldId id="283" r:id="rId30"/>
-    <p:sldId id="285" r:id="rId31"/>
   </p:sldIdLst>
   <p:sldSz cx="12192000" cy="6858000"/>
   <p:notesSz cx="6858000" cy="9144000"/>
@@ -226,7 +225,7 @@
           <a:p>
             <a:fld id="{CBF5C662-2863-7149-ABCA-B2BE13B6142F}" type="datetimeFigureOut">
               <a:rPr lang="en-US" smtClean="0"/>
-              <a:t>3/3/25</a:t>
+              <a:t>3/8/25</a:t>
             </a:fld>
             <a:endParaRPr lang="en-US"/>
           </a:p>
@@ -943,7 +942,7 @@
           <a:p>
             <a:fld id="{157D20D9-AF0B-5C41-8F77-057BA70C6078}" type="datetime1">
               <a:rPr lang="de-DE" smtClean="0"/>
-              <a:t>03.03.25</a:t>
+              <a:t>08.03.25</a:t>
             </a:fld>
             <a:endParaRPr lang="en-US"/>
           </a:p>
@@ -1143,7 +1142,7 @@
           <a:p>
             <a:fld id="{8FAD6751-24BC-324E-AA1D-B49C00E27E92}" type="datetime1">
               <a:rPr lang="de-DE" smtClean="0"/>
-              <a:t>03.03.25</a:t>
+              <a:t>08.03.25</a:t>
             </a:fld>
             <a:endParaRPr lang="en-US"/>
           </a:p>
@@ -1353,7 +1352,7 @@
           <a:p>
             <a:fld id="{CC2FF483-A0C4-F549-8954-6173CAB5179B}" type="datetime1">
               <a:rPr lang="de-DE" smtClean="0"/>
-              <a:t>03.03.25</a:t>
+              <a:t>08.03.25</a:t>
             </a:fld>
             <a:endParaRPr lang="en-US"/>
           </a:p>
@@ -1553,7 +1552,7 @@
           <a:p>
             <a:fld id="{80CF03B7-88CB-234C-9BEB-EF68218ADE02}" type="datetime1">
               <a:rPr lang="de-DE" smtClean="0"/>
-              <a:t>03.03.25</a:t>
+              <a:t>08.03.25</a:t>
             </a:fld>
             <a:endParaRPr lang="en-US"/>
           </a:p>
@@ -1829,7 +1828,7 @@
           <a:p>
             <a:fld id="{D4E10A60-7274-D949-916A-67ED1FB1DA3A}" type="datetime1">
               <a:rPr lang="de-DE" smtClean="0"/>
-              <a:t>03.03.25</a:t>
+              <a:t>08.03.25</a:t>
             </a:fld>
             <a:endParaRPr lang="en-US"/>
           </a:p>
@@ -2097,7 +2096,7 @@
           <a:p>
             <a:fld id="{CD73BD11-2867-2B43-AB6C-D949C19D7A1F}" type="datetime1">
               <a:rPr lang="de-DE" smtClean="0"/>
-              <a:t>03.03.25</a:t>
+              <a:t>08.03.25</a:t>
             </a:fld>
             <a:endParaRPr lang="en-US"/>
           </a:p>
@@ -2512,7 +2511,7 @@
           <a:p>
             <a:fld id="{432E4588-9480-C141-8D27-2C26CE2F2111}" type="datetime1">
               <a:rPr lang="de-DE" smtClean="0"/>
-              <a:t>03.03.25</a:t>
+              <a:t>08.03.25</a:t>
             </a:fld>
             <a:endParaRPr lang="en-US"/>
           </a:p>
@@ -2654,7 +2653,7 @@
           <a:p>
             <a:fld id="{B11FF33C-61C5-904B-A4B2-19A53024067D}" type="datetime1">
               <a:rPr lang="de-DE" smtClean="0"/>
-              <a:t>03.03.25</a:t>
+              <a:t>08.03.25</a:t>
             </a:fld>
             <a:endParaRPr lang="en-US"/>
           </a:p>
@@ -2767,7 +2766,7 @@
           <a:p>
             <a:fld id="{DF43E339-03A7-3744-B06A-12B278E368DC}" type="datetime1">
               <a:rPr lang="de-DE" smtClean="0"/>
-              <a:t>03.03.25</a:t>
+              <a:t>08.03.25</a:t>
             </a:fld>
             <a:endParaRPr lang="en-US"/>
           </a:p>
@@ -3080,7 +3079,7 @@
           <a:p>
             <a:fld id="{13BC1DA0-6012-244F-8E1E-303C0F5848CB}" type="datetime1">
               <a:rPr lang="de-DE" smtClean="0"/>
-              <a:t>03.03.25</a:t>
+              <a:t>08.03.25</a:t>
             </a:fld>
             <a:endParaRPr lang="en-US"/>
           </a:p>
@@ -3369,7 +3368,7 @@
           <a:p>
             <a:fld id="{0977AB37-F0AE-524F-832B-1EE930F79C35}" type="datetime1">
               <a:rPr lang="de-DE" smtClean="0"/>
-              <a:t>03.03.25</a:t>
+              <a:t>08.03.25</a:t>
             </a:fld>
             <a:endParaRPr lang="en-US"/>
           </a:p>
@@ -3612,7 +3611,7 @@
           <a:p>
             <a:fld id="{D8D0F54C-AF83-4D4B-AD30-5C009527964C}" type="datetime1">
               <a:rPr lang="de-DE" smtClean="0"/>
-              <a:t>03.03.25</a:t>
+              <a:t>08.03.25</a:t>
             </a:fld>
             <a:endParaRPr lang="en-US"/>
           </a:p>
@@ -4081,7 +4080,22 @@
           <a:bodyPr/>
           <a:lstStyle/>
           <a:p>
-            <a:endParaRPr lang="en-GB" noProof="1"/>
+            <a:r>
+              <a:rPr lang="en-GB" noProof="1"/>
+              <a:t>EMBL-EBI Course</a:t>
+            </a:r>
+          </a:p>
+          <a:p>
+            <a:r>
+              <a:rPr lang="en-GB" noProof="1"/>
+              <a:t>Introduction to Multi-Omics Data Integration and Visualisation</a:t>
+            </a:r>
+          </a:p>
+          <a:p>
+            <a:r>
+              <a:rPr lang="en-GB" noProof="1"/>
+              <a:t>Group Project</a:t>
+            </a:r>
           </a:p>
         </p:txBody>
       </p:sp>
@@ -4166,7 +4180,7 @@
           <a:p>
             <a:fld id="{37EE7759-0378-9945-B087-9DFA01C48CF4}" type="datetime1">
               <a:rPr lang="en-GB" noProof="1" smtClean="0"/>
-              <a:t>03/03/2025</a:t>
+              <a:t>08/03/2025</a:t>
             </a:fld>
             <a:endParaRPr lang="en-GB" noProof="1"/>
           </a:p>
@@ -5077,7 +5091,7 @@
           <a:p>
             <a:fld id="{8B25376C-0A92-6642-81FE-3BA6462A5B99}" type="datetime1">
               <a:rPr lang="en-GB" noProof="1" smtClean="0"/>
-              <a:t>03/03/2025</a:t>
+              <a:t>08/03/2025</a:t>
             </a:fld>
             <a:endParaRPr lang="en-GB" noProof="1"/>
           </a:p>
@@ -5927,7 +5941,7 @@
           <a:p>
             <a:fld id="{C7424B4B-6A38-C04F-ACE8-BEFD964B45FF}" type="datetime1">
               <a:rPr lang="en-GB" noProof="1" smtClean="0"/>
-              <a:t>03/03/2025</a:t>
+              <a:t>08/03/2025</a:t>
             </a:fld>
             <a:endParaRPr lang="en-GB" noProof="1"/>
           </a:p>
@@ -6198,7 +6212,7 @@
           <a:p>
             <a:fld id="{80CF03B7-88CB-234C-9BEB-EF68218ADE02}" type="datetime1">
               <a:rPr lang="en-GB" noProof="1" smtClean="0"/>
-              <a:t>03/03/2025</a:t>
+              <a:t>08/03/2025</a:t>
             </a:fld>
             <a:endParaRPr lang="en-GB" noProof="1"/>
           </a:p>
@@ -6624,7 +6638,7 @@
           <a:p>
             <a:fld id="{43C20C05-7246-E34C-B32A-4E733F6E8AD3}" type="datetime1">
               <a:rPr lang="en-GB" noProof="1" smtClean="0"/>
-              <a:t>03/03/2025</a:t>
+              <a:t>08/03/2025</a:t>
             </a:fld>
             <a:endParaRPr lang="en-GB" noProof="1"/>
           </a:p>
@@ -6868,7 +6882,7 @@
           <a:p>
             <a:fld id="{1DA4F716-1CA7-0048-9CC4-1DFDC631832C}" type="datetime1">
               <a:rPr lang="en-GB" noProof="1" smtClean="0"/>
-              <a:t>03/03/2025</a:t>
+              <a:t>08/03/2025</a:t>
             </a:fld>
             <a:endParaRPr lang="en-GB" noProof="1"/>
           </a:p>
@@ -8081,7 +8095,7 @@
           <a:p>
             <a:fld id="{1FFEEF62-8B8C-6C4F-B015-9468474F1B68}" type="datetime1">
               <a:rPr lang="en-GB" noProof="1" smtClean="0"/>
-              <a:t>03/03/2025</a:t>
+              <a:t>08/03/2025</a:t>
             </a:fld>
             <a:endParaRPr lang="en-GB" noProof="1"/>
           </a:p>
@@ -8299,7 +8313,7 @@
           <a:p>
             <a:fld id="{C7C47853-C6BA-9F4D-88AE-F144534F64A4}" type="datetime1">
               <a:rPr lang="en-GB" noProof="1" smtClean="0"/>
-              <a:t>03/03/2025</a:t>
+              <a:t>08/03/2025</a:t>
             </a:fld>
             <a:endParaRPr lang="en-GB" noProof="1"/>
           </a:p>
@@ -8649,7 +8663,7 @@
           <a:p>
             <a:fld id="{C7C47853-C6BA-9F4D-88AE-F144534F64A4}" type="datetime1">
               <a:rPr lang="en-GB" noProof="1" smtClean="0"/>
-              <a:t>03/03/2025</a:t>
+              <a:t>08/03/2025</a:t>
             </a:fld>
             <a:endParaRPr lang="en-GB" noProof="1"/>
           </a:p>
@@ -9770,7 +9784,7 @@
           <a:p>
             <a:fld id="{C7C47853-C6BA-9F4D-88AE-F144534F64A4}" type="datetime1">
               <a:rPr lang="en-GB" noProof="1" smtClean="0"/>
-              <a:t>03/03/2025</a:t>
+              <a:t>08/03/2025</a:t>
             </a:fld>
             <a:endParaRPr lang="en-GB" noProof="1"/>
           </a:p>
@@ -10790,7 +10804,7 @@
           <a:p>
             <a:fld id="{EF5388C8-6145-1D43-A4F9-77635DD7FBD7}" type="datetime1">
               <a:rPr lang="en-GB" noProof="1" smtClean="0"/>
-              <a:t>03/03/2025</a:t>
+              <a:t>08/03/2025</a:t>
             </a:fld>
             <a:endParaRPr lang="en-GB" noProof="1"/>
           </a:p>
@@ -10912,7 +10926,7 @@
           <a:p>
             <a:fld id="{945FB080-5B11-9C42-8C2B-BE8BE4F681D4}" type="datetime1">
               <a:rPr lang="en-GB" noProof="1" smtClean="0"/>
-              <a:t>03/03/2025</a:t>
+              <a:t>08/03/2025</a:t>
             </a:fld>
             <a:endParaRPr lang="en-GB" noProof="1"/>
           </a:p>
@@ -14756,7 +14770,7 @@
           <a:p>
             <a:fld id="{945FB080-5B11-9C42-8C2B-BE8BE4F681D4}" type="datetime1">
               <a:rPr lang="en-GB" noProof="1" smtClean="0"/>
-              <a:t>03/03/2025</a:t>
+              <a:t>08/03/2025</a:t>
             </a:fld>
             <a:endParaRPr lang="en-GB" noProof="1"/>
           </a:p>
@@ -18556,7 +18570,7 @@
           <a:p>
             <a:fld id="{9F536774-A431-714A-93C6-B898D597FD87}" type="datetime1">
               <a:rPr lang="en-GB" noProof="1" smtClean="0"/>
-              <a:t>03/03/2025</a:t>
+              <a:t>08/03/2025</a:t>
             </a:fld>
             <a:endParaRPr lang="en-GB" noProof="1"/>
           </a:p>
@@ -20344,7 +20358,7 @@
           <a:p>
             <a:fld id="{1A5DF876-D6AB-F548-80BF-5F7B6C93B7AC}" type="datetime1">
               <a:rPr lang="en-GB" noProof="1" smtClean="0"/>
-              <a:t>03/03/2025</a:t>
+              <a:t>08/03/2025</a:t>
             </a:fld>
             <a:endParaRPr lang="en-GB" noProof="1"/>
           </a:p>
@@ -20540,7 +20554,7 @@
           <a:p>
             <a:fld id="{1A5DF876-D6AB-F548-80BF-5F7B6C93B7AC}" type="datetime1">
               <a:rPr lang="en-GB" noProof="1" smtClean="0"/>
-              <a:t>03/03/2025</a:t>
+              <a:t>08/03/2025</a:t>
             </a:fld>
             <a:endParaRPr lang="en-GB" noProof="1"/>
           </a:p>
@@ -20816,7 +20830,7 @@
           <a:p>
             <a:fld id="{B12C864B-A2E3-AA4D-98B4-AEF83461A302}" type="datetime1">
               <a:rPr lang="en-GB" noProof="1" smtClean="0"/>
-              <a:t>03/03/2025</a:t>
+              <a:t>08/03/2025</a:t>
             </a:fld>
             <a:endParaRPr lang="en-GB" noProof="1"/>
           </a:p>
@@ -22153,7 +22167,7 @@
           <a:p>
             <a:fld id="{CD411E8C-5083-5447-A32B-0C1CCBB9375A}" type="datetime1">
               <a:rPr lang="en-GB" noProof="1" smtClean="0"/>
-              <a:t>03/03/2025</a:t>
+              <a:t>08/03/2025</a:t>
             </a:fld>
             <a:endParaRPr lang="en-GB" noProof="1"/>
           </a:p>
@@ -23705,7 +23719,7 @@
           <a:p>
             <a:fld id="{EFEBB04E-1A4D-BD4E-844E-3F1526DEA533}" type="datetime1">
               <a:rPr lang="en-GB" noProof="1" smtClean="0"/>
-              <a:t>03/03/2025</a:t>
+              <a:t>08/03/2025</a:t>
             </a:fld>
             <a:endParaRPr lang="en-GB" noProof="1"/>
           </a:p>
@@ -24092,7 +24106,7 @@
           <a:p>
             <a:fld id="{3039EC9A-DEBF-F04C-8900-AFD10D4E4FCA}" type="datetime1">
               <a:rPr lang="en-GB" noProof="1" smtClean="0"/>
-              <a:t>03/03/2025</a:t>
+              <a:t>08/03/2025</a:t>
             </a:fld>
             <a:endParaRPr lang="en-GB" noProof="1"/>
           </a:p>
@@ -24194,15 +24208,6 @@
               <a:srgbClr val="969696"/>
             </a:contourClr>
           </a:sp3d>
-          <a:extLst>
-            <a:ext uri="{909E8E84-426E-40DD-AFC4-6F175D3DCCD1}">
-              <a14:hiddenFill xmlns:a14="http://schemas.microsoft.com/office/drawing/2010/main">
-                <a:solidFill>
-                  <a:srgbClr val="FFFFFF"/>
-                </a:solidFill>
-              </a14:hiddenFill>
-            </a:ext>
-          </a:extLst>
         </p:spPr>
       </p:pic>
       <p:sp>
@@ -24516,7 +24521,7 @@
           <a:p>
             <a:fld id="{A7ED8E76-BAB7-D644-A0D8-AD99AB600281}" type="datetime1">
               <a:rPr lang="en-GB" noProof="1" smtClean="0"/>
-              <a:t>03/03/2025</a:t>
+              <a:t>08/03/2025</a:t>
             </a:fld>
             <a:endParaRPr lang="en-GB" noProof="1"/>
           </a:p>
@@ -26517,7 +26522,7 @@
           <a:p>
             <a:fld id="{41F41288-0D9F-BD4B-8F1C-39810479B2DA}" type="datetime1">
               <a:rPr lang="en-GB" noProof="1" smtClean="0"/>
-              <a:t>03/03/2025</a:t>
+              <a:t>08/03/2025</a:t>
             </a:fld>
             <a:endParaRPr lang="en-GB" noProof="1"/>
           </a:p>
@@ -27138,153 +27143,6 @@
 </p:sld>
 </file>
 
-<file path=ppt/slides/slide30.xml><?xml version="1.0" encoding="utf-8"?>
-<p:sld xmlns:a="http://schemas.openxmlformats.org/drawingml/2006/main" xmlns:r="http://schemas.openxmlformats.org/officeDocument/2006/relationships" xmlns:p="http://schemas.openxmlformats.org/presentationml/2006/main">
-  <p:cSld>
-    <p:spTree>
-      <p:nvGrpSpPr>
-        <p:cNvPr id="1" name="">
-          <a:extLst>
-            <a:ext uri="{FF2B5EF4-FFF2-40B4-BE49-F238E27FC236}">
-              <a16:creationId xmlns:a16="http://schemas.microsoft.com/office/drawing/2014/main" id="{82351CC5-82AD-D8B4-49B1-C39AD0E934D8}"/>
-            </a:ext>
-          </a:extLst>
-        </p:cNvPr>
-        <p:cNvGrpSpPr/>
-        <p:nvPr/>
-      </p:nvGrpSpPr>
-      <p:grpSpPr>
-        <a:xfrm>
-          <a:off x="0" y="0"/>
-          <a:ext cx="0" cy="0"/>
-          <a:chOff x="0" y="0"/>
-          <a:chExt cx="0" cy="0"/>
-        </a:xfrm>
-      </p:grpSpPr>
-      <p:sp>
-        <p:nvSpPr>
-          <p:cNvPr id="4" name="Title 3">
-            <a:extLst>
-              <a:ext uri="{FF2B5EF4-FFF2-40B4-BE49-F238E27FC236}">
-                <a16:creationId xmlns:a16="http://schemas.microsoft.com/office/drawing/2014/main" id="{AFF7B037-38BB-9C1C-B0BE-57F066C64835}"/>
-              </a:ext>
-            </a:extLst>
-          </p:cNvPr>
-          <p:cNvSpPr>
-            <a:spLocks noGrp="1"/>
-          </p:cNvSpPr>
-          <p:nvPr>
-            <p:ph type="title"/>
-          </p:nvPr>
-        </p:nvSpPr>
-        <p:spPr/>
-        <p:txBody>
-          <a:bodyPr/>
-          <a:lstStyle/>
-          <a:p>
-            <a:r>
-              <a:rPr lang="en-GB" noProof="1"/>
-              <a:t>Prior Distributions in MOFA</a:t>
-            </a:r>
-          </a:p>
-        </p:txBody>
-      </p:sp>
-      <p:sp>
-        <p:nvSpPr>
-          <p:cNvPr id="5" name="Content Placeholder 4">
-            <a:extLst>
-              <a:ext uri="{FF2B5EF4-FFF2-40B4-BE49-F238E27FC236}">
-                <a16:creationId xmlns:a16="http://schemas.microsoft.com/office/drawing/2014/main" id="{03E622B1-5B88-53B8-02A4-C15CECF4C88E}"/>
-              </a:ext>
-            </a:extLst>
-          </p:cNvPr>
-          <p:cNvSpPr>
-            <a:spLocks noGrp="1"/>
-          </p:cNvSpPr>
-          <p:nvPr>
-            <p:ph idx="1"/>
-          </p:nvPr>
-        </p:nvSpPr>
-        <p:spPr/>
-        <p:txBody>
-          <a:bodyPr/>
-          <a:lstStyle/>
-          <a:p>
-            <a:endParaRPr lang="en-GB" noProof="1"/>
-          </a:p>
-        </p:txBody>
-      </p:sp>
-      <p:sp>
-        <p:nvSpPr>
-          <p:cNvPr id="2" name="Date Placeholder 1">
-            <a:extLst>
-              <a:ext uri="{FF2B5EF4-FFF2-40B4-BE49-F238E27FC236}">
-                <a16:creationId xmlns:a16="http://schemas.microsoft.com/office/drawing/2014/main" id="{70ABD9D7-58A3-E2A7-C89E-0A13624491E3}"/>
-              </a:ext>
-            </a:extLst>
-          </p:cNvPr>
-          <p:cNvSpPr>
-            <a:spLocks noGrp="1"/>
-          </p:cNvSpPr>
-          <p:nvPr>
-            <p:ph type="dt" sz="half" idx="10"/>
-          </p:nvPr>
-        </p:nvSpPr>
-        <p:spPr/>
-        <p:txBody>
-          <a:bodyPr/>
-          <a:lstStyle/>
-          <a:p>
-            <a:fld id="{C805453F-6407-C646-B49E-AA308628DE61}" type="datetime1">
-              <a:rPr lang="en-GB" noProof="1" smtClean="0"/>
-              <a:t>03/03/2025</a:t>
-            </a:fld>
-            <a:endParaRPr lang="en-GB" noProof="1"/>
-          </a:p>
-        </p:txBody>
-      </p:sp>
-      <p:sp>
-        <p:nvSpPr>
-          <p:cNvPr id="3" name="Slide Number Placeholder 2">
-            <a:extLst>
-              <a:ext uri="{FF2B5EF4-FFF2-40B4-BE49-F238E27FC236}">
-                <a16:creationId xmlns:a16="http://schemas.microsoft.com/office/drawing/2014/main" id="{9D00552A-2450-E485-1F85-810521F7041D}"/>
-              </a:ext>
-            </a:extLst>
-          </p:cNvPr>
-          <p:cNvSpPr>
-            <a:spLocks noGrp="1"/>
-          </p:cNvSpPr>
-          <p:nvPr>
-            <p:ph type="sldNum" sz="quarter" idx="12"/>
-          </p:nvPr>
-        </p:nvSpPr>
-        <p:spPr/>
-        <p:txBody>
-          <a:bodyPr/>
-          <a:lstStyle/>
-          <a:p>
-            <a:fld id="{8290730A-91D1-7245-A43C-45E268028A7B}" type="slidenum">
-              <a:rPr lang="en-GB" noProof="1" smtClean="0"/>
-              <a:t>29</a:t>
-            </a:fld>
-            <a:endParaRPr lang="en-GB" noProof="1"/>
-          </a:p>
-        </p:txBody>
-      </p:sp>
-    </p:spTree>
-    <p:extLst>
-      <p:ext uri="{BB962C8B-B14F-4D97-AF65-F5344CB8AC3E}">
-        <p14:creationId xmlns:p14="http://schemas.microsoft.com/office/powerpoint/2010/main" val="2843730565"/>
-      </p:ext>
-    </p:extLst>
-  </p:cSld>
-  <p:clrMapOvr>
-    <a:masterClrMapping/>
-  </p:clrMapOvr>
-</p:sld>
-</file>
-
 <file path=ppt/slides/slide4.xml><?xml version="1.0" encoding="utf-8"?>
 <p:sld xmlns:a="http://schemas.openxmlformats.org/drawingml/2006/main" xmlns:r="http://schemas.openxmlformats.org/officeDocument/2006/relationships" xmlns:p="http://schemas.openxmlformats.org/presentationml/2006/main">
   <p:cSld>
@@ -28064,7 +27922,7 @@
           <a:p>
             <a:fld id="{82323433-5E39-5943-B9CB-5C8341A278AD}" type="datetime1">
               <a:rPr lang="en-GB" noProof="1" smtClean="0"/>
-              <a:t>03/03/2025</a:t>
+              <a:t>08/03/2025</a:t>
             </a:fld>
             <a:endParaRPr lang="en-GB" noProof="1"/>
           </a:p>
@@ -28432,7 +28290,7 @@
           <a:p>
             <a:fld id="{7BB365F0-2983-8C4D-A342-C5614B0FE464}" type="datetime1">
               <a:rPr lang="en-GB" noProof="1" smtClean="0"/>
-              <a:t>03/03/2025</a:t>
+              <a:t>08/03/2025</a:t>
             </a:fld>
             <a:endParaRPr lang="en-GB" noProof="1"/>
           </a:p>
@@ -28840,7 +28698,7 @@
           <a:p>
             <a:fld id="{1A5DF876-D6AB-F548-80BF-5F7B6C93B7AC}" type="datetime1">
               <a:rPr lang="en-GB" noProof="1" smtClean="0"/>
-              <a:t>03/03/2025</a:t>
+              <a:t>08/03/2025</a:t>
             </a:fld>
             <a:endParaRPr lang="en-GB" noProof="1"/>
           </a:p>
@@ -29287,7 +29145,7 @@
           <a:p>
             <a:fld id="{28DE6EF9-0760-494F-8CA5-AB4794A743D6}" type="datetime1">
               <a:rPr lang="en-GB" noProof="1" smtClean="0"/>
-              <a:t>03/03/2025</a:t>
+              <a:t>08/03/2025</a:t>
             </a:fld>
             <a:endParaRPr lang="en-GB" noProof="1"/>
           </a:p>
@@ -30371,7 +30229,7 @@
           <a:p>
             <a:fld id="{28DE6EF9-0760-494F-8CA5-AB4794A743D6}" type="datetime1">
               <a:rPr lang="en-GB" noProof="1" smtClean="0"/>
-              <a:t>03/03/2025</a:t>
+              <a:t>08/03/2025</a:t>
             </a:fld>
             <a:endParaRPr lang="en-GB" noProof="1"/>
           </a:p>
@@ -30661,7 +30519,7 @@
           <a:p>
             <a:fld id="{A16816AC-2982-C44D-A3E6-FA686AA382A6}" type="datetime1">
               <a:rPr lang="en-GB" noProof="1" smtClean="0"/>
-              <a:t>03/03/2025</a:t>
+              <a:t>08/03/2025</a:t>
             </a:fld>
             <a:endParaRPr lang="en-GB" noProof="1"/>
           </a:p>
